--- a/fr_decay/fr_decay.pptx
+++ b/fr_decay/fr_decay.pptx
@@ -8,6 +8,8 @@
     <p:sldId id="256" r:id="rId2"/>
     <p:sldId id="257" r:id="rId3"/>
     <p:sldId id="258" r:id="rId4"/>
+    <p:sldId id="259" r:id="rId5"/>
+    <p:sldId id="260" r:id="rId6"/>
   </p:sldIdLst>
   <p:sldSz cx="12192000" cy="6858000"/>
   <p:notesSz cx="6858000" cy="9144000"/>
@@ -261,7 +263,7 @@
           <a:p>
             <a:fld id="{284171C4-9060-4136-AD00-37819C28F9FC}" type="datetimeFigureOut">
               <a:rPr kumimoji="1" lang="ja-JP" altLang="en-US" smtClean="0"/>
-              <a:t>2019/10/12</a:t>
+              <a:t>2019/11/25</a:t>
             </a:fld>
             <a:endParaRPr kumimoji="1" lang="ja-JP" altLang="en-US"/>
           </a:p>
@@ -491,7 +493,7 @@
           <a:p>
             <a:fld id="{284171C4-9060-4136-AD00-37819C28F9FC}" type="datetimeFigureOut">
               <a:rPr kumimoji="1" lang="ja-JP" altLang="en-US" smtClean="0"/>
-              <a:t>2019/10/12</a:t>
+              <a:t>2019/11/25</a:t>
             </a:fld>
             <a:endParaRPr kumimoji="1" lang="ja-JP" altLang="en-US"/>
           </a:p>
@@ -731,7 +733,7 @@
           <a:p>
             <a:fld id="{284171C4-9060-4136-AD00-37819C28F9FC}" type="datetimeFigureOut">
               <a:rPr kumimoji="1" lang="ja-JP" altLang="en-US" smtClean="0"/>
-              <a:t>2019/10/12</a:t>
+              <a:t>2019/11/25</a:t>
             </a:fld>
             <a:endParaRPr kumimoji="1" lang="ja-JP" altLang="en-US"/>
           </a:p>
@@ -961,7 +963,7 @@
           <a:p>
             <a:fld id="{284171C4-9060-4136-AD00-37819C28F9FC}" type="datetimeFigureOut">
               <a:rPr kumimoji="1" lang="ja-JP" altLang="en-US" smtClean="0"/>
-              <a:t>2019/10/12</a:t>
+              <a:t>2019/11/25</a:t>
             </a:fld>
             <a:endParaRPr kumimoji="1" lang="ja-JP" altLang="en-US"/>
           </a:p>
@@ -1236,7 +1238,7 @@
           <a:p>
             <a:fld id="{284171C4-9060-4136-AD00-37819C28F9FC}" type="datetimeFigureOut">
               <a:rPr kumimoji="1" lang="ja-JP" altLang="en-US" smtClean="0"/>
-              <a:t>2019/10/12</a:t>
+              <a:t>2019/11/25</a:t>
             </a:fld>
             <a:endParaRPr kumimoji="1" lang="ja-JP" altLang="en-US"/>
           </a:p>
@@ -1565,7 +1567,7 @@
           <a:p>
             <a:fld id="{284171C4-9060-4136-AD00-37819C28F9FC}" type="datetimeFigureOut">
               <a:rPr kumimoji="1" lang="ja-JP" altLang="en-US" smtClean="0"/>
-              <a:t>2019/10/12</a:t>
+              <a:t>2019/11/25</a:t>
             </a:fld>
             <a:endParaRPr kumimoji="1" lang="ja-JP" altLang="en-US"/>
           </a:p>
@@ -2041,7 +2043,7 @@
           <a:p>
             <a:fld id="{284171C4-9060-4136-AD00-37819C28F9FC}" type="datetimeFigureOut">
               <a:rPr kumimoji="1" lang="ja-JP" altLang="en-US" smtClean="0"/>
-              <a:t>2019/10/12</a:t>
+              <a:t>2019/11/25</a:t>
             </a:fld>
             <a:endParaRPr kumimoji="1" lang="ja-JP" altLang="en-US"/>
           </a:p>
@@ -2182,7 +2184,7 @@
           <a:p>
             <a:fld id="{284171C4-9060-4136-AD00-37819C28F9FC}" type="datetimeFigureOut">
               <a:rPr kumimoji="1" lang="ja-JP" altLang="en-US" smtClean="0"/>
-              <a:t>2019/10/12</a:t>
+              <a:t>2019/11/25</a:t>
             </a:fld>
             <a:endParaRPr kumimoji="1" lang="ja-JP" altLang="en-US"/>
           </a:p>
@@ -2295,7 +2297,7 @@
           <a:p>
             <a:fld id="{284171C4-9060-4136-AD00-37819C28F9FC}" type="datetimeFigureOut">
               <a:rPr kumimoji="1" lang="ja-JP" altLang="en-US" smtClean="0"/>
-              <a:t>2019/10/12</a:t>
+              <a:t>2019/11/25</a:t>
             </a:fld>
             <a:endParaRPr kumimoji="1" lang="ja-JP" altLang="en-US"/>
           </a:p>
@@ -2638,7 +2640,7 @@
           <a:p>
             <a:fld id="{284171C4-9060-4136-AD00-37819C28F9FC}" type="datetimeFigureOut">
               <a:rPr kumimoji="1" lang="ja-JP" altLang="en-US" smtClean="0"/>
-              <a:t>2019/10/12</a:t>
+              <a:t>2019/11/25</a:t>
             </a:fld>
             <a:endParaRPr kumimoji="1" lang="ja-JP" altLang="en-US"/>
           </a:p>
@@ -2926,7 +2928,7 @@
           <a:p>
             <a:fld id="{284171C4-9060-4136-AD00-37819C28F9FC}" type="datetimeFigureOut">
               <a:rPr kumimoji="1" lang="ja-JP" altLang="en-US" smtClean="0"/>
-              <a:t>2019/10/12</a:t>
+              <a:t>2019/11/25</a:t>
             </a:fld>
             <a:endParaRPr kumimoji="1" lang="ja-JP" altLang="en-US"/>
           </a:p>
@@ -3199,7 +3201,7 @@
           <a:p>
             <a:fld id="{284171C4-9060-4136-AD00-37819C28F9FC}" type="datetimeFigureOut">
               <a:rPr kumimoji="1" lang="ja-JP" altLang="en-US" smtClean="0"/>
-              <a:t>2019/10/12</a:t>
+              <a:t>2019/11/25</a:t>
             </a:fld>
             <a:endParaRPr kumimoji="1" lang="ja-JP" altLang="en-US"/>
           </a:p>
@@ -4188,8 +4190,8 @@
           </a:p>
         </p:txBody>
       </p:sp>
-      <mc:AlternateContent xmlns:mc="http://schemas.openxmlformats.org/markup-compatibility/2006">
-        <mc:Choice xmlns:a14="http://schemas.microsoft.com/office/drawing/2010/main" Requires="a14">
+      <mc:AlternateContent xmlns:mc="http://schemas.openxmlformats.org/markup-compatibility/2006" xmlns:a14="http://schemas.microsoft.com/office/drawing/2010/main">
+        <mc:Choice Requires="a14">
           <p:sp>
             <p:nvSpPr>
               <p:cNvPr id="7" name="テキスト ボックス 6">
@@ -4218,6 +4220,7 @@
               </a:bodyPr>
               <a:lstStyle/>
               <a:p>
+                <a:pPr/>
                 <a14:m>
                   <m:oMathPara xmlns:m="http://schemas.openxmlformats.org/officeDocument/2006/math">
                     <m:oMathParaPr>
@@ -5093,7 +5096,7 @@
             </p:txBody>
           </p:sp>
         </mc:Choice>
-        <mc:Fallback>
+        <mc:Fallback xmlns="">
           <p:sp>
             <p:nvSpPr>
               <p:cNvPr id="7" name="テキスト ボックス 6">
@@ -5459,8 +5462,8 @@
           </a:p>
         </p:txBody>
       </p:sp>
-      <mc:AlternateContent xmlns:mc="http://schemas.openxmlformats.org/markup-compatibility/2006">
-        <mc:Choice xmlns:a14="http://schemas.microsoft.com/office/drawing/2010/main" Requires="a14">
+      <mc:AlternateContent xmlns:mc="http://schemas.openxmlformats.org/markup-compatibility/2006" xmlns:a14="http://schemas.microsoft.com/office/drawing/2010/main">
+        <mc:Choice Requires="a14">
           <p:sp>
             <p:nvSpPr>
               <p:cNvPr id="7" name="テキスト ボックス 6">
@@ -5489,6 +5492,7 @@
               </a:bodyPr>
               <a:lstStyle/>
               <a:p>
+                <a:pPr/>
                 <a14:m>
                   <m:oMathPara xmlns:m="http://schemas.openxmlformats.org/officeDocument/2006/math">
                     <m:oMathParaPr>
@@ -5687,7 +5691,7 @@
             </p:txBody>
           </p:sp>
         </mc:Choice>
-        <mc:Fallback>
+        <mc:Fallback xmlns="">
           <p:sp>
             <p:nvSpPr>
               <p:cNvPr id="7" name="テキスト ボックス 6">
@@ -5736,6 +5740,8096 @@
     <p:extLst>
       <p:ext uri="{BB962C8B-B14F-4D97-AF65-F5344CB8AC3E}">
         <p14:creationId xmlns:p14="http://schemas.microsoft.com/office/powerpoint/2010/main" val="4077782687"/>
+      </p:ext>
+    </p:extLst>
+  </p:cSld>
+  <p:clrMapOvr>
+    <a:masterClrMapping/>
+  </p:clrMapOvr>
+</p:sld>
+</file>
+
+<file path=ppt/slides/slide4.xml><?xml version="1.0" encoding="utf-8"?>
+<p:sld xmlns:a="http://schemas.openxmlformats.org/drawingml/2006/main" xmlns:r="http://schemas.openxmlformats.org/officeDocument/2006/relationships" xmlns:p="http://schemas.openxmlformats.org/presentationml/2006/main">
+  <p:cSld>
+    <p:spTree>
+      <p:nvGrpSpPr>
+        <p:cNvPr id="1" name=""/>
+        <p:cNvGrpSpPr/>
+        <p:nvPr/>
+      </p:nvGrpSpPr>
+      <p:grpSpPr>
+        <a:xfrm>
+          <a:off x="0" y="0"/>
+          <a:ext cx="0" cy="0"/>
+          <a:chOff x="0" y="0"/>
+          <a:chExt cx="0" cy="0"/>
+        </a:xfrm>
+      </p:grpSpPr>
+      <p:cxnSp>
+        <p:nvCxnSpPr>
+          <p:cNvPr id="175" name="直線矢印コネクタ 7">
+            <a:extLst>
+              <a:ext uri="{FF2B5EF4-FFF2-40B4-BE49-F238E27FC236}">
+                <a16:creationId xmlns:a16="http://schemas.microsoft.com/office/drawing/2014/main" id="{4E3836A3-C0BA-4F75-9B49-7B14FE041686}"/>
+              </a:ext>
+            </a:extLst>
+          </p:cNvPr>
+          <p:cNvCxnSpPr>
+            <a:cxnSpLocks/>
+            <a:stCxn id="27" idx="2"/>
+            <a:endCxn id="111" idx="0"/>
+          </p:cNvCxnSpPr>
+          <p:nvPr/>
+        </p:nvCxnSpPr>
+        <p:spPr>
+          <a:xfrm flipH="1">
+            <a:off x="4478368" y="3278434"/>
+            <a:ext cx="2086643" cy="1839407"/>
+          </a:xfrm>
+          <a:prstGeom prst="straightConnector1">
+            <a:avLst/>
+          </a:prstGeom>
+          <a:ln w="76200">
+            <a:solidFill>
+              <a:srgbClr val="FF0000"/>
+            </a:solidFill>
+            <a:prstDash val="sysDot"/>
+            <a:tailEnd type="triangle"/>
+          </a:ln>
+        </p:spPr>
+        <p:style>
+          <a:lnRef idx="1">
+            <a:schemeClr val="accent1"/>
+          </a:lnRef>
+          <a:fillRef idx="0">
+            <a:schemeClr val="accent1"/>
+          </a:fillRef>
+          <a:effectRef idx="0">
+            <a:schemeClr val="accent1"/>
+          </a:effectRef>
+          <a:fontRef idx="minor">
+            <a:schemeClr val="tx1"/>
+          </a:fontRef>
+        </p:style>
+      </p:cxnSp>
+      <p:cxnSp>
+        <p:nvCxnSpPr>
+          <p:cNvPr id="170" name="直線矢印コネクタ 7">
+            <a:extLst>
+              <a:ext uri="{FF2B5EF4-FFF2-40B4-BE49-F238E27FC236}">
+                <a16:creationId xmlns:a16="http://schemas.microsoft.com/office/drawing/2014/main" id="{6FAE2F78-08A6-40E0-A210-F222E734312F}"/>
+              </a:ext>
+            </a:extLst>
+          </p:cNvPr>
+          <p:cNvCxnSpPr>
+            <a:cxnSpLocks/>
+            <a:stCxn id="20" idx="2"/>
+            <a:endCxn id="109" idx="0"/>
+          </p:cNvCxnSpPr>
+          <p:nvPr/>
+        </p:nvCxnSpPr>
+        <p:spPr>
+          <a:xfrm flipH="1">
+            <a:off x="6565011" y="3278432"/>
+            <a:ext cx="2081301" cy="1834801"/>
+          </a:xfrm>
+          <a:prstGeom prst="straightConnector1">
+            <a:avLst/>
+          </a:prstGeom>
+          <a:ln w="76200">
+            <a:solidFill>
+              <a:srgbClr val="FF0000"/>
+            </a:solidFill>
+            <a:prstDash val="sysDot"/>
+            <a:tailEnd type="triangle"/>
+          </a:ln>
+        </p:spPr>
+        <p:style>
+          <a:lnRef idx="1">
+            <a:schemeClr val="accent1"/>
+          </a:lnRef>
+          <a:fillRef idx="0">
+            <a:schemeClr val="accent1"/>
+          </a:fillRef>
+          <a:effectRef idx="0">
+            <a:schemeClr val="accent1"/>
+          </a:effectRef>
+          <a:fontRef idx="minor">
+            <a:schemeClr val="tx1"/>
+          </a:fontRef>
+        </p:style>
+      </p:cxnSp>
+      <p:cxnSp>
+        <p:nvCxnSpPr>
+          <p:cNvPr id="165" name="直線矢印コネクタ 7">
+            <a:extLst>
+              <a:ext uri="{FF2B5EF4-FFF2-40B4-BE49-F238E27FC236}">
+                <a16:creationId xmlns:a16="http://schemas.microsoft.com/office/drawing/2014/main" id="{1AE6A10B-9EF6-4785-8AD2-274B1CF65EC7}"/>
+              </a:ext>
+            </a:extLst>
+          </p:cNvPr>
+          <p:cNvCxnSpPr>
+            <a:cxnSpLocks/>
+            <a:stCxn id="70" idx="2"/>
+            <a:endCxn id="108" idx="0"/>
+          </p:cNvCxnSpPr>
+          <p:nvPr/>
+        </p:nvCxnSpPr>
+        <p:spPr>
+          <a:xfrm flipH="1">
+            <a:off x="8646312" y="3278430"/>
+            <a:ext cx="2088804" cy="1834801"/>
+          </a:xfrm>
+          <a:prstGeom prst="straightConnector1">
+            <a:avLst/>
+          </a:prstGeom>
+          <a:ln w="76200">
+            <a:solidFill>
+              <a:srgbClr val="FF0000"/>
+            </a:solidFill>
+            <a:prstDash val="sysDot"/>
+            <a:tailEnd type="triangle"/>
+          </a:ln>
+        </p:spPr>
+        <p:style>
+          <a:lnRef idx="1">
+            <a:schemeClr val="accent1"/>
+          </a:lnRef>
+          <a:fillRef idx="0">
+            <a:schemeClr val="accent1"/>
+          </a:fillRef>
+          <a:effectRef idx="0">
+            <a:schemeClr val="accent1"/>
+          </a:effectRef>
+          <a:fontRef idx="minor">
+            <a:schemeClr val="tx1"/>
+          </a:fontRef>
+        </p:style>
+      </p:cxnSp>
+      <p:cxnSp>
+        <p:nvCxnSpPr>
+          <p:cNvPr id="136" name="直線矢印コネクタ 7">
+            <a:extLst>
+              <a:ext uri="{FF2B5EF4-FFF2-40B4-BE49-F238E27FC236}">
+                <a16:creationId xmlns:a16="http://schemas.microsoft.com/office/drawing/2014/main" id="{87A34FEF-9FE9-4BE1-AF0F-D0ED3D48C0DE}"/>
+              </a:ext>
+            </a:extLst>
+          </p:cNvPr>
+          <p:cNvCxnSpPr>
+            <a:cxnSpLocks/>
+            <a:stCxn id="15" idx="2"/>
+            <a:endCxn id="103" idx="0"/>
+          </p:cNvCxnSpPr>
+          <p:nvPr/>
+        </p:nvCxnSpPr>
+        <p:spPr>
+          <a:xfrm flipH="1">
+            <a:off x="4478368" y="2021157"/>
+            <a:ext cx="2086647" cy="1818799"/>
+          </a:xfrm>
+          <a:prstGeom prst="straightConnector1">
+            <a:avLst/>
+          </a:prstGeom>
+          <a:ln w="76200">
+            <a:solidFill>
+              <a:srgbClr val="FF0000"/>
+            </a:solidFill>
+            <a:prstDash val="sysDot"/>
+            <a:tailEnd type="triangle"/>
+          </a:ln>
+        </p:spPr>
+        <p:style>
+          <a:lnRef idx="1">
+            <a:schemeClr val="accent1"/>
+          </a:lnRef>
+          <a:fillRef idx="0">
+            <a:schemeClr val="accent1"/>
+          </a:fillRef>
+          <a:effectRef idx="0">
+            <a:schemeClr val="accent1"/>
+          </a:effectRef>
+          <a:fontRef idx="minor">
+            <a:schemeClr val="tx1"/>
+          </a:fontRef>
+        </p:style>
+      </p:cxnSp>
+      <p:cxnSp>
+        <p:nvCxnSpPr>
+          <p:cNvPr id="133" name="直線矢印コネクタ 7">
+            <a:extLst>
+              <a:ext uri="{FF2B5EF4-FFF2-40B4-BE49-F238E27FC236}">
+                <a16:creationId xmlns:a16="http://schemas.microsoft.com/office/drawing/2014/main" id="{A9FE5936-7139-423B-9B96-FD9B899C508D}"/>
+              </a:ext>
+            </a:extLst>
+          </p:cNvPr>
+          <p:cNvCxnSpPr>
+            <a:cxnSpLocks/>
+            <a:stCxn id="16" idx="2"/>
+            <a:endCxn id="102" idx="0"/>
+          </p:cNvCxnSpPr>
+          <p:nvPr/>
+        </p:nvCxnSpPr>
+        <p:spPr>
+          <a:xfrm flipH="1">
+            <a:off x="5527729" y="2013463"/>
+            <a:ext cx="2074711" cy="1819580"/>
+          </a:xfrm>
+          <a:prstGeom prst="straightConnector1">
+            <a:avLst/>
+          </a:prstGeom>
+          <a:ln w="76200">
+            <a:solidFill>
+              <a:srgbClr val="FF0000"/>
+            </a:solidFill>
+            <a:prstDash val="sysDot"/>
+            <a:tailEnd type="triangle"/>
+          </a:ln>
+        </p:spPr>
+        <p:style>
+          <a:lnRef idx="1">
+            <a:schemeClr val="accent1"/>
+          </a:lnRef>
+          <a:fillRef idx="0">
+            <a:schemeClr val="accent1"/>
+          </a:fillRef>
+          <a:effectRef idx="0">
+            <a:schemeClr val="accent1"/>
+          </a:effectRef>
+          <a:fontRef idx="minor">
+            <a:schemeClr val="tx1"/>
+          </a:fontRef>
+        </p:style>
+      </p:cxnSp>
+      <p:cxnSp>
+        <p:nvCxnSpPr>
+          <p:cNvPr id="129" name="直線矢印コネクタ 7">
+            <a:extLst>
+              <a:ext uri="{FF2B5EF4-FFF2-40B4-BE49-F238E27FC236}">
+                <a16:creationId xmlns:a16="http://schemas.microsoft.com/office/drawing/2014/main" id="{6726E559-46B5-4F27-B779-CB629C899346}"/>
+              </a:ext>
+            </a:extLst>
+          </p:cNvPr>
+          <p:cNvCxnSpPr>
+            <a:cxnSpLocks/>
+            <a:stCxn id="17" idx="2"/>
+            <a:endCxn id="101" idx="0"/>
+          </p:cNvCxnSpPr>
+          <p:nvPr/>
+        </p:nvCxnSpPr>
+        <p:spPr>
+          <a:xfrm flipH="1">
+            <a:off x="6565011" y="2021156"/>
+            <a:ext cx="2081301" cy="1814192"/>
+          </a:xfrm>
+          <a:prstGeom prst="straightConnector1">
+            <a:avLst/>
+          </a:prstGeom>
+          <a:ln w="76200">
+            <a:solidFill>
+              <a:srgbClr val="FF0000"/>
+            </a:solidFill>
+            <a:prstDash val="sysDot"/>
+            <a:tailEnd type="triangle"/>
+          </a:ln>
+        </p:spPr>
+        <p:style>
+          <a:lnRef idx="1">
+            <a:schemeClr val="accent1"/>
+          </a:lnRef>
+          <a:fillRef idx="0">
+            <a:schemeClr val="accent1"/>
+          </a:fillRef>
+          <a:effectRef idx="0">
+            <a:schemeClr val="accent1"/>
+          </a:effectRef>
+          <a:fontRef idx="minor">
+            <a:schemeClr val="tx1"/>
+          </a:fontRef>
+        </p:style>
+      </p:cxnSp>
+      <p:cxnSp>
+        <p:nvCxnSpPr>
+          <p:cNvPr id="33" name="直線矢印コネクタ 7">
+            <a:extLst>
+              <a:ext uri="{FF2B5EF4-FFF2-40B4-BE49-F238E27FC236}">
+                <a16:creationId xmlns:a16="http://schemas.microsoft.com/office/drawing/2014/main" id="{0E8C3420-3006-4766-B32F-F99B3B0880EE}"/>
+              </a:ext>
+            </a:extLst>
+          </p:cNvPr>
+          <p:cNvCxnSpPr>
+            <a:cxnSpLocks/>
+            <a:stCxn id="13" idx="2"/>
+            <a:endCxn id="39" idx="0"/>
+          </p:cNvCxnSpPr>
+          <p:nvPr/>
+        </p:nvCxnSpPr>
+        <p:spPr>
+          <a:xfrm flipH="1">
+            <a:off x="4478368" y="746395"/>
+            <a:ext cx="2086647" cy="1813372"/>
+          </a:xfrm>
+          <a:prstGeom prst="straightConnector1">
+            <a:avLst/>
+          </a:prstGeom>
+          <a:ln w="76200">
+            <a:solidFill>
+              <a:srgbClr val="FF0000"/>
+            </a:solidFill>
+            <a:prstDash val="sysDot"/>
+            <a:tailEnd type="triangle"/>
+          </a:ln>
+        </p:spPr>
+        <p:style>
+          <a:lnRef idx="1">
+            <a:schemeClr val="accent1"/>
+          </a:lnRef>
+          <a:fillRef idx="0">
+            <a:schemeClr val="accent1"/>
+          </a:fillRef>
+          <a:effectRef idx="0">
+            <a:schemeClr val="accent1"/>
+          </a:effectRef>
+          <a:fontRef idx="minor">
+            <a:schemeClr val="tx1"/>
+          </a:fontRef>
+        </p:style>
+      </p:cxnSp>
+      <p:cxnSp>
+        <p:nvCxnSpPr>
+          <p:cNvPr id="124" name="直線矢印コネクタ 7">
+            <a:extLst>
+              <a:ext uri="{FF2B5EF4-FFF2-40B4-BE49-F238E27FC236}">
+                <a16:creationId xmlns:a16="http://schemas.microsoft.com/office/drawing/2014/main" id="{874753FE-2289-4219-8821-201F54A14777}"/>
+              </a:ext>
+            </a:extLst>
+          </p:cNvPr>
+          <p:cNvCxnSpPr>
+            <a:cxnSpLocks/>
+            <a:stCxn id="18" idx="2"/>
+            <a:endCxn id="99" idx="0"/>
+          </p:cNvCxnSpPr>
+          <p:nvPr/>
+        </p:nvCxnSpPr>
+        <p:spPr>
+          <a:xfrm flipH="1">
+            <a:off x="7596951" y="2021156"/>
+            <a:ext cx="2093230" cy="1824632"/>
+          </a:xfrm>
+          <a:prstGeom prst="straightConnector1">
+            <a:avLst/>
+          </a:prstGeom>
+          <a:ln w="76200">
+            <a:solidFill>
+              <a:srgbClr val="FF0000"/>
+            </a:solidFill>
+            <a:prstDash val="sysDot"/>
+            <a:tailEnd type="triangle"/>
+          </a:ln>
+        </p:spPr>
+        <p:style>
+          <a:lnRef idx="1">
+            <a:schemeClr val="accent1"/>
+          </a:lnRef>
+          <a:fillRef idx="0">
+            <a:schemeClr val="accent1"/>
+          </a:fillRef>
+          <a:effectRef idx="0">
+            <a:schemeClr val="accent1"/>
+          </a:effectRef>
+          <a:fontRef idx="minor">
+            <a:schemeClr val="tx1"/>
+          </a:fontRef>
+        </p:style>
+      </p:cxnSp>
+      <p:cxnSp>
+        <p:nvCxnSpPr>
+          <p:cNvPr id="31" name="直線矢印コネクタ 7">
+            <a:extLst>
+              <a:ext uri="{FF2B5EF4-FFF2-40B4-BE49-F238E27FC236}">
+                <a16:creationId xmlns:a16="http://schemas.microsoft.com/office/drawing/2014/main" id="{36EBAFCD-317C-47BE-8765-D3C25BF968DC}"/>
+              </a:ext>
+            </a:extLst>
+          </p:cNvPr>
+          <p:cNvCxnSpPr>
+            <a:cxnSpLocks/>
+            <a:stCxn id="8" idx="2"/>
+            <a:endCxn id="36" idx="0"/>
+          </p:cNvCxnSpPr>
+          <p:nvPr/>
+        </p:nvCxnSpPr>
+        <p:spPr>
+          <a:xfrm flipH="1">
+            <a:off x="5527729" y="730969"/>
+            <a:ext cx="2074714" cy="1821885"/>
+          </a:xfrm>
+          <a:prstGeom prst="straightConnector1">
+            <a:avLst/>
+          </a:prstGeom>
+          <a:ln w="76200">
+            <a:solidFill>
+              <a:srgbClr val="FF0000"/>
+            </a:solidFill>
+            <a:prstDash val="sysDot"/>
+            <a:tailEnd type="triangle"/>
+          </a:ln>
+        </p:spPr>
+        <p:style>
+          <a:lnRef idx="1">
+            <a:schemeClr val="accent1"/>
+          </a:lnRef>
+          <a:fillRef idx="0">
+            <a:schemeClr val="accent1"/>
+          </a:fillRef>
+          <a:effectRef idx="0">
+            <a:schemeClr val="accent1"/>
+          </a:effectRef>
+          <a:fontRef idx="minor">
+            <a:schemeClr val="tx1"/>
+          </a:fontRef>
+        </p:style>
+      </p:cxnSp>
+      <p:cxnSp>
+        <p:nvCxnSpPr>
+          <p:cNvPr id="28" name="直線矢印コネクタ 7">
+            <a:extLst>
+              <a:ext uri="{FF2B5EF4-FFF2-40B4-BE49-F238E27FC236}">
+                <a16:creationId xmlns:a16="http://schemas.microsoft.com/office/drawing/2014/main" id="{BADB9B05-3555-4B79-BAC6-C6BC0BDF471D}"/>
+              </a:ext>
+            </a:extLst>
+          </p:cNvPr>
+          <p:cNvCxnSpPr>
+            <a:cxnSpLocks/>
+            <a:stCxn id="12" idx="2"/>
+            <a:endCxn id="27" idx="0"/>
+          </p:cNvCxnSpPr>
+          <p:nvPr/>
+        </p:nvCxnSpPr>
+        <p:spPr>
+          <a:xfrm flipH="1">
+            <a:off x="6565011" y="734989"/>
+            <a:ext cx="2081301" cy="1820170"/>
+          </a:xfrm>
+          <a:prstGeom prst="straightConnector1">
+            <a:avLst/>
+          </a:prstGeom>
+          <a:ln w="76200">
+            <a:solidFill>
+              <a:srgbClr val="FF0000"/>
+            </a:solidFill>
+            <a:prstDash val="sysDot"/>
+            <a:tailEnd type="triangle"/>
+          </a:ln>
+        </p:spPr>
+        <p:style>
+          <a:lnRef idx="1">
+            <a:schemeClr val="accent1"/>
+          </a:lnRef>
+          <a:fillRef idx="0">
+            <a:schemeClr val="accent1"/>
+          </a:fillRef>
+          <a:effectRef idx="0">
+            <a:schemeClr val="accent1"/>
+          </a:effectRef>
+          <a:fontRef idx="minor">
+            <a:schemeClr val="tx1"/>
+          </a:fontRef>
+        </p:style>
+      </p:cxnSp>
+      <p:sp>
+        <p:nvSpPr>
+          <p:cNvPr id="8" name="テキスト ボックス 22">
+            <a:extLst>
+              <a:ext uri="{FF2B5EF4-FFF2-40B4-BE49-F238E27FC236}">
+                <a16:creationId xmlns:a16="http://schemas.microsoft.com/office/drawing/2014/main" id="{1C19C68E-94AC-423B-810B-98C8FF6EA9C1}"/>
+              </a:ext>
+            </a:extLst>
+          </p:cNvPr>
+          <p:cNvSpPr txBox="1"/>
+          <p:nvPr/>
+        </p:nvSpPr>
+        <p:spPr>
+          <a:xfrm>
+            <a:off x="7189426" y="0"/>
+            <a:ext cx="826033" cy="730969"/>
+          </a:xfrm>
+          <a:prstGeom prst="rect">
+            <a:avLst/>
+          </a:prstGeom>
+          <a:noFill/>
+          <a:ln w="38100">
+            <a:solidFill>
+              <a:schemeClr val="tx1"/>
+            </a:solidFill>
+          </a:ln>
+        </p:spPr>
+        <p:txBody>
+          <a:bodyPr wrap="square" rtlCol="0" anchor="ctr">
+            <a:spAutoFit/>
+          </a:bodyPr>
+          <a:lstStyle/>
+          <a:p>
+            <a:pPr algn="ctr"/>
+            <a:endParaRPr kumimoji="1" lang="en-US" altLang="ja-JP" sz="1050" dirty="0"/>
+          </a:p>
+          <a:p>
+            <a:pPr algn="ctr"/>
+            <a:r>
+              <a:rPr kumimoji="1" lang="en-US" altLang="ja-JP" baseline="30000" dirty="0"/>
+              <a:t>210</a:t>
+            </a:r>
+            <a:r>
+              <a:rPr kumimoji="1" lang="en-US" altLang="ja-JP" sz="2000" dirty="0"/>
+              <a:t>Fr</a:t>
+            </a:r>
+          </a:p>
+          <a:p>
+            <a:pPr algn="ctr"/>
+            <a:r>
+              <a:rPr kumimoji="1" lang="en-US" altLang="ja-JP" sz="1050" dirty="0"/>
+              <a:t>3.18 min.</a:t>
+            </a:r>
+            <a:endParaRPr kumimoji="1" lang="ja-JP" altLang="en-US" sz="1050" dirty="0"/>
+          </a:p>
+        </p:txBody>
+      </p:sp>
+      <p:sp>
+        <p:nvSpPr>
+          <p:cNvPr id="9" name="テキスト ボックス 2">
+            <a:extLst>
+              <a:ext uri="{FF2B5EF4-FFF2-40B4-BE49-F238E27FC236}">
+                <a16:creationId xmlns:a16="http://schemas.microsoft.com/office/drawing/2014/main" id="{C394BCBE-D653-4EB5-B2D4-2334F19C3EA4}"/>
+              </a:ext>
+            </a:extLst>
+          </p:cNvPr>
+          <p:cNvSpPr txBox="1"/>
+          <p:nvPr/>
+        </p:nvSpPr>
+        <p:spPr>
+          <a:xfrm>
+            <a:off x="8132500" y="727084"/>
+            <a:ext cx="425102" cy="230832"/>
+          </a:xfrm>
+          <a:prstGeom prst="rect">
+            <a:avLst/>
+          </a:prstGeom>
+          <a:noFill/>
+        </p:spPr>
+        <p:txBody>
+          <a:bodyPr wrap="square" rtlCol="0">
+            <a:spAutoFit/>
+          </a:bodyPr>
+          <a:lstStyle/>
+          <a:p>
+            <a:pPr algn="ctr"/>
+            <a:r>
+              <a:rPr kumimoji="1" lang="en-US" altLang="ja-JP" sz="900" dirty="0">
+                <a:solidFill>
+                  <a:srgbClr val="FF0000"/>
+                </a:solidFill>
+              </a:rPr>
+              <a:t>87%</a:t>
+            </a:r>
+            <a:endParaRPr kumimoji="1" lang="ja-JP" altLang="en-US" sz="900" dirty="0">
+              <a:solidFill>
+                <a:srgbClr val="FF0000"/>
+              </a:solidFill>
+            </a:endParaRPr>
+          </a:p>
+        </p:txBody>
+      </p:sp>
+      <p:sp>
+        <p:nvSpPr>
+          <p:cNvPr id="12" name="テキスト ボックス 22">
+            <a:extLst>
+              <a:ext uri="{FF2B5EF4-FFF2-40B4-BE49-F238E27FC236}">
+                <a16:creationId xmlns:a16="http://schemas.microsoft.com/office/drawing/2014/main" id="{ADFD5040-6041-4C87-B14A-ADA808D353CE}"/>
+              </a:ext>
+            </a:extLst>
+          </p:cNvPr>
+          <p:cNvSpPr txBox="1"/>
+          <p:nvPr/>
+        </p:nvSpPr>
+        <p:spPr>
+          <a:xfrm>
+            <a:off x="8233295" y="11714"/>
+            <a:ext cx="826033" cy="723275"/>
+          </a:xfrm>
+          <a:prstGeom prst="rect">
+            <a:avLst/>
+          </a:prstGeom>
+          <a:noFill/>
+          <a:ln w="38100">
+            <a:solidFill>
+              <a:schemeClr val="tx1"/>
+            </a:solidFill>
+          </a:ln>
+        </p:spPr>
+        <p:txBody>
+          <a:bodyPr wrap="square" rtlCol="0" anchor="ctr">
+            <a:spAutoFit/>
+          </a:bodyPr>
+          <a:lstStyle/>
+          <a:p>
+            <a:pPr algn="ctr"/>
+            <a:endParaRPr kumimoji="1" lang="en-US" altLang="ja-JP" sz="1050" dirty="0"/>
+          </a:p>
+          <a:p>
+            <a:pPr algn="ctr"/>
+            <a:r>
+              <a:rPr kumimoji="1" lang="en-US" altLang="ja-JP" baseline="30000" dirty="0"/>
+              <a:t>211</a:t>
+            </a:r>
+            <a:r>
+              <a:rPr kumimoji="1" lang="en-US" altLang="ja-JP" sz="2000" dirty="0"/>
+              <a:t>Fr</a:t>
+            </a:r>
+          </a:p>
+          <a:p>
+            <a:pPr algn="ctr"/>
+            <a:r>
+              <a:rPr kumimoji="1" lang="en-US" altLang="ja-JP" sz="1050" dirty="0"/>
+              <a:t>3.10 min.</a:t>
+            </a:r>
+            <a:endParaRPr kumimoji="1" lang="ja-JP" altLang="en-US" sz="1050" dirty="0"/>
+          </a:p>
+        </p:txBody>
+      </p:sp>
+      <p:sp>
+        <p:nvSpPr>
+          <p:cNvPr id="13" name="テキスト ボックス 22">
+            <a:extLst>
+              <a:ext uri="{FF2B5EF4-FFF2-40B4-BE49-F238E27FC236}">
+                <a16:creationId xmlns:a16="http://schemas.microsoft.com/office/drawing/2014/main" id="{BB3D3458-6B43-4261-9DED-C3807805A176}"/>
+              </a:ext>
+            </a:extLst>
+          </p:cNvPr>
+          <p:cNvSpPr txBox="1"/>
+          <p:nvPr/>
+        </p:nvSpPr>
+        <p:spPr>
+          <a:xfrm>
+            <a:off x="6151998" y="15426"/>
+            <a:ext cx="826033" cy="730969"/>
+          </a:xfrm>
+          <a:prstGeom prst="rect">
+            <a:avLst/>
+          </a:prstGeom>
+          <a:noFill/>
+          <a:ln w="38100">
+            <a:solidFill>
+              <a:schemeClr val="tx1"/>
+            </a:solidFill>
+          </a:ln>
+        </p:spPr>
+        <p:txBody>
+          <a:bodyPr wrap="square" rtlCol="0" anchor="ctr">
+            <a:spAutoFit/>
+          </a:bodyPr>
+          <a:lstStyle/>
+          <a:p>
+            <a:pPr algn="ctr"/>
+            <a:endParaRPr kumimoji="1" lang="en-US" altLang="ja-JP" sz="1050" dirty="0"/>
+          </a:p>
+          <a:p>
+            <a:pPr algn="ctr"/>
+            <a:r>
+              <a:rPr kumimoji="1" lang="en-US" altLang="ja-JP" baseline="30000" dirty="0"/>
+              <a:t>209</a:t>
+            </a:r>
+            <a:r>
+              <a:rPr kumimoji="1" lang="en-US" altLang="ja-JP" sz="2000" dirty="0"/>
+              <a:t>Fr</a:t>
+            </a:r>
+          </a:p>
+          <a:p>
+            <a:pPr algn="ctr"/>
+            <a:r>
+              <a:rPr kumimoji="1" lang="en-US" altLang="ja-JP" sz="1050" dirty="0"/>
+              <a:t>50.0 sec.</a:t>
+            </a:r>
+            <a:endParaRPr kumimoji="1" lang="ja-JP" altLang="en-US" sz="1050" dirty="0"/>
+          </a:p>
+        </p:txBody>
+      </p:sp>
+      <p:sp>
+        <p:nvSpPr>
+          <p:cNvPr id="14" name="テキスト ボックス 22">
+            <a:extLst>
+              <a:ext uri="{FF2B5EF4-FFF2-40B4-BE49-F238E27FC236}">
+                <a16:creationId xmlns:a16="http://schemas.microsoft.com/office/drawing/2014/main" id="{5C214A89-EEE9-4733-9D30-4B9DFCA1F2C6}"/>
+              </a:ext>
+            </a:extLst>
+          </p:cNvPr>
+          <p:cNvSpPr txBox="1"/>
+          <p:nvPr/>
+        </p:nvSpPr>
+        <p:spPr>
+          <a:xfrm>
+            <a:off x="5114569" y="7694"/>
+            <a:ext cx="826033" cy="730969"/>
+          </a:xfrm>
+          <a:prstGeom prst="rect">
+            <a:avLst/>
+          </a:prstGeom>
+          <a:noFill/>
+          <a:ln w="38100">
+            <a:solidFill>
+              <a:schemeClr val="tx1"/>
+            </a:solidFill>
+          </a:ln>
+        </p:spPr>
+        <p:txBody>
+          <a:bodyPr wrap="square" rtlCol="0" anchor="ctr">
+            <a:spAutoFit/>
+          </a:bodyPr>
+          <a:lstStyle/>
+          <a:p>
+            <a:pPr algn="ctr"/>
+            <a:endParaRPr kumimoji="1" lang="en-US" altLang="ja-JP" sz="1050" dirty="0"/>
+          </a:p>
+          <a:p>
+            <a:pPr algn="ctr"/>
+            <a:r>
+              <a:rPr kumimoji="1" lang="en-US" altLang="ja-JP" baseline="30000" dirty="0"/>
+              <a:t>208</a:t>
+            </a:r>
+            <a:r>
+              <a:rPr kumimoji="1" lang="en-US" altLang="ja-JP" sz="2000" dirty="0"/>
+              <a:t>Fr</a:t>
+            </a:r>
+          </a:p>
+          <a:p>
+            <a:pPr algn="ctr"/>
+            <a:r>
+              <a:rPr kumimoji="1" lang="en-US" altLang="ja-JP" sz="1050" dirty="0"/>
+              <a:t>59.1 sec.</a:t>
+            </a:r>
+            <a:endParaRPr kumimoji="1" lang="ja-JP" altLang="en-US" sz="1050" dirty="0"/>
+          </a:p>
+        </p:txBody>
+      </p:sp>
+      <p:sp>
+        <p:nvSpPr>
+          <p:cNvPr id="15" name="テキスト ボックス 22">
+            <a:extLst>
+              <a:ext uri="{FF2B5EF4-FFF2-40B4-BE49-F238E27FC236}">
+                <a16:creationId xmlns:a16="http://schemas.microsoft.com/office/drawing/2014/main" id="{12AA82D4-877A-4410-AF8B-411E7C7DE91A}"/>
+              </a:ext>
+            </a:extLst>
+          </p:cNvPr>
+          <p:cNvSpPr txBox="1"/>
+          <p:nvPr/>
+        </p:nvSpPr>
+        <p:spPr>
+          <a:xfrm>
+            <a:off x="6151998" y="1290188"/>
+            <a:ext cx="826033" cy="730969"/>
+          </a:xfrm>
+          <a:prstGeom prst="rect">
+            <a:avLst/>
+          </a:prstGeom>
+          <a:solidFill>
+            <a:schemeClr val="bg1"/>
+          </a:solidFill>
+          <a:ln w="38100">
+            <a:solidFill>
+              <a:schemeClr val="tx1"/>
+            </a:solidFill>
+          </a:ln>
+        </p:spPr>
+        <p:txBody>
+          <a:bodyPr wrap="square" rtlCol="0" anchor="ctr">
+            <a:spAutoFit/>
+          </a:bodyPr>
+          <a:lstStyle/>
+          <a:p>
+            <a:pPr algn="ctr"/>
+            <a:endParaRPr kumimoji="1" lang="en-US" altLang="ja-JP" sz="1050" dirty="0"/>
+          </a:p>
+          <a:p>
+            <a:pPr algn="ctr"/>
+            <a:r>
+              <a:rPr kumimoji="1" lang="en-US" altLang="ja-JP" baseline="30000" dirty="0"/>
+              <a:t>208</a:t>
+            </a:r>
+            <a:r>
+              <a:rPr kumimoji="1" lang="en-US" altLang="ja-JP" sz="2000" dirty="0"/>
+              <a:t>Rn</a:t>
+            </a:r>
+          </a:p>
+          <a:p>
+            <a:pPr algn="ctr"/>
+            <a:r>
+              <a:rPr kumimoji="1" lang="en-US" altLang="ja-JP" sz="1050" dirty="0"/>
+              <a:t>24.35 min.</a:t>
+            </a:r>
+            <a:endParaRPr kumimoji="1" lang="ja-JP" altLang="en-US" sz="1050" dirty="0"/>
+          </a:p>
+        </p:txBody>
+      </p:sp>
+      <p:sp>
+        <p:nvSpPr>
+          <p:cNvPr id="16" name="テキスト ボックス 22">
+            <a:extLst>
+              <a:ext uri="{FF2B5EF4-FFF2-40B4-BE49-F238E27FC236}">
+                <a16:creationId xmlns:a16="http://schemas.microsoft.com/office/drawing/2014/main" id="{604ACA2A-DB55-445D-BBC6-27E3BC4F9682}"/>
+              </a:ext>
+            </a:extLst>
+          </p:cNvPr>
+          <p:cNvSpPr txBox="1"/>
+          <p:nvPr/>
+        </p:nvSpPr>
+        <p:spPr>
+          <a:xfrm>
+            <a:off x="7189423" y="1290188"/>
+            <a:ext cx="826033" cy="723275"/>
+          </a:xfrm>
+          <a:prstGeom prst="rect">
+            <a:avLst/>
+          </a:prstGeom>
+          <a:solidFill>
+            <a:schemeClr val="bg1"/>
+          </a:solidFill>
+          <a:ln w="38100">
+            <a:solidFill>
+              <a:schemeClr val="tx1"/>
+            </a:solidFill>
+          </a:ln>
+        </p:spPr>
+        <p:txBody>
+          <a:bodyPr wrap="square" rtlCol="0" anchor="ctr">
+            <a:spAutoFit/>
+          </a:bodyPr>
+          <a:lstStyle/>
+          <a:p>
+            <a:pPr algn="ctr"/>
+            <a:endParaRPr kumimoji="1" lang="en-US" altLang="ja-JP" sz="1050" dirty="0"/>
+          </a:p>
+          <a:p>
+            <a:pPr algn="ctr"/>
+            <a:r>
+              <a:rPr kumimoji="1" lang="en-US" altLang="ja-JP" baseline="30000" dirty="0"/>
+              <a:t>209</a:t>
+            </a:r>
+            <a:r>
+              <a:rPr kumimoji="1" lang="en-US" altLang="ja-JP" sz="2000" dirty="0"/>
+              <a:t>Rn</a:t>
+            </a:r>
+          </a:p>
+          <a:p>
+            <a:pPr algn="ctr"/>
+            <a:r>
+              <a:rPr kumimoji="1" lang="en-US" altLang="ja-JP" sz="1050" dirty="0"/>
+              <a:t>28.5 min.</a:t>
+            </a:r>
+            <a:endParaRPr kumimoji="1" lang="ja-JP" altLang="en-US" sz="1050" dirty="0"/>
+          </a:p>
+        </p:txBody>
+      </p:sp>
+      <p:sp>
+        <p:nvSpPr>
+          <p:cNvPr id="17" name="テキスト ボックス 22">
+            <a:extLst>
+              <a:ext uri="{FF2B5EF4-FFF2-40B4-BE49-F238E27FC236}">
+                <a16:creationId xmlns:a16="http://schemas.microsoft.com/office/drawing/2014/main" id="{BF29E125-5ED7-4F5A-8A29-DF576AF04ADD}"/>
+              </a:ext>
+            </a:extLst>
+          </p:cNvPr>
+          <p:cNvSpPr txBox="1"/>
+          <p:nvPr/>
+        </p:nvSpPr>
+        <p:spPr>
+          <a:xfrm>
+            <a:off x="8233295" y="1297881"/>
+            <a:ext cx="826033" cy="723275"/>
+          </a:xfrm>
+          <a:prstGeom prst="rect">
+            <a:avLst/>
+          </a:prstGeom>
+          <a:noFill/>
+          <a:ln w="38100">
+            <a:solidFill>
+              <a:schemeClr val="tx1"/>
+            </a:solidFill>
+          </a:ln>
+        </p:spPr>
+        <p:txBody>
+          <a:bodyPr wrap="square" rtlCol="0" anchor="ctr">
+            <a:spAutoFit/>
+          </a:bodyPr>
+          <a:lstStyle/>
+          <a:p>
+            <a:pPr algn="ctr"/>
+            <a:endParaRPr kumimoji="1" lang="en-US" altLang="ja-JP" sz="1050" dirty="0"/>
+          </a:p>
+          <a:p>
+            <a:pPr algn="ctr"/>
+            <a:r>
+              <a:rPr kumimoji="1" lang="en-US" altLang="ja-JP" baseline="30000" dirty="0"/>
+              <a:t>210</a:t>
+            </a:r>
+            <a:r>
+              <a:rPr kumimoji="1" lang="en-US" altLang="ja-JP" sz="2000" dirty="0"/>
+              <a:t>Rn</a:t>
+            </a:r>
+          </a:p>
+          <a:p>
+            <a:pPr algn="ctr"/>
+            <a:r>
+              <a:rPr kumimoji="1" lang="en-US" altLang="ja-JP" sz="1050" dirty="0"/>
+              <a:t>2.4 hrs.</a:t>
+            </a:r>
+            <a:endParaRPr kumimoji="1" lang="ja-JP" altLang="en-US" sz="1050" dirty="0"/>
+          </a:p>
+        </p:txBody>
+      </p:sp>
+      <p:sp>
+        <p:nvSpPr>
+          <p:cNvPr id="18" name="テキスト ボックス 22">
+            <a:extLst>
+              <a:ext uri="{FF2B5EF4-FFF2-40B4-BE49-F238E27FC236}">
+                <a16:creationId xmlns:a16="http://schemas.microsoft.com/office/drawing/2014/main" id="{7DBCB225-FE5A-4FCA-8AF9-01072E268779}"/>
+              </a:ext>
+            </a:extLst>
+          </p:cNvPr>
+          <p:cNvSpPr txBox="1"/>
+          <p:nvPr/>
+        </p:nvSpPr>
+        <p:spPr>
+          <a:xfrm>
+            <a:off x="9277164" y="1297881"/>
+            <a:ext cx="826033" cy="723275"/>
+          </a:xfrm>
+          <a:prstGeom prst="rect">
+            <a:avLst/>
+          </a:prstGeom>
+          <a:noFill/>
+          <a:ln w="38100">
+            <a:solidFill>
+              <a:schemeClr val="tx1"/>
+            </a:solidFill>
+          </a:ln>
+        </p:spPr>
+        <p:txBody>
+          <a:bodyPr wrap="square" rtlCol="0" anchor="ctr">
+            <a:spAutoFit/>
+          </a:bodyPr>
+          <a:lstStyle/>
+          <a:p>
+            <a:pPr algn="ctr"/>
+            <a:endParaRPr kumimoji="1" lang="en-US" altLang="ja-JP" sz="1050" dirty="0"/>
+          </a:p>
+          <a:p>
+            <a:pPr algn="ctr"/>
+            <a:r>
+              <a:rPr kumimoji="1" lang="en-US" altLang="ja-JP" baseline="30000" dirty="0"/>
+              <a:t>211</a:t>
+            </a:r>
+            <a:r>
+              <a:rPr kumimoji="1" lang="en-US" altLang="ja-JP" sz="2000" dirty="0"/>
+              <a:t>Rn</a:t>
+            </a:r>
+          </a:p>
+          <a:p>
+            <a:pPr algn="ctr"/>
+            <a:r>
+              <a:rPr kumimoji="1" lang="en-US" altLang="ja-JP" sz="1050" dirty="0"/>
+              <a:t>14.6 hrs</a:t>
+            </a:r>
+            <a:r>
+              <a:rPr lang="en-US" altLang="ja-JP" sz="1050" dirty="0"/>
+              <a:t>.</a:t>
+            </a:r>
+            <a:endParaRPr kumimoji="1" lang="ja-JP" altLang="en-US" sz="1050" dirty="0"/>
+          </a:p>
+        </p:txBody>
+      </p:sp>
+      <p:sp>
+        <p:nvSpPr>
+          <p:cNvPr id="19" name="テキスト ボックス 22">
+            <a:extLst>
+              <a:ext uri="{FF2B5EF4-FFF2-40B4-BE49-F238E27FC236}">
+                <a16:creationId xmlns:a16="http://schemas.microsoft.com/office/drawing/2014/main" id="{1E39DA89-CD55-4C0A-8E5C-21349594CEA4}"/>
+              </a:ext>
+            </a:extLst>
+          </p:cNvPr>
+          <p:cNvSpPr txBox="1"/>
+          <p:nvPr/>
+        </p:nvSpPr>
+        <p:spPr>
+          <a:xfrm>
+            <a:off x="7183934" y="2565599"/>
+            <a:ext cx="826033" cy="723275"/>
+          </a:xfrm>
+          <a:prstGeom prst="rect">
+            <a:avLst/>
+          </a:prstGeom>
+          <a:solidFill>
+            <a:schemeClr val="bg1"/>
+          </a:solidFill>
+          <a:ln w="38100">
+            <a:solidFill>
+              <a:schemeClr val="tx1"/>
+            </a:solidFill>
+          </a:ln>
+        </p:spPr>
+        <p:txBody>
+          <a:bodyPr wrap="square" rtlCol="0" anchor="ctr">
+            <a:spAutoFit/>
+          </a:bodyPr>
+          <a:lstStyle/>
+          <a:p>
+            <a:pPr algn="ctr"/>
+            <a:endParaRPr kumimoji="1" lang="en-US" altLang="ja-JP" sz="1050" dirty="0"/>
+          </a:p>
+          <a:p>
+            <a:pPr algn="ctr"/>
+            <a:r>
+              <a:rPr kumimoji="1" lang="en-US" altLang="ja-JP" baseline="30000" dirty="0"/>
+              <a:t>208</a:t>
+            </a:r>
+            <a:r>
+              <a:rPr kumimoji="1" lang="en-US" altLang="ja-JP" sz="2000" dirty="0"/>
+              <a:t>At</a:t>
+            </a:r>
+          </a:p>
+          <a:p>
+            <a:pPr algn="ctr"/>
+            <a:r>
+              <a:rPr kumimoji="1" lang="en-US" altLang="ja-JP" sz="1050" dirty="0"/>
+              <a:t>1.63 hrs</a:t>
+            </a:r>
+            <a:r>
+              <a:rPr lang="en-US" altLang="ja-JP" sz="1050" dirty="0"/>
+              <a:t>.</a:t>
+            </a:r>
+            <a:endParaRPr kumimoji="1" lang="ja-JP" altLang="en-US" sz="1050" dirty="0"/>
+          </a:p>
+        </p:txBody>
+      </p:sp>
+      <p:sp>
+        <p:nvSpPr>
+          <p:cNvPr id="20" name="テキスト ボックス 22">
+            <a:extLst>
+              <a:ext uri="{FF2B5EF4-FFF2-40B4-BE49-F238E27FC236}">
+                <a16:creationId xmlns:a16="http://schemas.microsoft.com/office/drawing/2014/main" id="{AF9EF51C-8AB7-4677-9AE0-405C15B9AD76}"/>
+              </a:ext>
+            </a:extLst>
+          </p:cNvPr>
+          <p:cNvSpPr txBox="1"/>
+          <p:nvPr/>
+        </p:nvSpPr>
+        <p:spPr>
+          <a:xfrm>
+            <a:off x="8233295" y="2555157"/>
+            <a:ext cx="826033" cy="723275"/>
+          </a:xfrm>
+          <a:prstGeom prst="rect">
+            <a:avLst/>
+          </a:prstGeom>
+          <a:solidFill>
+            <a:schemeClr val="bg1"/>
+          </a:solidFill>
+          <a:ln w="38100">
+            <a:solidFill>
+              <a:schemeClr val="tx1"/>
+            </a:solidFill>
+          </a:ln>
+        </p:spPr>
+        <p:txBody>
+          <a:bodyPr wrap="square" rtlCol="0" anchor="ctr">
+            <a:spAutoFit/>
+          </a:bodyPr>
+          <a:lstStyle/>
+          <a:p>
+            <a:pPr algn="ctr"/>
+            <a:endParaRPr kumimoji="1" lang="en-US" altLang="ja-JP" sz="1050" dirty="0"/>
+          </a:p>
+          <a:p>
+            <a:pPr algn="ctr"/>
+            <a:r>
+              <a:rPr kumimoji="1" lang="en-US" altLang="ja-JP" baseline="30000" dirty="0"/>
+              <a:t>209</a:t>
+            </a:r>
+            <a:r>
+              <a:rPr kumimoji="1" lang="en-US" altLang="ja-JP" sz="2000" dirty="0"/>
+              <a:t>At</a:t>
+            </a:r>
+          </a:p>
+          <a:p>
+            <a:pPr algn="ctr"/>
+            <a:r>
+              <a:rPr kumimoji="1" lang="en-US" altLang="ja-JP" sz="1050" dirty="0"/>
+              <a:t>5.41 hrs.</a:t>
+            </a:r>
+            <a:endParaRPr kumimoji="1" lang="ja-JP" altLang="en-US" sz="1050" dirty="0"/>
+          </a:p>
+        </p:txBody>
+      </p:sp>
+      <p:cxnSp>
+        <p:nvCxnSpPr>
+          <p:cNvPr id="21" name="直線矢印コネクタ 5">
+            <a:extLst>
+              <a:ext uri="{FF2B5EF4-FFF2-40B4-BE49-F238E27FC236}">
+                <a16:creationId xmlns:a16="http://schemas.microsoft.com/office/drawing/2014/main" id="{23B395FC-AC3B-41C2-82D8-877DA7A4A2DF}"/>
+              </a:ext>
+            </a:extLst>
+          </p:cNvPr>
+          <p:cNvCxnSpPr>
+            <a:cxnSpLocks/>
+            <a:stCxn id="14" idx="2"/>
+            <a:endCxn id="15" idx="0"/>
+          </p:cNvCxnSpPr>
+          <p:nvPr/>
+        </p:nvCxnSpPr>
+        <p:spPr>
+          <a:xfrm>
+            <a:off x="5527586" y="738663"/>
+            <a:ext cx="1037429" cy="551525"/>
+          </a:xfrm>
+          <a:prstGeom prst="straightConnector1">
+            <a:avLst/>
+          </a:prstGeom>
+          <a:ln w="76200">
+            <a:tailEnd type="triangle"/>
+          </a:ln>
+        </p:spPr>
+        <p:style>
+          <a:lnRef idx="1">
+            <a:schemeClr val="accent1"/>
+          </a:lnRef>
+          <a:fillRef idx="0">
+            <a:schemeClr val="accent1"/>
+          </a:fillRef>
+          <a:effectRef idx="0">
+            <a:schemeClr val="accent1"/>
+          </a:effectRef>
+          <a:fontRef idx="minor">
+            <a:schemeClr val="tx1"/>
+          </a:fontRef>
+        </p:style>
+      </p:cxnSp>
+      <p:cxnSp>
+        <p:nvCxnSpPr>
+          <p:cNvPr id="24" name="直線矢印コネクタ 5">
+            <a:extLst>
+              <a:ext uri="{FF2B5EF4-FFF2-40B4-BE49-F238E27FC236}">
+                <a16:creationId xmlns:a16="http://schemas.microsoft.com/office/drawing/2014/main" id="{CAAB0D88-BBCA-41C4-BC35-354E2FD36B82}"/>
+              </a:ext>
+            </a:extLst>
+          </p:cNvPr>
+          <p:cNvCxnSpPr>
+            <a:cxnSpLocks/>
+            <a:stCxn id="15" idx="2"/>
+            <a:endCxn id="19" idx="0"/>
+          </p:cNvCxnSpPr>
+          <p:nvPr/>
+        </p:nvCxnSpPr>
+        <p:spPr>
+          <a:xfrm>
+            <a:off x="6565015" y="2021157"/>
+            <a:ext cx="1031936" cy="544442"/>
+          </a:xfrm>
+          <a:prstGeom prst="straightConnector1">
+            <a:avLst/>
+          </a:prstGeom>
+          <a:ln w="76200">
+            <a:tailEnd type="triangle"/>
+          </a:ln>
+        </p:spPr>
+        <p:style>
+          <a:lnRef idx="1">
+            <a:schemeClr val="accent1"/>
+          </a:lnRef>
+          <a:fillRef idx="0">
+            <a:schemeClr val="accent1"/>
+          </a:fillRef>
+          <a:effectRef idx="0">
+            <a:schemeClr val="accent1"/>
+          </a:effectRef>
+          <a:fontRef idx="minor">
+            <a:schemeClr val="tx1"/>
+          </a:fontRef>
+        </p:style>
+      </p:cxnSp>
+      <p:sp>
+        <p:nvSpPr>
+          <p:cNvPr id="27" name="テキスト ボックス 22">
+            <a:extLst>
+              <a:ext uri="{FF2B5EF4-FFF2-40B4-BE49-F238E27FC236}">
+                <a16:creationId xmlns:a16="http://schemas.microsoft.com/office/drawing/2014/main" id="{84E9D73E-660A-4547-B616-E651B7E489BA}"/>
+              </a:ext>
+            </a:extLst>
+          </p:cNvPr>
+          <p:cNvSpPr txBox="1"/>
+          <p:nvPr/>
+        </p:nvSpPr>
+        <p:spPr>
+          <a:xfrm>
+            <a:off x="6151994" y="2555159"/>
+            <a:ext cx="826033" cy="723275"/>
+          </a:xfrm>
+          <a:prstGeom prst="rect">
+            <a:avLst/>
+          </a:prstGeom>
+          <a:solidFill>
+            <a:schemeClr val="bg1"/>
+          </a:solidFill>
+          <a:ln w="38100">
+            <a:solidFill>
+              <a:schemeClr val="tx1"/>
+            </a:solidFill>
+          </a:ln>
+        </p:spPr>
+        <p:txBody>
+          <a:bodyPr wrap="square" rtlCol="0" anchor="ctr">
+            <a:spAutoFit/>
+          </a:bodyPr>
+          <a:lstStyle/>
+          <a:p>
+            <a:pPr algn="ctr"/>
+            <a:endParaRPr kumimoji="1" lang="en-US" altLang="ja-JP" sz="1050" dirty="0"/>
+          </a:p>
+          <a:p>
+            <a:pPr algn="ctr"/>
+            <a:r>
+              <a:rPr kumimoji="1" lang="en-US" altLang="ja-JP" baseline="30000" dirty="0"/>
+              <a:t>207</a:t>
+            </a:r>
+            <a:r>
+              <a:rPr kumimoji="1" lang="en-US" altLang="ja-JP" sz="2000" dirty="0"/>
+              <a:t>At</a:t>
+            </a:r>
+          </a:p>
+          <a:p>
+            <a:pPr algn="ctr"/>
+            <a:r>
+              <a:rPr kumimoji="1" lang="en-US" altLang="ja-JP" sz="1050" dirty="0"/>
+              <a:t>1.80 hrs.</a:t>
+            </a:r>
+            <a:endParaRPr kumimoji="1" lang="ja-JP" altLang="en-US" sz="1050" dirty="0"/>
+          </a:p>
+        </p:txBody>
+      </p:sp>
+      <p:sp>
+        <p:nvSpPr>
+          <p:cNvPr id="32" name="テキスト ボックス 2">
+            <a:extLst>
+              <a:ext uri="{FF2B5EF4-FFF2-40B4-BE49-F238E27FC236}">
+                <a16:creationId xmlns:a16="http://schemas.microsoft.com/office/drawing/2014/main" id="{9F6B9ABA-DB73-441C-8060-61A9B62738E9}"/>
+              </a:ext>
+            </a:extLst>
+          </p:cNvPr>
+          <p:cNvSpPr txBox="1"/>
+          <p:nvPr/>
+        </p:nvSpPr>
+        <p:spPr>
+          <a:xfrm>
+            <a:off x="7076930" y="738663"/>
+            <a:ext cx="425102" cy="230832"/>
+          </a:xfrm>
+          <a:prstGeom prst="rect">
+            <a:avLst/>
+          </a:prstGeom>
+          <a:noFill/>
+        </p:spPr>
+        <p:txBody>
+          <a:bodyPr wrap="square" rtlCol="0">
+            <a:spAutoFit/>
+          </a:bodyPr>
+          <a:lstStyle/>
+          <a:p>
+            <a:pPr algn="ctr"/>
+            <a:r>
+              <a:rPr kumimoji="1" lang="en-US" altLang="ja-JP" sz="900" dirty="0">
+                <a:solidFill>
+                  <a:srgbClr val="FF0000"/>
+                </a:solidFill>
+              </a:rPr>
+              <a:t>71%</a:t>
+            </a:r>
+            <a:endParaRPr kumimoji="1" lang="ja-JP" altLang="en-US" sz="900" dirty="0">
+              <a:solidFill>
+                <a:srgbClr val="FF0000"/>
+              </a:solidFill>
+            </a:endParaRPr>
+          </a:p>
+        </p:txBody>
+      </p:sp>
+      <p:sp>
+        <p:nvSpPr>
+          <p:cNvPr id="34" name="テキスト ボックス 2">
+            <a:extLst>
+              <a:ext uri="{FF2B5EF4-FFF2-40B4-BE49-F238E27FC236}">
+                <a16:creationId xmlns:a16="http://schemas.microsoft.com/office/drawing/2014/main" id="{E84190B9-A42C-4D17-9B9A-44F791B49E74}"/>
+              </a:ext>
+            </a:extLst>
+          </p:cNvPr>
+          <p:cNvSpPr txBox="1"/>
+          <p:nvPr/>
+        </p:nvSpPr>
+        <p:spPr>
+          <a:xfrm>
+            <a:off x="5982005" y="739885"/>
+            <a:ext cx="425102" cy="230832"/>
+          </a:xfrm>
+          <a:prstGeom prst="rect">
+            <a:avLst/>
+          </a:prstGeom>
+          <a:noFill/>
+        </p:spPr>
+        <p:txBody>
+          <a:bodyPr wrap="square" rtlCol="0">
+            <a:spAutoFit/>
+          </a:bodyPr>
+          <a:lstStyle/>
+          <a:p>
+            <a:pPr algn="ctr"/>
+            <a:r>
+              <a:rPr kumimoji="1" lang="en-US" altLang="ja-JP" sz="900" dirty="0">
+                <a:solidFill>
+                  <a:srgbClr val="FF0000"/>
+                </a:solidFill>
+              </a:rPr>
+              <a:t>89%</a:t>
+            </a:r>
+            <a:endParaRPr kumimoji="1" lang="ja-JP" altLang="en-US" sz="900" dirty="0">
+              <a:solidFill>
+                <a:srgbClr val="FF0000"/>
+              </a:solidFill>
+            </a:endParaRPr>
+          </a:p>
+        </p:txBody>
+      </p:sp>
+      <p:sp>
+        <p:nvSpPr>
+          <p:cNvPr id="36" name="テキスト ボックス 22">
+            <a:extLst>
+              <a:ext uri="{FF2B5EF4-FFF2-40B4-BE49-F238E27FC236}">
+                <a16:creationId xmlns:a16="http://schemas.microsoft.com/office/drawing/2014/main" id="{184A9292-8938-441B-8ADF-557E9F31E588}"/>
+              </a:ext>
+            </a:extLst>
+          </p:cNvPr>
+          <p:cNvSpPr txBox="1"/>
+          <p:nvPr/>
+        </p:nvSpPr>
+        <p:spPr>
+          <a:xfrm>
+            <a:off x="5114712" y="2552854"/>
+            <a:ext cx="826033" cy="723275"/>
+          </a:xfrm>
+          <a:prstGeom prst="rect">
+            <a:avLst/>
+          </a:prstGeom>
+          <a:solidFill>
+            <a:schemeClr val="bg1"/>
+          </a:solidFill>
+          <a:ln w="38100">
+            <a:solidFill>
+              <a:schemeClr val="tx1"/>
+            </a:solidFill>
+          </a:ln>
+        </p:spPr>
+        <p:txBody>
+          <a:bodyPr wrap="square" rtlCol="0" anchor="ctr">
+            <a:spAutoFit/>
+          </a:bodyPr>
+          <a:lstStyle/>
+          <a:p>
+            <a:pPr algn="ctr"/>
+            <a:endParaRPr kumimoji="1" lang="en-US" altLang="ja-JP" sz="1050" dirty="0"/>
+          </a:p>
+          <a:p>
+            <a:pPr algn="ctr"/>
+            <a:r>
+              <a:rPr kumimoji="1" lang="en-US" altLang="ja-JP" baseline="30000" dirty="0"/>
+              <a:t>206</a:t>
+            </a:r>
+            <a:r>
+              <a:rPr kumimoji="1" lang="en-US" altLang="ja-JP" sz="2000" dirty="0"/>
+              <a:t>At</a:t>
+            </a:r>
+          </a:p>
+          <a:p>
+            <a:pPr algn="ctr"/>
+            <a:r>
+              <a:rPr kumimoji="1" lang="en-US" altLang="ja-JP" sz="1050" dirty="0"/>
+              <a:t>30.6 min.</a:t>
+            </a:r>
+            <a:endParaRPr kumimoji="1" lang="ja-JP" altLang="en-US" sz="1050" dirty="0"/>
+          </a:p>
+        </p:txBody>
+      </p:sp>
+      <p:sp>
+        <p:nvSpPr>
+          <p:cNvPr id="39" name="テキスト ボックス 22">
+            <a:extLst>
+              <a:ext uri="{FF2B5EF4-FFF2-40B4-BE49-F238E27FC236}">
+                <a16:creationId xmlns:a16="http://schemas.microsoft.com/office/drawing/2014/main" id="{65FEFCEE-25DE-4ED9-9EC1-673C5683EA6C}"/>
+              </a:ext>
+            </a:extLst>
+          </p:cNvPr>
+          <p:cNvSpPr txBox="1"/>
+          <p:nvPr/>
+        </p:nvSpPr>
+        <p:spPr>
+          <a:xfrm>
+            <a:off x="4065351" y="2559767"/>
+            <a:ext cx="826033" cy="723275"/>
+          </a:xfrm>
+          <a:prstGeom prst="rect">
+            <a:avLst/>
+          </a:prstGeom>
+          <a:noFill/>
+          <a:ln w="38100">
+            <a:solidFill>
+              <a:schemeClr val="tx1"/>
+            </a:solidFill>
+          </a:ln>
+        </p:spPr>
+        <p:txBody>
+          <a:bodyPr wrap="square" rtlCol="0" anchor="ctr">
+            <a:spAutoFit/>
+          </a:bodyPr>
+          <a:lstStyle/>
+          <a:p>
+            <a:pPr algn="ctr"/>
+            <a:endParaRPr kumimoji="1" lang="en-US" altLang="ja-JP" sz="1050" dirty="0"/>
+          </a:p>
+          <a:p>
+            <a:pPr algn="ctr"/>
+            <a:r>
+              <a:rPr kumimoji="1" lang="en-US" altLang="ja-JP" baseline="30000" dirty="0"/>
+              <a:t>205</a:t>
+            </a:r>
+            <a:r>
+              <a:rPr kumimoji="1" lang="en-US" altLang="ja-JP" sz="2000" dirty="0"/>
+              <a:t>At</a:t>
+            </a:r>
+          </a:p>
+          <a:p>
+            <a:pPr algn="ctr"/>
+            <a:r>
+              <a:rPr kumimoji="1" lang="en-US" altLang="ja-JP" sz="1050" dirty="0"/>
+              <a:t>26.2 min.</a:t>
+            </a:r>
+            <a:endParaRPr kumimoji="1" lang="ja-JP" altLang="en-US" sz="1050" dirty="0"/>
+          </a:p>
+        </p:txBody>
+      </p:sp>
+      <p:sp>
+        <p:nvSpPr>
+          <p:cNvPr id="42" name="テキスト ボックス 22">
+            <a:extLst>
+              <a:ext uri="{FF2B5EF4-FFF2-40B4-BE49-F238E27FC236}">
+                <a16:creationId xmlns:a16="http://schemas.microsoft.com/office/drawing/2014/main" id="{B23CDBC9-203B-426D-818A-8AAEC27F519A}"/>
+              </a:ext>
+            </a:extLst>
+          </p:cNvPr>
+          <p:cNvSpPr txBox="1"/>
+          <p:nvPr/>
+        </p:nvSpPr>
+        <p:spPr>
+          <a:xfrm>
+            <a:off x="3020415" y="2552853"/>
+            <a:ext cx="826033" cy="723275"/>
+          </a:xfrm>
+          <a:prstGeom prst="rect">
+            <a:avLst/>
+          </a:prstGeom>
+          <a:noFill/>
+          <a:ln w="38100">
+            <a:solidFill>
+              <a:schemeClr val="tx1"/>
+            </a:solidFill>
+          </a:ln>
+        </p:spPr>
+        <p:txBody>
+          <a:bodyPr wrap="square" rtlCol="0" anchor="ctr">
+            <a:spAutoFit/>
+          </a:bodyPr>
+          <a:lstStyle/>
+          <a:p>
+            <a:pPr algn="ctr"/>
+            <a:endParaRPr kumimoji="1" lang="en-US" altLang="ja-JP" sz="1050" dirty="0"/>
+          </a:p>
+          <a:p>
+            <a:pPr algn="ctr"/>
+            <a:r>
+              <a:rPr kumimoji="1" lang="en-US" altLang="ja-JP" baseline="30000" dirty="0"/>
+              <a:t>204</a:t>
+            </a:r>
+            <a:r>
+              <a:rPr kumimoji="1" lang="en-US" altLang="ja-JP" sz="2000" dirty="0"/>
+              <a:t>At</a:t>
+            </a:r>
+          </a:p>
+          <a:p>
+            <a:pPr algn="ctr"/>
+            <a:r>
+              <a:rPr kumimoji="1" lang="en-US" altLang="ja-JP" sz="1050" dirty="0"/>
+              <a:t>9.2 min.</a:t>
+            </a:r>
+            <a:endParaRPr kumimoji="1" lang="ja-JP" altLang="en-US" sz="1050" dirty="0"/>
+          </a:p>
+        </p:txBody>
+      </p:sp>
+      <p:cxnSp>
+        <p:nvCxnSpPr>
+          <p:cNvPr id="43" name="直線矢印コネクタ 7">
+            <a:extLst>
+              <a:ext uri="{FF2B5EF4-FFF2-40B4-BE49-F238E27FC236}">
+                <a16:creationId xmlns:a16="http://schemas.microsoft.com/office/drawing/2014/main" id="{6C585880-F268-4365-BA1F-59DF7E95762C}"/>
+              </a:ext>
+            </a:extLst>
+          </p:cNvPr>
+          <p:cNvCxnSpPr>
+            <a:cxnSpLocks/>
+            <a:stCxn id="14" idx="2"/>
+            <a:endCxn id="42" idx="0"/>
+          </p:cNvCxnSpPr>
+          <p:nvPr/>
+        </p:nvCxnSpPr>
+        <p:spPr>
+          <a:xfrm flipH="1">
+            <a:off x="3433432" y="738663"/>
+            <a:ext cx="2094154" cy="1814190"/>
+          </a:xfrm>
+          <a:prstGeom prst="straightConnector1">
+            <a:avLst/>
+          </a:prstGeom>
+          <a:ln w="76200">
+            <a:solidFill>
+              <a:srgbClr val="FF0000"/>
+            </a:solidFill>
+            <a:prstDash val="sysDot"/>
+            <a:tailEnd type="triangle"/>
+          </a:ln>
+        </p:spPr>
+        <p:style>
+          <a:lnRef idx="1">
+            <a:schemeClr val="accent1"/>
+          </a:lnRef>
+          <a:fillRef idx="0">
+            <a:schemeClr val="accent1"/>
+          </a:fillRef>
+          <a:effectRef idx="0">
+            <a:schemeClr val="accent1"/>
+          </a:effectRef>
+          <a:fontRef idx="minor">
+            <a:schemeClr val="tx1"/>
+          </a:fontRef>
+        </p:style>
+      </p:cxnSp>
+      <p:sp>
+        <p:nvSpPr>
+          <p:cNvPr id="46" name="テキスト ボックス 2">
+            <a:extLst>
+              <a:ext uri="{FF2B5EF4-FFF2-40B4-BE49-F238E27FC236}">
+                <a16:creationId xmlns:a16="http://schemas.microsoft.com/office/drawing/2014/main" id="{F2BF3E28-D0A7-4393-93DE-BB31C6D4F35C}"/>
+              </a:ext>
+            </a:extLst>
+          </p:cNvPr>
+          <p:cNvSpPr txBox="1"/>
+          <p:nvPr/>
+        </p:nvSpPr>
+        <p:spPr>
+          <a:xfrm>
+            <a:off x="4891088" y="734054"/>
+            <a:ext cx="425102" cy="230832"/>
+          </a:xfrm>
+          <a:prstGeom prst="rect">
+            <a:avLst/>
+          </a:prstGeom>
+          <a:noFill/>
+        </p:spPr>
+        <p:txBody>
+          <a:bodyPr wrap="square" rtlCol="0">
+            <a:spAutoFit/>
+          </a:bodyPr>
+          <a:lstStyle/>
+          <a:p>
+            <a:pPr algn="ctr"/>
+            <a:r>
+              <a:rPr kumimoji="1" lang="en-US" altLang="ja-JP" sz="900" dirty="0">
+                <a:solidFill>
+                  <a:srgbClr val="FF0000"/>
+                </a:solidFill>
+              </a:rPr>
+              <a:t>90%</a:t>
+            </a:r>
+            <a:endParaRPr kumimoji="1" lang="ja-JP" altLang="en-US" sz="900" dirty="0">
+              <a:solidFill>
+                <a:srgbClr val="FF0000"/>
+              </a:solidFill>
+            </a:endParaRPr>
+          </a:p>
+        </p:txBody>
+      </p:sp>
+      <p:cxnSp>
+        <p:nvCxnSpPr>
+          <p:cNvPr id="54" name="直線矢印コネクタ 5">
+            <a:extLst>
+              <a:ext uri="{FF2B5EF4-FFF2-40B4-BE49-F238E27FC236}">
+                <a16:creationId xmlns:a16="http://schemas.microsoft.com/office/drawing/2014/main" id="{3D3DD6AE-93AB-46A8-970D-306ECC4A3FE4}"/>
+              </a:ext>
+            </a:extLst>
+          </p:cNvPr>
+          <p:cNvCxnSpPr>
+            <a:cxnSpLocks/>
+            <a:stCxn id="13" idx="2"/>
+            <a:endCxn id="16" idx="0"/>
+          </p:cNvCxnSpPr>
+          <p:nvPr/>
+        </p:nvCxnSpPr>
+        <p:spPr>
+          <a:xfrm>
+            <a:off x="6565015" y="746395"/>
+            <a:ext cx="1037425" cy="543793"/>
+          </a:xfrm>
+          <a:prstGeom prst="straightConnector1">
+            <a:avLst/>
+          </a:prstGeom>
+          <a:ln w="76200">
+            <a:tailEnd type="triangle"/>
+          </a:ln>
+        </p:spPr>
+        <p:style>
+          <a:lnRef idx="1">
+            <a:schemeClr val="accent1"/>
+          </a:lnRef>
+          <a:fillRef idx="0">
+            <a:schemeClr val="accent1"/>
+          </a:fillRef>
+          <a:effectRef idx="0">
+            <a:schemeClr val="accent1"/>
+          </a:effectRef>
+          <a:fontRef idx="minor">
+            <a:schemeClr val="tx1"/>
+          </a:fontRef>
+        </p:style>
+      </p:cxnSp>
+      <p:cxnSp>
+        <p:nvCxnSpPr>
+          <p:cNvPr id="57" name="直線矢印コネクタ 5">
+            <a:extLst>
+              <a:ext uri="{FF2B5EF4-FFF2-40B4-BE49-F238E27FC236}">
+                <a16:creationId xmlns:a16="http://schemas.microsoft.com/office/drawing/2014/main" id="{03B78085-76EA-4220-A5D7-9855330F5C91}"/>
+              </a:ext>
+            </a:extLst>
+          </p:cNvPr>
+          <p:cNvCxnSpPr>
+            <a:cxnSpLocks/>
+            <a:stCxn id="8" idx="2"/>
+            <a:endCxn id="17" idx="0"/>
+          </p:cNvCxnSpPr>
+          <p:nvPr/>
+        </p:nvCxnSpPr>
+        <p:spPr>
+          <a:xfrm>
+            <a:off x="7602443" y="730969"/>
+            <a:ext cx="1043869" cy="566912"/>
+          </a:xfrm>
+          <a:prstGeom prst="straightConnector1">
+            <a:avLst/>
+          </a:prstGeom>
+          <a:ln w="76200">
+            <a:tailEnd type="triangle"/>
+          </a:ln>
+        </p:spPr>
+        <p:style>
+          <a:lnRef idx="1">
+            <a:schemeClr val="accent1"/>
+          </a:lnRef>
+          <a:fillRef idx="0">
+            <a:schemeClr val="accent1"/>
+          </a:fillRef>
+          <a:effectRef idx="0">
+            <a:schemeClr val="accent1"/>
+          </a:effectRef>
+          <a:fontRef idx="minor">
+            <a:schemeClr val="tx1"/>
+          </a:fontRef>
+        </p:style>
+      </p:cxnSp>
+      <p:cxnSp>
+        <p:nvCxnSpPr>
+          <p:cNvPr id="60" name="直線矢印コネクタ 5">
+            <a:extLst>
+              <a:ext uri="{FF2B5EF4-FFF2-40B4-BE49-F238E27FC236}">
+                <a16:creationId xmlns:a16="http://schemas.microsoft.com/office/drawing/2014/main" id="{5CDA14B5-8BDC-4961-8D9D-AB525FE26DDB}"/>
+              </a:ext>
+            </a:extLst>
+          </p:cNvPr>
+          <p:cNvCxnSpPr>
+            <a:cxnSpLocks/>
+            <a:stCxn id="12" idx="2"/>
+            <a:endCxn id="18" idx="0"/>
+          </p:cNvCxnSpPr>
+          <p:nvPr/>
+        </p:nvCxnSpPr>
+        <p:spPr>
+          <a:xfrm>
+            <a:off x="8646312" y="734989"/>
+            <a:ext cx="1043869" cy="562892"/>
+          </a:xfrm>
+          <a:prstGeom prst="straightConnector1">
+            <a:avLst/>
+          </a:prstGeom>
+          <a:ln w="76200">
+            <a:tailEnd type="triangle"/>
+          </a:ln>
+        </p:spPr>
+        <p:style>
+          <a:lnRef idx="1">
+            <a:schemeClr val="accent1"/>
+          </a:lnRef>
+          <a:fillRef idx="0">
+            <a:schemeClr val="accent1"/>
+          </a:fillRef>
+          <a:effectRef idx="0">
+            <a:schemeClr val="accent1"/>
+          </a:effectRef>
+          <a:fontRef idx="minor">
+            <a:schemeClr val="tx1"/>
+          </a:fontRef>
+        </p:style>
+      </p:cxnSp>
+      <p:cxnSp>
+        <p:nvCxnSpPr>
+          <p:cNvPr id="63" name="直線矢印コネクタ 5">
+            <a:extLst>
+              <a:ext uri="{FF2B5EF4-FFF2-40B4-BE49-F238E27FC236}">
+                <a16:creationId xmlns:a16="http://schemas.microsoft.com/office/drawing/2014/main" id="{C54FF85E-828A-4171-A905-A34304A72187}"/>
+              </a:ext>
+            </a:extLst>
+          </p:cNvPr>
+          <p:cNvCxnSpPr>
+            <a:cxnSpLocks/>
+            <a:stCxn id="16" idx="2"/>
+            <a:endCxn id="20" idx="0"/>
+          </p:cNvCxnSpPr>
+          <p:nvPr/>
+        </p:nvCxnSpPr>
+        <p:spPr>
+          <a:xfrm>
+            <a:off x="7602440" y="2013463"/>
+            <a:ext cx="1043872" cy="541694"/>
+          </a:xfrm>
+          <a:prstGeom prst="straightConnector1">
+            <a:avLst/>
+          </a:prstGeom>
+          <a:ln w="76200">
+            <a:tailEnd type="triangle"/>
+          </a:ln>
+        </p:spPr>
+        <p:style>
+          <a:lnRef idx="1">
+            <a:schemeClr val="accent1"/>
+          </a:lnRef>
+          <a:fillRef idx="0">
+            <a:schemeClr val="accent1"/>
+          </a:fillRef>
+          <a:effectRef idx="0">
+            <a:schemeClr val="accent1"/>
+          </a:effectRef>
+          <a:fontRef idx="minor">
+            <a:schemeClr val="tx1"/>
+          </a:fontRef>
+        </p:style>
+      </p:cxnSp>
+      <p:sp>
+        <p:nvSpPr>
+          <p:cNvPr id="66" name="テキスト ボックス 22">
+            <a:extLst>
+              <a:ext uri="{FF2B5EF4-FFF2-40B4-BE49-F238E27FC236}">
+                <a16:creationId xmlns:a16="http://schemas.microsoft.com/office/drawing/2014/main" id="{B0F2D4F3-F762-4208-A681-F36BC6FA5A2E}"/>
+              </a:ext>
+            </a:extLst>
+          </p:cNvPr>
+          <p:cNvSpPr txBox="1"/>
+          <p:nvPr/>
+        </p:nvSpPr>
+        <p:spPr>
+          <a:xfrm>
+            <a:off x="9277163" y="2555156"/>
+            <a:ext cx="826033" cy="723275"/>
+          </a:xfrm>
+          <a:prstGeom prst="rect">
+            <a:avLst/>
+          </a:prstGeom>
+          <a:noFill/>
+          <a:ln w="38100">
+            <a:solidFill>
+              <a:schemeClr val="tx1"/>
+            </a:solidFill>
+          </a:ln>
+        </p:spPr>
+        <p:txBody>
+          <a:bodyPr wrap="square" rtlCol="0" anchor="ctr">
+            <a:spAutoFit/>
+          </a:bodyPr>
+          <a:lstStyle/>
+          <a:p>
+            <a:pPr algn="ctr"/>
+            <a:endParaRPr kumimoji="1" lang="en-US" altLang="ja-JP" sz="1050" dirty="0"/>
+          </a:p>
+          <a:p>
+            <a:pPr algn="ctr"/>
+            <a:r>
+              <a:rPr kumimoji="1" lang="en-US" altLang="ja-JP" baseline="30000" dirty="0"/>
+              <a:t>210</a:t>
+            </a:r>
+            <a:r>
+              <a:rPr kumimoji="1" lang="en-US" altLang="ja-JP" sz="2000" dirty="0"/>
+              <a:t>At</a:t>
+            </a:r>
+          </a:p>
+          <a:p>
+            <a:pPr algn="ctr"/>
+            <a:r>
+              <a:rPr kumimoji="1" lang="en-US" altLang="ja-JP" sz="1050" dirty="0"/>
+              <a:t>8.1 hrs.</a:t>
+            </a:r>
+            <a:endParaRPr kumimoji="1" lang="ja-JP" altLang="en-US" sz="1050" dirty="0"/>
+          </a:p>
+        </p:txBody>
+      </p:sp>
+      <p:cxnSp>
+        <p:nvCxnSpPr>
+          <p:cNvPr id="67" name="直線矢印コネクタ 5">
+            <a:extLst>
+              <a:ext uri="{FF2B5EF4-FFF2-40B4-BE49-F238E27FC236}">
+                <a16:creationId xmlns:a16="http://schemas.microsoft.com/office/drawing/2014/main" id="{A792E49A-8524-4729-9CC4-17A81A0A6D11}"/>
+              </a:ext>
+            </a:extLst>
+          </p:cNvPr>
+          <p:cNvCxnSpPr>
+            <a:cxnSpLocks/>
+            <a:stCxn id="17" idx="2"/>
+            <a:endCxn id="66" idx="0"/>
+          </p:cNvCxnSpPr>
+          <p:nvPr/>
+        </p:nvCxnSpPr>
+        <p:spPr>
+          <a:xfrm>
+            <a:off x="8646312" y="2021156"/>
+            <a:ext cx="1043868" cy="534000"/>
+          </a:xfrm>
+          <a:prstGeom prst="straightConnector1">
+            <a:avLst/>
+          </a:prstGeom>
+          <a:ln w="76200">
+            <a:tailEnd type="triangle"/>
+          </a:ln>
+        </p:spPr>
+        <p:style>
+          <a:lnRef idx="1">
+            <a:schemeClr val="accent1"/>
+          </a:lnRef>
+          <a:fillRef idx="0">
+            <a:schemeClr val="accent1"/>
+          </a:fillRef>
+          <a:effectRef idx="0">
+            <a:schemeClr val="accent1"/>
+          </a:effectRef>
+          <a:fontRef idx="minor">
+            <a:schemeClr val="tx1"/>
+          </a:fontRef>
+        </p:style>
+      </p:cxnSp>
+      <p:sp>
+        <p:nvSpPr>
+          <p:cNvPr id="70" name="テキスト ボックス 22">
+            <a:extLst>
+              <a:ext uri="{FF2B5EF4-FFF2-40B4-BE49-F238E27FC236}">
+                <a16:creationId xmlns:a16="http://schemas.microsoft.com/office/drawing/2014/main" id="{C22E30B1-CCD1-49CA-9263-1FB2B1164A1E}"/>
+              </a:ext>
+            </a:extLst>
+          </p:cNvPr>
+          <p:cNvSpPr txBox="1"/>
+          <p:nvPr/>
+        </p:nvSpPr>
+        <p:spPr>
+          <a:xfrm>
+            <a:off x="10322099" y="2555155"/>
+            <a:ext cx="826033" cy="723275"/>
+          </a:xfrm>
+          <a:prstGeom prst="rect">
+            <a:avLst/>
+          </a:prstGeom>
+          <a:noFill/>
+          <a:ln w="38100">
+            <a:solidFill>
+              <a:schemeClr val="tx1"/>
+            </a:solidFill>
+          </a:ln>
+        </p:spPr>
+        <p:txBody>
+          <a:bodyPr wrap="square" rtlCol="0" anchor="ctr">
+            <a:spAutoFit/>
+          </a:bodyPr>
+          <a:lstStyle/>
+          <a:p>
+            <a:pPr algn="ctr"/>
+            <a:endParaRPr kumimoji="1" lang="en-US" altLang="ja-JP" sz="1050" dirty="0"/>
+          </a:p>
+          <a:p>
+            <a:pPr algn="ctr"/>
+            <a:r>
+              <a:rPr kumimoji="1" lang="en-US" altLang="ja-JP" baseline="30000" dirty="0"/>
+              <a:t>211</a:t>
+            </a:r>
+            <a:r>
+              <a:rPr kumimoji="1" lang="en-US" altLang="ja-JP" sz="2000" dirty="0"/>
+              <a:t>At</a:t>
+            </a:r>
+          </a:p>
+          <a:p>
+            <a:pPr algn="ctr"/>
+            <a:r>
+              <a:rPr kumimoji="1" lang="en-US" altLang="ja-JP" sz="1050" dirty="0"/>
+              <a:t>7.214 hrs.</a:t>
+            </a:r>
+            <a:endParaRPr kumimoji="1" lang="ja-JP" altLang="en-US" sz="1050" dirty="0"/>
+          </a:p>
+        </p:txBody>
+      </p:sp>
+      <p:cxnSp>
+        <p:nvCxnSpPr>
+          <p:cNvPr id="71" name="直線矢印コネクタ 5">
+            <a:extLst>
+              <a:ext uri="{FF2B5EF4-FFF2-40B4-BE49-F238E27FC236}">
+                <a16:creationId xmlns:a16="http://schemas.microsoft.com/office/drawing/2014/main" id="{E3CBAB6D-A438-4783-989E-488778BFB76C}"/>
+              </a:ext>
+            </a:extLst>
+          </p:cNvPr>
+          <p:cNvCxnSpPr>
+            <a:cxnSpLocks/>
+            <a:stCxn id="18" idx="2"/>
+            <a:endCxn id="70" idx="0"/>
+          </p:cNvCxnSpPr>
+          <p:nvPr/>
+        </p:nvCxnSpPr>
+        <p:spPr>
+          <a:xfrm>
+            <a:off x="9690181" y="2021156"/>
+            <a:ext cx="1044935" cy="533999"/>
+          </a:xfrm>
+          <a:prstGeom prst="straightConnector1">
+            <a:avLst/>
+          </a:prstGeom>
+          <a:ln w="76200">
+            <a:tailEnd type="triangle"/>
+          </a:ln>
+        </p:spPr>
+        <p:style>
+          <a:lnRef idx="1">
+            <a:schemeClr val="accent1"/>
+          </a:lnRef>
+          <a:fillRef idx="0">
+            <a:schemeClr val="accent1"/>
+          </a:fillRef>
+          <a:effectRef idx="0">
+            <a:schemeClr val="accent1"/>
+          </a:effectRef>
+          <a:fontRef idx="minor">
+            <a:schemeClr val="tx1"/>
+          </a:fontRef>
+        </p:style>
+      </p:cxnSp>
+      <p:sp>
+        <p:nvSpPr>
+          <p:cNvPr id="99" name="テキスト ボックス 22">
+            <a:extLst>
+              <a:ext uri="{FF2B5EF4-FFF2-40B4-BE49-F238E27FC236}">
+                <a16:creationId xmlns:a16="http://schemas.microsoft.com/office/drawing/2014/main" id="{0A1EA786-3FDB-4A8E-8E26-482C1B1E41D7}"/>
+              </a:ext>
+            </a:extLst>
+          </p:cNvPr>
+          <p:cNvSpPr txBox="1"/>
+          <p:nvPr/>
+        </p:nvSpPr>
+        <p:spPr>
+          <a:xfrm>
+            <a:off x="7183934" y="3845788"/>
+            <a:ext cx="826033" cy="723275"/>
+          </a:xfrm>
+          <a:prstGeom prst="rect">
+            <a:avLst/>
+          </a:prstGeom>
+          <a:solidFill>
+            <a:schemeClr val="bg1"/>
+          </a:solidFill>
+          <a:ln w="38100">
+            <a:solidFill>
+              <a:schemeClr val="tx1"/>
+            </a:solidFill>
+          </a:ln>
+        </p:spPr>
+        <p:txBody>
+          <a:bodyPr wrap="square" rtlCol="0" anchor="ctr">
+            <a:spAutoFit/>
+          </a:bodyPr>
+          <a:lstStyle/>
+          <a:p>
+            <a:pPr algn="ctr"/>
+            <a:endParaRPr kumimoji="1" lang="en-US" altLang="ja-JP" sz="1050" dirty="0"/>
+          </a:p>
+          <a:p>
+            <a:pPr algn="ctr"/>
+            <a:r>
+              <a:rPr kumimoji="1" lang="en-US" altLang="ja-JP" baseline="30000" dirty="0"/>
+              <a:t>207</a:t>
+            </a:r>
+            <a:r>
+              <a:rPr kumimoji="1" lang="en-US" altLang="ja-JP" sz="2000" dirty="0"/>
+              <a:t>Po</a:t>
+            </a:r>
+          </a:p>
+          <a:p>
+            <a:pPr algn="ctr"/>
+            <a:r>
+              <a:rPr kumimoji="1" lang="en-US" altLang="ja-JP" sz="1050" dirty="0"/>
+              <a:t>5.80 hrs.</a:t>
+            </a:r>
+            <a:endParaRPr kumimoji="1" lang="ja-JP" altLang="en-US" sz="1050" dirty="0"/>
+          </a:p>
+        </p:txBody>
+      </p:sp>
+      <p:sp>
+        <p:nvSpPr>
+          <p:cNvPr id="100" name="テキスト ボックス 22">
+            <a:extLst>
+              <a:ext uri="{FF2B5EF4-FFF2-40B4-BE49-F238E27FC236}">
+                <a16:creationId xmlns:a16="http://schemas.microsoft.com/office/drawing/2014/main" id="{C7AD6F9A-4635-4A9F-8805-BD066101719D}"/>
+              </a:ext>
+            </a:extLst>
+          </p:cNvPr>
+          <p:cNvSpPr txBox="1"/>
+          <p:nvPr/>
+        </p:nvSpPr>
+        <p:spPr>
+          <a:xfrm>
+            <a:off x="8233295" y="3835346"/>
+            <a:ext cx="826033" cy="723275"/>
+          </a:xfrm>
+          <a:prstGeom prst="rect">
+            <a:avLst/>
+          </a:prstGeom>
+          <a:noFill/>
+          <a:ln w="38100">
+            <a:solidFill>
+              <a:schemeClr val="tx1"/>
+            </a:solidFill>
+          </a:ln>
+        </p:spPr>
+        <p:txBody>
+          <a:bodyPr wrap="square" rtlCol="0" anchor="ctr">
+            <a:spAutoFit/>
+          </a:bodyPr>
+          <a:lstStyle/>
+          <a:p>
+            <a:pPr algn="ctr"/>
+            <a:endParaRPr kumimoji="1" lang="en-US" altLang="ja-JP" sz="1050" dirty="0"/>
+          </a:p>
+          <a:p>
+            <a:pPr algn="ctr"/>
+            <a:r>
+              <a:rPr kumimoji="1" lang="en-US" altLang="ja-JP" baseline="30000" dirty="0"/>
+              <a:t>208</a:t>
+            </a:r>
+            <a:r>
+              <a:rPr kumimoji="1" lang="en-US" altLang="ja-JP" sz="2000" dirty="0"/>
+              <a:t>Po</a:t>
+            </a:r>
+          </a:p>
+          <a:p>
+            <a:pPr algn="ctr"/>
+            <a:r>
+              <a:rPr kumimoji="1" lang="en-US" altLang="ja-JP" sz="1050" dirty="0"/>
+              <a:t>3 </a:t>
+            </a:r>
+            <a:r>
+              <a:rPr kumimoji="1" lang="en-US" altLang="ja-JP" sz="1050" dirty="0" err="1"/>
+              <a:t>yrs</a:t>
+            </a:r>
+            <a:endParaRPr kumimoji="1" lang="ja-JP" altLang="en-US" sz="1050" dirty="0"/>
+          </a:p>
+        </p:txBody>
+      </p:sp>
+      <p:sp>
+        <p:nvSpPr>
+          <p:cNvPr id="101" name="テキスト ボックス 22">
+            <a:extLst>
+              <a:ext uri="{FF2B5EF4-FFF2-40B4-BE49-F238E27FC236}">
+                <a16:creationId xmlns:a16="http://schemas.microsoft.com/office/drawing/2014/main" id="{18D98B9C-4F43-499F-A652-1849B0955F9F}"/>
+              </a:ext>
+            </a:extLst>
+          </p:cNvPr>
+          <p:cNvSpPr txBox="1"/>
+          <p:nvPr/>
+        </p:nvSpPr>
+        <p:spPr>
+          <a:xfrm>
+            <a:off x="6151994" y="3835348"/>
+            <a:ext cx="826033" cy="723275"/>
+          </a:xfrm>
+          <a:prstGeom prst="rect">
+            <a:avLst/>
+          </a:prstGeom>
+          <a:noFill/>
+          <a:ln w="38100">
+            <a:solidFill>
+              <a:schemeClr val="tx1"/>
+            </a:solidFill>
+          </a:ln>
+        </p:spPr>
+        <p:txBody>
+          <a:bodyPr wrap="square" rtlCol="0" anchor="ctr">
+            <a:spAutoFit/>
+          </a:bodyPr>
+          <a:lstStyle/>
+          <a:p>
+            <a:pPr algn="ctr"/>
+            <a:endParaRPr kumimoji="1" lang="en-US" altLang="ja-JP" sz="1050" dirty="0"/>
+          </a:p>
+          <a:p>
+            <a:pPr algn="ctr"/>
+            <a:r>
+              <a:rPr kumimoji="1" lang="en-US" altLang="ja-JP" baseline="30000" dirty="0"/>
+              <a:t>206</a:t>
+            </a:r>
+            <a:r>
+              <a:rPr kumimoji="1" lang="en-US" altLang="ja-JP" sz="2000" dirty="0"/>
+              <a:t>Po</a:t>
+            </a:r>
+          </a:p>
+          <a:p>
+            <a:pPr algn="ctr"/>
+            <a:r>
+              <a:rPr kumimoji="1" lang="en-US" altLang="ja-JP" sz="1050" dirty="0"/>
+              <a:t>9 days</a:t>
+            </a:r>
+            <a:endParaRPr kumimoji="1" lang="ja-JP" altLang="en-US" sz="1050" dirty="0"/>
+          </a:p>
+        </p:txBody>
+      </p:sp>
+      <p:sp>
+        <p:nvSpPr>
+          <p:cNvPr id="102" name="テキスト ボックス 22">
+            <a:extLst>
+              <a:ext uri="{FF2B5EF4-FFF2-40B4-BE49-F238E27FC236}">
+                <a16:creationId xmlns:a16="http://schemas.microsoft.com/office/drawing/2014/main" id="{D2196188-C1CC-4DF7-B2B8-BFBA871A8E97}"/>
+              </a:ext>
+            </a:extLst>
+          </p:cNvPr>
+          <p:cNvSpPr txBox="1"/>
+          <p:nvPr/>
+        </p:nvSpPr>
+        <p:spPr>
+          <a:xfrm>
+            <a:off x="5114712" y="3833043"/>
+            <a:ext cx="826033" cy="723275"/>
+          </a:xfrm>
+          <a:prstGeom prst="rect">
+            <a:avLst/>
+          </a:prstGeom>
+          <a:solidFill>
+            <a:schemeClr val="bg1"/>
+          </a:solidFill>
+          <a:ln w="38100">
+            <a:solidFill>
+              <a:schemeClr val="tx1"/>
+            </a:solidFill>
+          </a:ln>
+        </p:spPr>
+        <p:txBody>
+          <a:bodyPr wrap="square" rtlCol="0" anchor="ctr">
+            <a:spAutoFit/>
+          </a:bodyPr>
+          <a:lstStyle/>
+          <a:p>
+            <a:pPr algn="ctr"/>
+            <a:endParaRPr kumimoji="1" lang="en-US" altLang="ja-JP" sz="1050" dirty="0"/>
+          </a:p>
+          <a:p>
+            <a:pPr algn="ctr"/>
+            <a:r>
+              <a:rPr kumimoji="1" lang="en-US" altLang="ja-JP" baseline="30000" dirty="0"/>
+              <a:t>205</a:t>
+            </a:r>
+            <a:r>
+              <a:rPr kumimoji="1" lang="en-US" altLang="ja-JP" sz="2000" dirty="0"/>
+              <a:t>Po</a:t>
+            </a:r>
+          </a:p>
+          <a:p>
+            <a:pPr algn="ctr"/>
+            <a:r>
+              <a:rPr kumimoji="1" lang="en-US" altLang="ja-JP" sz="1050" dirty="0"/>
+              <a:t>1.66 hrs.</a:t>
+            </a:r>
+            <a:endParaRPr kumimoji="1" lang="ja-JP" altLang="en-US" sz="1050" dirty="0"/>
+          </a:p>
+        </p:txBody>
+      </p:sp>
+      <p:sp>
+        <p:nvSpPr>
+          <p:cNvPr id="103" name="テキスト ボックス 22">
+            <a:extLst>
+              <a:ext uri="{FF2B5EF4-FFF2-40B4-BE49-F238E27FC236}">
+                <a16:creationId xmlns:a16="http://schemas.microsoft.com/office/drawing/2014/main" id="{272E767B-BDC3-4859-A4C7-931A32A3A9E6}"/>
+              </a:ext>
+            </a:extLst>
+          </p:cNvPr>
+          <p:cNvSpPr txBox="1"/>
+          <p:nvPr/>
+        </p:nvSpPr>
+        <p:spPr>
+          <a:xfrm>
+            <a:off x="4065351" y="3839956"/>
+            <a:ext cx="826033" cy="723275"/>
+          </a:xfrm>
+          <a:prstGeom prst="rect">
+            <a:avLst/>
+          </a:prstGeom>
+          <a:noFill/>
+          <a:ln w="38100">
+            <a:solidFill>
+              <a:schemeClr val="tx1"/>
+            </a:solidFill>
+          </a:ln>
+        </p:spPr>
+        <p:txBody>
+          <a:bodyPr wrap="square" rtlCol="0" anchor="ctr">
+            <a:spAutoFit/>
+          </a:bodyPr>
+          <a:lstStyle/>
+          <a:p>
+            <a:pPr algn="ctr"/>
+            <a:endParaRPr kumimoji="1" lang="en-US" altLang="ja-JP" sz="1050" dirty="0"/>
+          </a:p>
+          <a:p>
+            <a:pPr algn="ctr"/>
+            <a:r>
+              <a:rPr kumimoji="1" lang="en-US" altLang="ja-JP" baseline="30000" dirty="0"/>
+              <a:t>204</a:t>
+            </a:r>
+            <a:r>
+              <a:rPr kumimoji="1" lang="en-US" altLang="ja-JP" sz="2000" dirty="0"/>
+              <a:t>Po</a:t>
+            </a:r>
+          </a:p>
+          <a:p>
+            <a:pPr algn="ctr"/>
+            <a:r>
+              <a:rPr kumimoji="1" lang="en-US" altLang="ja-JP" sz="1050" dirty="0"/>
+              <a:t>3.53 hrs.</a:t>
+            </a:r>
+            <a:endParaRPr kumimoji="1" lang="ja-JP" altLang="en-US" sz="1050" dirty="0"/>
+          </a:p>
+        </p:txBody>
+      </p:sp>
+      <p:sp>
+        <p:nvSpPr>
+          <p:cNvPr id="105" name="テキスト ボックス 22">
+            <a:extLst>
+              <a:ext uri="{FF2B5EF4-FFF2-40B4-BE49-F238E27FC236}">
+                <a16:creationId xmlns:a16="http://schemas.microsoft.com/office/drawing/2014/main" id="{89A76070-0A81-445C-84CB-1DD3A37B83A5}"/>
+              </a:ext>
+            </a:extLst>
+          </p:cNvPr>
+          <p:cNvSpPr txBox="1"/>
+          <p:nvPr/>
+        </p:nvSpPr>
+        <p:spPr>
+          <a:xfrm>
+            <a:off x="9277163" y="3835345"/>
+            <a:ext cx="826033" cy="723275"/>
+          </a:xfrm>
+          <a:prstGeom prst="rect">
+            <a:avLst/>
+          </a:prstGeom>
+          <a:solidFill>
+            <a:schemeClr val="bg1"/>
+          </a:solidFill>
+          <a:ln w="38100">
+            <a:solidFill>
+              <a:schemeClr val="tx1"/>
+            </a:solidFill>
+          </a:ln>
+        </p:spPr>
+        <p:txBody>
+          <a:bodyPr wrap="square" rtlCol="0" anchor="ctr">
+            <a:spAutoFit/>
+          </a:bodyPr>
+          <a:lstStyle/>
+          <a:p>
+            <a:pPr algn="ctr"/>
+            <a:endParaRPr kumimoji="1" lang="en-US" altLang="ja-JP" sz="1050" dirty="0"/>
+          </a:p>
+          <a:p>
+            <a:pPr algn="ctr"/>
+            <a:r>
+              <a:rPr kumimoji="1" lang="en-US" altLang="ja-JP" baseline="30000" dirty="0"/>
+              <a:t>209</a:t>
+            </a:r>
+            <a:r>
+              <a:rPr kumimoji="1" lang="en-US" altLang="ja-JP" sz="2000" dirty="0"/>
+              <a:t>Po</a:t>
+            </a:r>
+          </a:p>
+          <a:p>
+            <a:pPr algn="ctr"/>
+            <a:r>
+              <a:rPr kumimoji="1" lang="en-US" altLang="ja-JP" sz="1050" dirty="0"/>
+              <a:t>100 </a:t>
+            </a:r>
+            <a:r>
+              <a:rPr kumimoji="1" lang="en-US" altLang="ja-JP" sz="1050" dirty="0" err="1"/>
+              <a:t>yrs</a:t>
+            </a:r>
+            <a:endParaRPr kumimoji="1" lang="ja-JP" altLang="en-US" sz="1050" dirty="0"/>
+          </a:p>
+        </p:txBody>
+      </p:sp>
+      <p:sp>
+        <p:nvSpPr>
+          <p:cNvPr id="106" name="テキスト ボックス 22">
+            <a:extLst>
+              <a:ext uri="{FF2B5EF4-FFF2-40B4-BE49-F238E27FC236}">
+                <a16:creationId xmlns:a16="http://schemas.microsoft.com/office/drawing/2014/main" id="{65EE451D-51BA-469E-BE6D-37CCE156BB36}"/>
+              </a:ext>
+            </a:extLst>
+          </p:cNvPr>
+          <p:cNvSpPr txBox="1"/>
+          <p:nvPr/>
+        </p:nvSpPr>
+        <p:spPr>
+          <a:xfrm>
+            <a:off x="10322099" y="3835344"/>
+            <a:ext cx="826033" cy="723275"/>
+          </a:xfrm>
+          <a:prstGeom prst="rect">
+            <a:avLst/>
+          </a:prstGeom>
+          <a:noFill/>
+          <a:ln w="38100">
+            <a:solidFill>
+              <a:schemeClr val="tx1"/>
+            </a:solidFill>
+          </a:ln>
+        </p:spPr>
+        <p:txBody>
+          <a:bodyPr wrap="square" rtlCol="0" anchor="ctr">
+            <a:spAutoFit/>
+          </a:bodyPr>
+          <a:lstStyle/>
+          <a:p>
+            <a:pPr algn="ctr"/>
+            <a:endParaRPr kumimoji="1" lang="en-US" altLang="ja-JP" sz="1050" dirty="0"/>
+          </a:p>
+          <a:p>
+            <a:pPr algn="ctr"/>
+            <a:r>
+              <a:rPr kumimoji="1" lang="en-US" altLang="ja-JP" baseline="30000" dirty="0"/>
+              <a:t>210</a:t>
+            </a:r>
+            <a:r>
+              <a:rPr kumimoji="1" lang="en-US" altLang="ja-JP" sz="2000" dirty="0"/>
+              <a:t>Po</a:t>
+            </a:r>
+          </a:p>
+          <a:p>
+            <a:pPr algn="ctr"/>
+            <a:r>
+              <a:rPr kumimoji="1" lang="en-US" altLang="ja-JP" sz="1050" dirty="0"/>
+              <a:t>140 days</a:t>
+            </a:r>
+            <a:endParaRPr kumimoji="1" lang="ja-JP" altLang="en-US" sz="1050" dirty="0"/>
+          </a:p>
+        </p:txBody>
+      </p:sp>
+      <p:sp>
+        <p:nvSpPr>
+          <p:cNvPr id="108" name="テキスト ボックス 22">
+            <a:extLst>
+              <a:ext uri="{FF2B5EF4-FFF2-40B4-BE49-F238E27FC236}">
+                <a16:creationId xmlns:a16="http://schemas.microsoft.com/office/drawing/2014/main" id="{C5614756-1F67-4D24-8426-8E12903E9D90}"/>
+              </a:ext>
+            </a:extLst>
+          </p:cNvPr>
+          <p:cNvSpPr txBox="1"/>
+          <p:nvPr/>
+        </p:nvSpPr>
+        <p:spPr>
+          <a:xfrm>
+            <a:off x="8233295" y="5113231"/>
+            <a:ext cx="826033" cy="723275"/>
+          </a:xfrm>
+          <a:prstGeom prst="rect">
+            <a:avLst/>
+          </a:prstGeom>
+          <a:noFill/>
+          <a:ln w="38100">
+            <a:solidFill>
+              <a:schemeClr val="tx1"/>
+            </a:solidFill>
+          </a:ln>
+        </p:spPr>
+        <p:txBody>
+          <a:bodyPr wrap="square" rtlCol="0" anchor="ctr">
+            <a:spAutoFit/>
+          </a:bodyPr>
+          <a:lstStyle/>
+          <a:p>
+            <a:pPr algn="ctr"/>
+            <a:endParaRPr kumimoji="1" lang="en-US" altLang="ja-JP" sz="1050" dirty="0"/>
+          </a:p>
+          <a:p>
+            <a:pPr algn="ctr"/>
+            <a:r>
+              <a:rPr kumimoji="1" lang="en-US" altLang="ja-JP" baseline="30000" dirty="0"/>
+              <a:t>207</a:t>
+            </a:r>
+            <a:r>
+              <a:rPr kumimoji="1" lang="en-US" altLang="ja-JP" sz="2000" dirty="0"/>
+              <a:t>Bi</a:t>
+            </a:r>
+          </a:p>
+          <a:p>
+            <a:pPr algn="ctr"/>
+            <a:r>
+              <a:rPr kumimoji="1" lang="en-US" altLang="ja-JP" sz="1050" dirty="0"/>
+              <a:t>32 yrs</a:t>
+            </a:r>
+            <a:r>
+              <a:rPr lang="en-US" altLang="ja-JP" sz="1050" dirty="0"/>
+              <a:t>.</a:t>
+            </a:r>
+            <a:endParaRPr kumimoji="1" lang="ja-JP" altLang="en-US" sz="1050" dirty="0"/>
+          </a:p>
+        </p:txBody>
+      </p:sp>
+      <p:sp>
+        <p:nvSpPr>
+          <p:cNvPr id="109" name="テキスト ボックス 22">
+            <a:extLst>
+              <a:ext uri="{FF2B5EF4-FFF2-40B4-BE49-F238E27FC236}">
+                <a16:creationId xmlns:a16="http://schemas.microsoft.com/office/drawing/2014/main" id="{95FBF00B-7B4B-4D53-B6CD-7EFE7D3D4C86}"/>
+              </a:ext>
+            </a:extLst>
+          </p:cNvPr>
+          <p:cNvSpPr txBox="1"/>
+          <p:nvPr/>
+        </p:nvSpPr>
+        <p:spPr>
+          <a:xfrm>
+            <a:off x="6151994" y="5113233"/>
+            <a:ext cx="826033" cy="723275"/>
+          </a:xfrm>
+          <a:prstGeom prst="rect">
+            <a:avLst/>
+          </a:prstGeom>
+          <a:noFill/>
+          <a:ln w="38100">
+            <a:solidFill>
+              <a:schemeClr val="tx1"/>
+            </a:solidFill>
+          </a:ln>
+        </p:spPr>
+        <p:txBody>
+          <a:bodyPr wrap="square" rtlCol="0" anchor="ctr">
+            <a:spAutoFit/>
+          </a:bodyPr>
+          <a:lstStyle/>
+          <a:p>
+            <a:pPr algn="ctr"/>
+            <a:endParaRPr kumimoji="1" lang="en-US" altLang="ja-JP" sz="1050" dirty="0"/>
+          </a:p>
+          <a:p>
+            <a:pPr algn="ctr"/>
+            <a:r>
+              <a:rPr kumimoji="1" lang="en-US" altLang="ja-JP" baseline="30000" dirty="0"/>
+              <a:t>205</a:t>
+            </a:r>
+            <a:r>
+              <a:rPr kumimoji="1" lang="en-US" altLang="ja-JP" sz="2000" dirty="0"/>
+              <a:t>Bi</a:t>
+            </a:r>
+          </a:p>
+          <a:p>
+            <a:pPr algn="ctr"/>
+            <a:r>
+              <a:rPr kumimoji="1" lang="en-US" altLang="ja-JP" sz="1050" dirty="0"/>
+              <a:t>15 days</a:t>
+            </a:r>
+            <a:endParaRPr kumimoji="1" lang="ja-JP" altLang="en-US" sz="1050" dirty="0"/>
+          </a:p>
+        </p:txBody>
+      </p:sp>
+      <p:sp>
+        <p:nvSpPr>
+          <p:cNvPr id="110" name="テキスト ボックス 22">
+            <a:extLst>
+              <a:ext uri="{FF2B5EF4-FFF2-40B4-BE49-F238E27FC236}">
+                <a16:creationId xmlns:a16="http://schemas.microsoft.com/office/drawing/2014/main" id="{CF8AD99F-4694-4600-9C36-77E9576E1074}"/>
+              </a:ext>
+            </a:extLst>
+          </p:cNvPr>
+          <p:cNvSpPr txBox="1"/>
+          <p:nvPr/>
+        </p:nvSpPr>
+        <p:spPr>
+          <a:xfrm>
+            <a:off x="5114712" y="5110928"/>
+            <a:ext cx="826033" cy="723275"/>
+          </a:xfrm>
+          <a:prstGeom prst="rect">
+            <a:avLst/>
+          </a:prstGeom>
+          <a:noFill/>
+          <a:ln w="38100">
+            <a:solidFill>
+              <a:schemeClr val="tx1"/>
+            </a:solidFill>
+          </a:ln>
+        </p:spPr>
+        <p:txBody>
+          <a:bodyPr wrap="square" rtlCol="0" anchor="ctr">
+            <a:spAutoFit/>
+          </a:bodyPr>
+          <a:lstStyle/>
+          <a:p>
+            <a:pPr algn="ctr"/>
+            <a:endParaRPr kumimoji="1" lang="en-US" altLang="ja-JP" sz="1050" dirty="0"/>
+          </a:p>
+          <a:p>
+            <a:pPr algn="ctr"/>
+            <a:r>
+              <a:rPr kumimoji="1" lang="en-US" altLang="ja-JP" baseline="30000" dirty="0"/>
+              <a:t>204</a:t>
+            </a:r>
+            <a:r>
+              <a:rPr kumimoji="1" lang="en-US" altLang="ja-JP" sz="2000" dirty="0"/>
+              <a:t>Bi</a:t>
+            </a:r>
+          </a:p>
+          <a:p>
+            <a:pPr algn="ctr"/>
+            <a:r>
+              <a:rPr kumimoji="1" lang="en-US" altLang="ja-JP" sz="1050" dirty="0"/>
+              <a:t>11.22 hrs.</a:t>
+            </a:r>
+            <a:endParaRPr kumimoji="1" lang="ja-JP" altLang="en-US" sz="1050" dirty="0"/>
+          </a:p>
+        </p:txBody>
+      </p:sp>
+      <p:sp>
+        <p:nvSpPr>
+          <p:cNvPr id="111" name="テキスト ボックス 22">
+            <a:extLst>
+              <a:ext uri="{FF2B5EF4-FFF2-40B4-BE49-F238E27FC236}">
+                <a16:creationId xmlns:a16="http://schemas.microsoft.com/office/drawing/2014/main" id="{F0944B10-B931-4E0F-AF42-B4D7A6383A69}"/>
+              </a:ext>
+            </a:extLst>
+          </p:cNvPr>
+          <p:cNvSpPr txBox="1"/>
+          <p:nvPr/>
+        </p:nvSpPr>
+        <p:spPr>
+          <a:xfrm>
+            <a:off x="4065351" y="5117841"/>
+            <a:ext cx="826033" cy="723275"/>
+          </a:xfrm>
+          <a:prstGeom prst="rect">
+            <a:avLst/>
+          </a:prstGeom>
+          <a:noFill/>
+          <a:ln w="38100">
+            <a:solidFill>
+              <a:schemeClr val="tx1"/>
+            </a:solidFill>
+          </a:ln>
+        </p:spPr>
+        <p:txBody>
+          <a:bodyPr wrap="square" rtlCol="0" anchor="ctr">
+            <a:spAutoFit/>
+          </a:bodyPr>
+          <a:lstStyle/>
+          <a:p>
+            <a:pPr algn="ctr"/>
+            <a:endParaRPr kumimoji="1" lang="en-US" altLang="ja-JP" sz="1050" dirty="0"/>
+          </a:p>
+          <a:p>
+            <a:pPr algn="ctr"/>
+            <a:r>
+              <a:rPr kumimoji="1" lang="en-US" altLang="ja-JP" baseline="30000" dirty="0"/>
+              <a:t>203</a:t>
+            </a:r>
+            <a:r>
+              <a:rPr kumimoji="1" lang="en-US" altLang="ja-JP" sz="2000" dirty="0"/>
+              <a:t>Bi</a:t>
+            </a:r>
+          </a:p>
+          <a:p>
+            <a:pPr algn="ctr"/>
+            <a:r>
+              <a:rPr kumimoji="1" lang="en-US" altLang="ja-JP" sz="1050" dirty="0"/>
+              <a:t>11.76 hrs.</a:t>
+            </a:r>
+            <a:endParaRPr kumimoji="1" lang="ja-JP" altLang="en-US" sz="1050" dirty="0"/>
+          </a:p>
+        </p:txBody>
+      </p:sp>
+      <p:sp>
+        <p:nvSpPr>
+          <p:cNvPr id="115" name="テキスト ボックス 22">
+            <a:extLst>
+              <a:ext uri="{FF2B5EF4-FFF2-40B4-BE49-F238E27FC236}">
+                <a16:creationId xmlns:a16="http://schemas.microsoft.com/office/drawing/2014/main" id="{EE7AAAB9-AE72-48AF-83F5-94E8E1B83858}"/>
+              </a:ext>
+            </a:extLst>
+          </p:cNvPr>
+          <p:cNvSpPr txBox="1"/>
+          <p:nvPr/>
+        </p:nvSpPr>
+        <p:spPr>
+          <a:xfrm>
+            <a:off x="11365967" y="3833041"/>
+            <a:ext cx="826033" cy="723275"/>
+          </a:xfrm>
+          <a:prstGeom prst="rect">
+            <a:avLst/>
+          </a:prstGeom>
+          <a:noFill/>
+          <a:ln w="38100">
+            <a:solidFill>
+              <a:schemeClr val="tx1"/>
+            </a:solidFill>
+          </a:ln>
+        </p:spPr>
+        <p:txBody>
+          <a:bodyPr wrap="square" rtlCol="0" anchor="ctr">
+            <a:spAutoFit/>
+          </a:bodyPr>
+          <a:lstStyle/>
+          <a:p>
+            <a:pPr algn="ctr"/>
+            <a:endParaRPr kumimoji="1" lang="en-US" altLang="ja-JP" sz="1050" dirty="0"/>
+          </a:p>
+          <a:p>
+            <a:pPr algn="ctr"/>
+            <a:r>
+              <a:rPr kumimoji="1" lang="en-US" altLang="ja-JP" baseline="30000" dirty="0"/>
+              <a:t>211</a:t>
+            </a:r>
+            <a:r>
+              <a:rPr kumimoji="1" lang="en-US" altLang="ja-JP" sz="2000" dirty="0"/>
+              <a:t>Po</a:t>
+            </a:r>
+          </a:p>
+          <a:p>
+            <a:pPr algn="ctr"/>
+            <a:r>
+              <a:rPr kumimoji="1" lang="en-US" altLang="ja-JP" sz="1050" dirty="0"/>
+              <a:t>0.516 sec.</a:t>
+            </a:r>
+            <a:endParaRPr kumimoji="1" lang="ja-JP" altLang="en-US" sz="1050" dirty="0"/>
+          </a:p>
+        </p:txBody>
+      </p:sp>
+      <p:cxnSp>
+        <p:nvCxnSpPr>
+          <p:cNvPr id="118" name="直線矢印コネクタ 5">
+            <a:extLst>
+              <a:ext uri="{FF2B5EF4-FFF2-40B4-BE49-F238E27FC236}">
+                <a16:creationId xmlns:a16="http://schemas.microsoft.com/office/drawing/2014/main" id="{6D3CAE80-B11A-429B-ABDB-9E5B8DFB5196}"/>
+              </a:ext>
+            </a:extLst>
+          </p:cNvPr>
+          <p:cNvCxnSpPr>
+            <a:cxnSpLocks/>
+            <a:stCxn id="70" idx="2"/>
+            <a:endCxn id="115" idx="0"/>
+          </p:cNvCxnSpPr>
+          <p:nvPr/>
+        </p:nvCxnSpPr>
+        <p:spPr>
+          <a:xfrm>
+            <a:off x="10735116" y="3278430"/>
+            <a:ext cx="1043868" cy="554611"/>
+          </a:xfrm>
+          <a:prstGeom prst="straightConnector1">
+            <a:avLst/>
+          </a:prstGeom>
+          <a:ln w="76200">
+            <a:tailEnd type="triangle"/>
+          </a:ln>
+        </p:spPr>
+        <p:style>
+          <a:lnRef idx="1">
+            <a:schemeClr val="accent1"/>
+          </a:lnRef>
+          <a:fillRef idx="0">
+            <a:schemeClr val="accent1"/>
+          </a:fillRef>
+          <a:effectRef idx="0">
+            <a:schemeClr val="accent1"/>
+          </a:effectRef>
+          <a:fontRef idx="minor">
+            <a:schemeClr val="tx1"/>
+          </a:fontRef>
+        </p:style>
+      </p:cxnSp>
+      <p:sp>
+        <p:nvSpPr>
+          <p:cNvPr id="123" name="テキスト ボックス 2">
+            <a:extLst>
+              <a:ext uri="{FF2B5EF4-FFF2-40B4-BE49-F238E27FC236}">
+                <a16:creationId xmlns:a16="http://schemas.microsoft.com/office/drawing/2014/main" id="{03B95D09-B8D2-4F03-99E0-5B25BB461B3C}"/>
+              </a:ext>
+            </a:extLst>
+          </p:cNvPr>
+          <p:cNvSpPr txBox="1"/>
+          <p:nvPr/>
+        </p:nvSpPr>
+        <p:spPr>
+          <a:xfrm>
+            <a:off x="11094898" y="4553339"/>
+            <a:ext cx="554789" cy="230832"/>
+          </a:xfrm>
+          <a:prstGeom prst="rect">
+            <a:avLst/>
+          </a:prstGeom>
+          <a:noFill/>
+        </p:spPr>
+        <p:txBody>
+          <a:bodyPr wrap="square" rtlCol="0">
+            <a:spAutoFit/>
+          </a:bodyPr>
+          <a:lstStyle/>
+          <a:p>
+            <a:pPr algn="ctr"/>
+            <a:r>
+              <a:rPr kumimoji="1" lang="en-US" altLang="ja-JP" sz="900" dirty="0">
+                <a:solidFill>
+                  <a:srgbClr val="FF0000"/>
+                </a:solidFill>
+              </a:rPr>
+              <a:t>100%</a:t>
+            </a:r>
+            <a:endParaRPr kumimoji="1" lang="ja-JP" altLang="en-US" sz="900" dirty="0">
+              <a:solidFill>
+                <a:srgbClr val="FF0000"/>
+              </a:solidFill>
+            </a:endParaRPr>
+          </a:p>
+        </p:txBody>
+      </p:sp>
+      <p:sp>
+        <p:nvSpPr>
+          <p:cNvPr id="127" name="テキスト ボックス 2">
+            <a:extLst>
+              <a:ext uri="{FF2B5EF4-FFF2-40B4-BE49-F238E27FC236}">
+                <a16:creationId xmlns:a16="http://schemas.microsoft.com/office/drawing/2014/main" id="{3828AA92-6AD5-42EB-BEF0-AED0AE6A503E}"/>
+              </a:ext>
+            </a:extLst>
+          </p:cNvPr>
+          <p:cNvSpPr txBox="1"/>
+          <p:nvPr/>
+        </p:nvSpPr>
+        <p:spPr>
+          <a:xfrm>
+            <a:off x="9140197" y="2021155"/>
+            <a:ext cx="481044" cy="230832"/>
+          </a:xfrm>
+          <a:prstGeom prst="rect">
+            <a:avLst/>
+          </a:prstGeom>
+          <a:noFill/>
+        </p:spPr>
+        <p:txBody>
+          <a:bodyPr wrap="square" rtlCol="0">
+            <a:spAutoFit/>
+          </a:bodyPr>
+          <a:lstStyle/>
+          <a:p>
+            <a:pPr algn="ctr"/>
+            <a:r>
+              <a:rPr lang="en-US" altLang="ja-JP" sz="900" dirty="0">
+                <a:solidFill>
+                  <a:srgbClr val="FF0000"/>
+                </a:solidFill>
+              </a:rPr>
+              <a:t>27</a:t>
+            </a:r>
+            <a:r>
+              <a:rPr kumimoji="1" lang="en-US" altLang="ja-JP" sz="900" dirty="0">
+                <a:solidFill>
+                  <a:srgbClr val="FF0000"/>
+                </a:solidFill>
+              </a:rPr>
+              <a:t>%</a:t>
+            </a:r>
+            <a:endParaRPr kumimoji="1" lang="ja-JP" altLang="en-US" sz="900" dirty="0">
+              <a:solidFill>
+                <a:srgbClr val="FF0000"/>
+              </a:solidFill>
+            </a:endParaRPr>
+          </a:p>
+        </p:txBody>
+      </p:sp>
+      <p:sp>
+        <p:nvSpPr>
+          <p:cNvPr id="128" name="テキスト ボックス 2">
+            <a:extLst>
+              <a:ext uri="{FF2B5EF4-FFF2-40B4-BE49-F238E27FC236}">
+                <a16:creationId xmlns:a16="http://schemas.microsoft.com/office/drawing/2014/main" id="{4D5B11B5-6E17-43E8-BA49-B29A5B882120}"/>
+              </a:ext>
+            </a:extLst>
+          </p:cNvPr>
+          <p:cNvSpPr txBox="1"/>
+          <p:nvPr/>
+        </p:nvSpPr>
+        <p:spPr>
+          <a:xfrm>
+            <a:off x="8109169" y="2015091"/>
+            <a:ext cx="481044" cy="230832"/>
+          </a:xfrm>
+          <a:prstGeom prst="rect">
+            <a:avLst/>
+          </a:prstGeom>
+          <a:noFill/>
+        </p:spPr>
+        <p:txBody>
+          <a:bodyPr wrap="square" rtlCol="0">
+            <a:spAutoFit/>
+          </a:bodyPr>
+          <a:lstStyle/>
+          <a:p>
+            <a:pPr algn="ctr"/>
+            <a:r>
+              <a:rPr kumimoji="1" lang="en-US" altLang="ja-JP" sz="900" dirty="0">
+                <a:solidFill>
+                  <a:srgbClr val="FF0000"/>
+                </a:solidFill>
+              </a:rPr>
+              <a:t>96%</a:t>
+            </a:r>
+            <a:endParaRPr kumimoji="1" lang="ja-JP" altLang="en-US" sz="900" dirty="0">
+              <a:solidFill>
+                <a:srgbClr val="FF0000"/>
+              </a:solidFill>
+            </a:endParaRPr>
+          </a:p>
+        </p:txBody>
+      </p:sp>
+      <p:sp>
+        <p:nvSpPr>
+          <p:cNvPr id="132" name="テキスト ボックス 2">
+            <a:extLst>
+              <a:ext uri="{FF2B5EF4-FFF2-40B4-BE49-F238E27FC236}">
+                <a16:creationId xmlns:a16="http://schemas.microsoft.com/office/drawing/2014/main" id="{50146036-0115-4CEF-9DA8-F3F5C4D85EE6}"/>
+              </a:ext>
+            </a:extLst>
+          </p:cNvPr>
+          <p:cNvSpPr txBox="1"/>
+          <p:nvPr/>
+        </p:nvSpPr>
+        <p:spPr>
+          <a:xfrm>
+            <a:off x="7079098" y="2015091"/>
+            <a:ext cx="481044" cy="230832"/>
+          </a:xfrm>
+          <a:prstGeom prst="rect">
+            <a:avLst/>
+          </a:prstGeom>
+          <a:noFill/>
+        </p:spPr>
+        <p:txBody>
+          <a:bodyPr wrap="square" rtlCol="0">
+            <a:spAutoFit/>
+          </a:bodyPr>
+          <a:lstStyle/>
+          <a:p>
+            <a:pPr algn="ctr"/>
+            <a:r>
+              <a:rPr lang="en-US" altLang="ja-JP" sz="900" dirty="0">
+                <a:solidFill>
+                  <a:srgbClr val="FF0000"/>
+                </a:solidFill>
+              </a:rPr>
+              <a:t>17</a:t>
+            </a:r>
+            <a:r>
+              <a:rPr kumimoji="1" lang="en-US" altLang="ja-JP" sz="900" dirty="0">
+                <a:solidFill>
+                  <a:srgbClr val="FF0000"/>
+                </a:solidFill>
+              </a:rPr>
+              <a:t>%</a:t>
+            </a:r>
+            <a:endParaRPr kumimoji="1" lang="ja-JP" altLang="en-US" sz="900" dirty="0">
+              <a:solidFill>
+                <a:srgbClr val="FF0000"/>
+              </a:solidFill>
+            </a:endParaRPr>
+          </a:p>
+        </p:txBody>
+      </p:sp>
+      <p:sp>
+        <p:nvSpPr>
+          <p:cNvPr id="139" name="テキスト ボックス 2">
+            <a:extLst>
+              <a:ext uri="{FF2B5EF4-FFF2-40B4-BE49-F238E27FC236}">
+                <a16:creationId xmlns:a16="http://schemas.microsoft.com/office/drawing/2014/main" id="{1CC8244B-B850-455F-B837-2FB22D8A9390}"/>
+              </a:ext>
+            </a:extLst>
+          </p:cNvPr>
+          <p:cNvSpPr txBox="1"/>
+          <p:nvPr/>
+        </p:nvSpPr>
+        <p:spPr>
+          <a:xfrm>
+            <a:off x="5969081" y="2039396"/>
+            <a:ext cx="481044" cy="230832"/>
+          </a:xfrm>
+          <a:prstGeom prst="rect">
+            <a:avLst/>
+          </a:prstGeom>
+          <a:noFill/>
+        </p:spPr>
+        <p:txBody>
+          <a:bodyPr wrap="square" rtlCol="0">
+            <a:spAutoFit/>
+          </a:bodyPr>
+          <a:lstStyle/>
+          <a:p>
+            <a:pPr algn="ctr"/>
+            <a:r>
+              <a:rPr kumimoji="1" lang="en-US" altLang="ja-JP" sz="900" dirty="0">
+                <a:solidFill>
+                  <a:srgbClr val="FF0000"/>
+                </a:solidFill>
+              </a:rPr>
+              <a:t>62%</a:t>
+            </a:r>
+            <a:endParaRPr kumimoji="1" lang="ja-JP" altLang="en-US" sz="900" dirty="0">
+              <a:solidFill>
+                <a:srgbClr val="FF0000"/>
+              </a:solidFill>
+            </a:endParaRPr>
+          </a:p>
+        </p:txBody>
+      </p:sp>
+      <p:cxnSp>
+        <p:nvCxnSpPr>
+          <p:cNvPr id="140" name="直線矢印コネクタ 5">
+            <a:extLst>
+              <a:ext uri="{FF2B5EF4-FFF2-40B4-BE49-F238E27FC236}">
+                <a16:creationId xmlns:a16="http://schemas.microsoft.com/office/drawing/2014/main" id="{95728710-6CD7-44DA-8C67-AB5C8742C73D}"/>
+              </a:ext>
+            </a:extLst>
+          </p:cNvPr>
+          <p:cNvCxnSpPr>
+            <a:cxnSpLocks/>
+            <a:stCxn id="66" idx="2"/>
+            <a:endCxn id="106" idx="0"/>
+          </p:cNvCxnSpPr>
+          <p:nvPr/>
+        </p:nvCxnSpPr>
+        <p:spPr>
+          <a:xfrm>
+            <a:off x="9690180" y="3278431"/>
+            <a:ext cx="1044936" cy="556913"/>
+          </a:xfrm>
+          <a:prstGeom prst="straightConnector1">
+            <a:avLst/>
+          </a:prstGeom>
+          <a:ln w="76200">
+            <a:tailEnd type="triangle"/>
+          </a:ln>
+        </p:spPr>
+        <p:style>
+          <a:lnRef idx="1">
+            <a:schemeClr val="accent1"/>
+          </a:lnRef>
+          <a:fillRef idx="0">
+            <a:schemeClr val="accent1"/>
+          </a:fillRef>
+          <a:effectRef idx="0">
+            <a:schemeClr val="accent1"/>
+          </a:effectRef>
+          <a:fontRef idx="minor">
+            <a:schemeClr val="tx1"/>
+          </a:fontRef>
+        </p:style>
+      </p:cxnSp>
+      <p:cxnSp>
+        <p:nvCxnSpPr>
+          <p:cNvPr id="143" name="直線矢印コネクタ 5">
+            <a:extLst>
+              <a:ext uri="{FF2B5EF4-FFF2-40B4-BE49-F238E27FC236}">
+                <a16:creationId xmlns:a16="http://schemas.microsoft.com/office/drawing/2014/main" id="{B36BD73F-856B-4F18-BE30-F60EAC465D6B}"/>
+              </a:ext>
+            </a:extLst>
+          </p:cNvPr>
+          <p:cNvCxnSpPr>
+            <a:cxnSpLocks/>
+            <a:stCxn id="20" idx="2"/>
+            <a:endCxn id="105" idx="0"/>
+          </p:cNvCxnSpPr>
+          <p:nvPr/>
+        </p:nvCxnSpPr>
+        <p:spPr>
+          <a:xfrm>
+            <a:off x="8646312" y="3278432"/>
+            <a:ext cx="1043868" cy="556913"/>
+          </a:xfrm>
+          <a:prstGeom prst="straightConnector1">
+            <a:avLst/>
+          </a:prstGeom>
+          <a:ln w="76200">
+            <a:tailEnd type="triangle"/>
+          </a:ln>
+        </p:spPr>
+        <p:style>
+          <a:lnRef idx="1">
+            <a:schemeClr val="accent1"/>
+          </a:lnRef>
+          <a:fillRef idx="0">
+            <a:schemeClr val="accent1"/>
+          </a:fillRef>
+          <a:effectRef idx="0">
+            <a:schemeClr val="accent1"/>
+          </a:effectRef>
+          <a:fontRef idx="minor">
+            <a:schemeClr val="tx1"/>
+          </a:fontRef>
+        </p:style>
+      </p:cxnSp>
+      <p:cxnSp>
+        <p:nvCxnSpPr>
+          <p:cNvPr id="146" name="直線矢印コネクタ 5">
+            <a:extLst>
+              <a:ext uri="{FF2B5EF4-FFF2-40B4-BE49-F238E27FC236}">
+                <a16:creationId xmlns:a16="http://schemas.microsoft.com/office/drawing/2014/main" id="{EF991AF3-48D5-4ED4-BAE8-5BC1E9C1B4A8}"/>
+              </a:ext>
+            </a:extLst>
+          </p:cNvPr>
+          <p:cNvCxnSpPr>
+            <a:cxnSpLocks/>
+            <a:stCxn id="19" idx="2"/>
+            <a:endCxn id="100" idx="0"/>
+          </p:cNvCxnSpPr>
+          <p:nvPr/>
+        </p:nvCxnSpPr>
+        <p:spPr>
+          <a:xfrm>
+            <a:off x="7596951" y="3288874"/>
+            <a:ext cx="1049361" cy="546472"/>
+          </a:xfrm>
+          <a:prstGeom prst="straightConnector1">
+            <a:avLst/>
+          </a:prstGeom>
+          <a:ln w="76200">
+            <a:tailEnd type="triangle"/>
+          </a:ln>
+        </p:spPr>
+        <p:style>
+          <a:lnRef idx="1">
+            <a:schemeClr val="accent1"/>
+          </a:lnRef>
+          <a:fillRef idx="0">
+            <a:schemeClr val="accent1"/>
+          </a:fillRef>
+          <a:effectRef idx="0">
+            <a:schemeClr val="accent1"/>
+          </a:effectRef>
+          <a:fontRef idx="minor">
+            <a:schemeClr val="tx1"/>
+          </a:fontRef>
+        </p:style>
+      </p:cxnSp>
+      <p:cxnSp>
+        <p:nvCxnSpPr>
+          <p:cNvPr id="149" name="直線矢印コネクタ 5">
+            <a:extLst>
+              <a:ext uri="{FF2B5EF4-FFF2-40B4-BE49-F238E27FC236}">
+                <a16:creationId xmlns:a16="http://schemas.microsoft.com/office/drawing/2014/main" id="{F391522D-9682-4F56-8613-0D7740A9B4FB}"/>
+              </a:ext>
+            </a:extLst>
+          </p:cNvPr>
+          <p:cNvCxnSpPr>
+            <a:cxnSpLocks/>
+            <a:stCxn id="99" idx="2"/>
+            <a:endCxn id="108" idx="0"/>
+          </p:cNvCxnSpPr>
+          <p:nvPr/>
+        </p:nvCxnSpPr>
+        <p:spPr>
+          <a:xfrm>
+            <a:off x="7596951" y="4569063"/>
+            <a:ext cx="1049361" cy="544168"/>
+          </a:xfrm>
+          <a:prstGeom prst="straightConnector1">
+            <a:avLst/>
+          </a:prstGeom>
+          <a:ln w="76200">
+            <a:tailEnd type="triangle"/>
+          </a:ln>
+        </p:spPr>
+        <p:style>
+          <a:lnRef idx="1">
+            <a:schemeClr val="accent1"/>
+          </a:lnRef>
+          <a:fillRef idx="0">
+            <a:schemeClr val="accent1"/>
+          </a:fillRef>
+          <a:effectRef idx="0">
+            <a:schemeClr val="accent1"/>
+          </a:effectRef>
+          <a:fontRef idx="minor">
+            <a:schemeClr val="tx1"/>
+          </a:fontRef>
+        </p:style>
+      </p:cxnSp>
+      <p:cxnSp>
+        <p:nvCxnSpPr>
+          <p:cNvPr id="152" name="直線矢印コネクタ 5">
+            <a:extLst>
+              <a:ext uri="{FF2B5EF4-FFF2-40B4-BE49-F238E27FC236}">
+                <a16:creationId xmlns:a16="http://schemas.microsoft.com/office/drawing/2014/main" id="{380E74C3-1CD1-4A7C-A02E-A11A1B80205E}"/>
+              </a:ext>
+            </a:extLst>
+          </p:cNvPr>
+          <p:cNvCxnSpPr>
+            <a:cxnSpLocks/>
+            <a:stCxn id="27" idx="2"/>
+            <a:endCxn id="99" idx="0"/>
+          </p:cNvCxnSpPr>
+          <p:nvPr/>
+        </p:nvCxnSpPr>
+        <p:spPr>
+          <a:xfrm>
+            <a:off x="6565011" y="3278434"/>
+            <a:ext cx="1031940" cy="567354"/>
+          </a:xfrm>
+          <a:prstGeom prst="straightConnector1">
+            <a:avLst/>
+          </a:prstGeom>
+          <a:ln w="76200">
+            <a:tailEnd type="triangle"/>
+          </a:ln>
+        </p:spPr>
+        <p:style>
+          <a:lnRef idx="1">
+            <a:schemeClr val="accent1"/>
+          </a:lnRef>
+          <a:fillRef idx="0">
+            <a:schemeClr val="accent1"/>
+          </a:fillRef>
+          <a:effectRef idx="0">
+            <a:schemeClr val="accent1"/>
+          </a:effectRef>
+          <a:fontRef idx="minor">
+            <a:schemeClr val="tx1"/>
+          </a:fontRef>
+        </p:style>
+      </p:cxnSp>
+      <p:cxnSp>
+        <p:nvCxnSpPr>
+          <p:cNvPr id="155" name="直線矢印コネクタ 5">
+            <a:extLst>
+              <a:ext uri="{FF2B5EF4-FFF2-40B4-BE49-F238E27FC236}">
+                <a16:creationId xmlns:a16="http://schemas.microsoft.com/office/drawing/2014/main" id="{12B34719-FB0B-4B6D-84D9-3FCA53A0283F}"/>
+              </a:ext>
+            </a:extLst>
+          </p:cNvPr>
+          <p:cNvCxnSpPr>
+            <a:cxnSpLocks/>
+            <a:stCxn id="36" idx="2"/>
+            <a:endCxn id="101" idx="0"/>
+          </p:cNvCxnSpPr>
+          <p:nvPr/>
+        </p:nvCxnSpPr>
+        <p:spPr>
+          <a:xfrm>
+            <a:off x="5527729" y="3276129"/>
+            <a:ext cx="1037282" cy="559219"/>
+          </a:xfrm>
+          <a:prstGeom prst="straightConnector1">
+            <a:avLst/>
+          </a:prstGeom>
+          <a:ln w="76200">
+            <a:tailEnd type="triangle"/>
+          </a:ln>
+        </p:spPr>
+        <p:style>
+          <a:lnRef idx="1">
+            <a:schemeClr val="accent1"/>
+          </a:lnRef>
+          <a:fillRef idx="0">
+            <a:schemeClr val="accent1"/>
+          </a:fillRef>
+          <a:effectRef idx="0">
+            <a:schemeClr val="accent1"/>
+          </a:effectRef>
+          <a:fontRef idx="minor">
+            <a:schemeClr val="tx1"/>
+          </a:fontRef>
+        </p:style>
+      </p:cxnSp>
+      <p:cxnSp>
+        <p:nvCxnSpPr>
+          <p:cNvPr id="158" name="直線矢印コネクタ 5">
+            <a:extLst>
+              <a:ext uri="{FF2B5EF4-FFF2-40B4-BE49-F238E27FC236}">
+                <a16:creationId xmlns:a16="http://schemas.microsoft.com/office/drawing/2014/main" id="{4932C496-B2CD-442D-9B1B-F9F1B1859AEF}"/>
+              </a:ext>
+            </a:extLst>
+          </p:cNvPr>
+          <p:cNvCxnSpPr>
+            <a:cxnSpLocks/>
+            <a:stCxn id="39" idx="2"/>
+            <a:endCxn id="102" idx="0"/>
+          </p:cNvCxnSpPr>
+          <p:nvPr/>
+        </p:nvCxnSpPr>
+        <p:spPr>
+          <a:xfrm>
+            <a:off x="4478368" y="3283042"/>
+            <a:ext cx="1049361" cy="550001"/>
+          </a:xfrm>
+          <a:prstGeom prst="straightConnector1">
+            <a:avLst/>
+          </a:prstGeom>
+          <a:ln w="76200">
+            <a:tailEnd type="triangle"/>
+          </a:ln>
+        </p:spPr>
+        <p:style>
+          <a:lnRef idx="1">
+            <a:schemeClr val="accent1"/>
+          </a:lnRef>
+          <a:fillRef idx="0">
+            <a:schemeClr val="accent1"/>
+          </a:fillRef>
+          <a:effectRef idx="0">
+            <a:schemeClr val="accent1"/>
+          </a:effectRef>
+          <a:fontRef idx="minor">
+            <a:schemeClr val="tx1"/>
+          </a:fontRef>
+        </p:style>
+      </p:cxnSp>
+      <p:cxnSp>
+        <p:nvCxnSpPr>
+          <p:cNvPr id="161" name="直線矢印コネクタ 5">
+            <a:extLst>
+              <a:ext uri="{FF2B5EF4-FFF2-40B4-BE49-F238E27FC236}">
+                <a16:creationId xmlns:a16="http://schemas.microsoft.com/office/drawing/2014/main" id="{D9E6429B-FD02-49F9-8AE8-CD3C56F2F042}"/>
+              </a:ext>
+            </a:extLst>
+          </p:cNvPr>
+          <p:cNvCxnSpPr>
+            <a:cxnSpLocks/>
+            <a:stCxn id="42" idx="2"/>
+            <a:endCxn id="103" idx="0"/>
+          </p:cNvCxnSpPr>
+          <p:nvPr/>
+        </p:nvCxnSpPr>
+        <p:spPr>
+          <a:xfrm>
+            <a:off x="3433432" y="3276128"/>
+            <a:ext cx="1044936" cy="563828"/>
+          </a:xfrm>
+          <a:prstGeom prst="straightConnector1">
+            <a:avLst/>
+          </a:prstGeom>
+          <a:ln w="76200">
+            <a:tailEnd type="triangle"/>
+          </a:ln>
+        </p:spPr>
+        <p:style>
+          <a:lnRef idx="1">
+            <a:schemeClr val="accent1"/>
+          </a:lnRef>
+          <a:fillRef idx="0">
+            <a:schemeClr val="accent1"/>
+          </a:fillRef>
+          <a:effectRef idx="0">
+            <a:schemeClr val="accent1"/>
+          </a:effectRef>
+          <a:fontRef idx="minor">
+            <a:schemeClr val="tx1"/>
+          </a:fontRef>
+        </p:style>
+      </p:cxnSp>
+      <p:sp>
+        <p:nvSpPr>
+          <p:cNvPr id="164" name="テキスト ボックス 2">
+            <a:extLst>
+              <a:ext uri="{FF2B5EF4-FFF2-40B4-BE49-F238E27FC236}">
+                <a16:creationId xmlns:a16="http://schemas.microsoft.com/office/drawing/2014/main" id="{F507F8A6-A57C-4D32-8EEA-1D7537D44548}"/>
+              </a:ext>
+            </a:extLst>
+          </p:cNvPr>
+          <p:cNvSpPr txBox="1"/>
+          <p:nvPr/>
+        </p:nvSpPr>
+        <p:spPr>
+          <a:xfrm>
+            <a:off x="10204697" y="3279215"/>
+            <a:ext cx="481044" cy="230832"/>
+          </a:xfrm>
+          <a:prstGeom prst="rect">
+            <a:avLst/>
+          </a:prstGeom>
+          <a:noFill/>
+        </p:spPr>
+        <p:txBody>
+          <a:bodyPr wrap="square" rtlCol="0">
+            <a:spAutoFit/>
+          </a:bodyPr>
+          <a:lstStyle/>
+          <a:p>
+            <a:pPr algn="ctr"/>
+            <a:r>
+              <a:rPr kumimoji="1" lang="en-US" altLang="ja-JP" sz="900" dirty="0">
+                <a:solidFill>
+                  <a:srgbClr val="FF0000"/>
+                </a:solidFill>
+              </a:rPr>
+              <a:t>42%</a:t>
+            </a:r>
+            <a:endParaRPr kumimoji="1" lang="ja-JP" altLang="en-US" sz="900" dirty="0">
+              <a:solidFill>
+                <a:srgbClr val="FF0000"/>
+              </a:solidFill>
+            </a:endParaRPr>
+          </a:p>
+        </p:txBody>
+      </p:sp>
+      <p:sp>
+        <p:nvSpPr>
+          <p:cNvPr id="168" name="テキスト ボックス 2">
+            <a:extLst>
+              <a:ext uri="{FF2B5EF4-FFF2-40B4-BE49-F238E27FC236}">
+                <a16:creationId xmlns:a16="http://schemas.microsoft.com/office/drawing/2014/main" id="{DAC74158-8525-4F1B-819C-EB28022A480B}"/>
+              </a:ext>
+            </a:extLst>
+          </p:cNvPr>
+          <p:cNvSpPr txBox="1"/>
+          <p:nvPr/>
+        </p:nvSpPr>
+        <p:spPr>
+          <a:xfrm>
+            <a:off x="9277162" y="3267988"/>
+            <a:ext cx="463769" cy="230832"/>
+          </a:xfrm>
+          <a:prstGeom prst="rect">
+            <a:avLst/>
+          </a:prstGeom>
+          <a:noFill/>
+        </p:spPr>
+        <p:txBody>
+          <a:bodyPr wrap="square" rtlCol="0">
+            <a:spAutoFit/>
+          </a:bodyPr>
+          <a:lstStyle/>
+          <a:p>
+            <a:pPr algn="ctr"/>
+            <a:r>
+              <a:rPr kumimoji="1" lang="en-US" altLang="ja-JP" sz="900" dirty="0">
+                <a:solidFill>
+                  <a:srgbClr val="FF0000"/>
+                </a:solidFill>
+              </a:rPr>
+              <a:t>&lt;1%</a:t>
+            </a:r>
+            <a:endParaRPr kumimoji="1" lang="ja-JP" altLang="en-US" sz="900" dirty="0">
+              <a:solidFill>
+                <a:srgbClr val="FF0000"/>
+              </a:solidFill>
+            </a:endParaRPr>
+          </a:p>
+        </p:txBody>
+      </p:sp>
+      <p:sp>
+        <p:nvSpPr>
+          <p:cNvPr id="169" name="テキスト ボックス 2">
+            <a:extLst>
+              <a:ext uri="{FF2B5EF4-FFF2-40B4-BE49-F238E27FC236}">
+                <a16:creationId xmlns:a16="http://schemas.microsoft.com/office/drawing/2014/main" id="{A7349A92-8B9A-48D5-B9D9-02E85250A2D1}"/>
+              </a:ext>
+            </a:extLst>
+          </p:cNvPr>
+          <p:cNvSpPr txBox="1"/>
+          <p:nvPr/>
+        </p:nvSpPr>
+        <p:spPr>
+          <a:xfrm>
+            <a:off x="8157396" y="3285128"/>
+            <a:ext cx="349952" cy="230832"/>
+          </a:xfrm>
+          <a:prstGeom prst="rect">
+            <a:avLst/>
+          </a:prstGeom>
+          <a:noFill/>
+        </p:spPr>
+        <p:txBody>
+          <a:bodyPr wrap="square" rtlCol="0">
+            <a:spAutoFit/>
+          </a:bodyPr>
+          <a:lstStyle/>
+          <a:p>
+            <a:pPr algn="ctr"/>
+            <a:r>
+              <a:rPr lang="en-US" altLang="ja-JP" sz="900" dirty="0">
+                <a:solidFill>
+                  <a:srgbClr val="FF0000"/>
+                </a:solidFill>
+              </a:rPr>
+              <a:t>4</a:t>
+            </a:r>
+            <a:r>
+              <a:rPr kumimoji="1" lang="en-US" altLang="ja-JP" sz="900" dirty="0">
+                <a:solidFill>
+                  <a:srgbClr val="FF0000"/>
+                </a:solidFill>
+              </a:rPr>
+              <a:t>%</a:t>
+            </a:r>
+            <a:endParaRPr kumimoji="1" lang="ja-JP" altLang="en-US" sz="900" dirty="0">
+              <a:solidFill>
+                <a:srgbClr val="FF0000"/>
+              </a:solidFill>
+            </a:endParaRPr>
+          </a:p>
+        </p:txBody>
+      </p:sp>
+      <p:sp>
+        <p:nvSpPr>
+          <p:cNvPr id="173" name="テキスト ボックス 2">
+            <a:extLst>
+              <a:ext uri="{FF2B5EF4-FFF2-40B4-BE49-F238E27FC236}">
+                <a16:creationId xmlns:a16="http://schemas.microsoft.com/office/drawing/2014/main" id="{23A6A16B-123B-4DAC-AE97-BAA104249986}"/>
+              </a:ext>
+            </a:extLst>
+          </p:cNvPr>
+          <p:cNvSpPr txBox="1"/>
+          <p:nvPr/>
+        </p:nvSpPr>
+        <p:spPr>
+          <a:xfrm>
+            <a:off x="7087943" y="3264988"/>
+            <a:ext cx="463769" cy="230832"/>
+          </a:xfrm>
+          <a:prstGeom prst="rect">
+            <a:avLst/>
+          </a:prstGeom>
+          <a:noFill/>
+        </p:spPr>
+        <p:txBody>
+          <a:bodyPr wrap="square" rtlCol="0">
+            <a:spAutoFit/>
+          </a:bodyPr>
+          <a:lstStyle/>
+          <a:p>
+            <a:pPr algn="ctr"/>
+            <a:r>
+              <a:rPr lang="en-US" altLang="ja-JP" sz="900" dirty="0">
+                <a:solidFill>
+                  <a:srgbClr val="FF0000"/>
+                </a:solidFill>
+              </a:rPr>
+              <a:t>&lt;1</a:t>
+            </a:r>
+            <a:r>
+              <a:rPr kumimoji="1" lang="en-US" altLang="ja-JP" sz="900" dirty="0">
+                <a:solidFill>
+                  <a:srgbClr val="FF0000"/>
+                </a:solidFill>
+              </a:rPr>
+              <a:t>%</a:t>
+            </a:r>
+            <a:endParaRPr kumimoji="1" lang="ja-JP" altLang="en-US" sz="900" dirty="0">
+              <a:solidFill>
+                <a:srgbClr val="FF0000"/>
+              </a:solidFill>
+            </a:endParaRPr>
+          </a:p>
+        </p:txBody>
+      </p:sp>
+      <p:sp>
+        <p:nvSpPr>
+          <p:cNvPr id="174" name="テキスト ボックス 2">
+            <a:extLst>
+              <a:ext uri="{FF2B5EF4-FFF2-40B4-BE49-F238E27FC236}">
+                <a16:creationId xmlns:a16="http://schemas.microsoft.com/office/drawing/2014/main" id="{C378FC7E-C8CF-45AB-BBB9-ECA5DE802F50}"/>
+              </a:ext>
+            </a:extLst>
+          </p:cNvPr>
+          <p:cNvSpPr txBox="1"/>
+          <p:nvPr/>
+        </p:nvSpPr>
+        <p:spPr>
+          <a:xfrm>
+            <a:off x="6100009" y="3279215"/>
+            <a:ext cx="374260" cy="230832"/>
+          </a:xfrm>
+          <a:prstGeom prst="rect">
+            <a:avLst/>
+          </a:prstGeom>
+          <a:noFill/>
+        </p:spPr>
+        <p:txBody>
+          <a:bodyPr wrap="square" rtlCol="0">
+            <a:spAutoFit/>
+          </a:bodyPr>
+          <a:lstStyle/>
+          <a:p>
+            <a:pPr algn="ctr"/>
+            <a:r>
+              <a:rPr lang="en-US" altLang="ja-JP" sz="900" dirty="0">
+                <a:solidFill>
+                  <a:srgbClr val="FF0000"/>
+                </a:solidFill>
+              </a:rPr>
+              <a:t>9</a:t>
+            </a:r>
+            <a:r>
+              <a:rPr kumimoji="1" lang="en-US" altLang="ja-JP" sz="900" dirty="0">
+                <a:solidFill>
+                  <a:srgbClr val="FF0000"/>
+                </a:solidFill>
+              </a:rPr>
+              <a:t>%</a:t>
+            </a:r>
+            <a:endParaRPr kumimoji="1" lang="ja-JP" altLang="en-US" sz="900" dirty="0">
+              <a:solidFill>
+                <a:srgbClr val="FF0000"/>
+              </a:solidFill>
+            </a:endParaRPr>
+          </a:p>
+        </p:txBody>
+      </p:sp>
+      <p:sp>
+        <p:nvSpPr>
+          <p:cNvPr id="178" name="テキスト ボックス 2">
+            <a:extLst>
+              <a:ext uri="{FF2B5EF4-FFF2-40B4-BE49-F238E27FC236}">
+                <a16:creationId xmlns:a16="http://schemas.microsoft.com/office/drawing/2014/main" id="{4DC119D4-A3B7-4A4C-8447-DF0D01B00404}"/>
+              </a:ext>
+            </a:extLst>
+          </p:cNvPr>
+          <p:cNvSpPr txBox="1"/>
+          <p:nvPr/>
+        </p:nvSpPr>
+        <p:spPr>
+          <a:xfrm>
+            <a:off x="5117599" y="3283822"/>
+            <a:ext cx="463769" cy="230832"/>
+          </a:xfrm>
+          <a:prstGeom prst="rect">
+            <a:avLst/>
+          </a:prstGeom>
+          <a:noFill/>
+        </p:spPr>
+        <p:txBody>
+          <a:bodyPr wrap="square" rtlCol="0">
+            <a:spAutoFit/>
+          </a:bodyPr>
+          <a:lstStyle/>
+          <a:p>
+            <a:pPr algn="ctr"/>
+            <a:r>
+              <a:rPr lang="en-US" altLang="ja-JP" sz="900" dirty="0">
+                <a:solidFill>
+                  <a:srgbClr val="FF0000"/>
+                </a:solidFill>
+              </a:rPr>
+              <a:t>&lt;1</a:t>
+            </a:r>
+            <a:r>
+              <a:rPr kumimoji="1" lang="en-US" altLang="ja-JP" sz="900" dirty="0">
+                <a:solidFill>
+                  <a:srgbClr val="FF0000"/>
+                </a:solidFill>
+              </a:rPr>
+              <a:t>%</a:t>
+            </a:r>
+            <a:endParaRPr kumimoji="1" lang="ja-JP" altLang="en-US" sz="900" dirty="0">
+              <a:solidFill>
+                <a:srgbClr val="FF0000"/>
+              </a:solidFill>
+            </a:endParaRPr>
+          </a:p>
+        </p:txBody>
+      </p:sp>
+      <p:sp>
+        <p:nvSpPr>
+          <p:cNvPr id="179" name="テキスト ボックス 2">
+            <a:extLst>
+              <a:ext uri="{FF2B5EF4-FFF2-40B4-BE49-F238E27FC236}">
+                <a16:creationId xmlns:a16="http://schemas.microsoft.com/office/drawing/2014/main" id="{DD9C7780-D4F4-4DD9-A59A-A2652653581B}"/>
+              </a:ext>
+            </a:extLst>
+          </p:cNvPr>
+          <p:cNvSpPr txBox="1"/>
+          <p:nvPr/>
+        </p:nvSpPr>
+        <p:spPr>
+          <a:xfrm>
+            <a:off x="3883257" y="3279215"/>
+            <a:ext cx="427991" cy="230832"/>
+          </a:xfrm>
+          <a:prstGeom prst="rect">
+            <a:avLst/>
+          </a:prstGeom>
+          <a:noFill/>
+        </p:spPr>
+        <p:txBody>
+          <a:bodyPr wrap="square" rtlCol="0">
+            <a:spAutoFit/>
+          </a:bodyPr>
+          <a:lstStyle/>
+          <a:p>
+            <a:pPr algn="ctr"/>
+            <a:r>
+              <a:rPr kumimoji="1" lang="en-US" altLang="ja-JP" sz="900" dirty="0">
+                <a:solidFill>
+                  <a:srgbClr val="FF0000"/>
+                </a:solidFill>
+              </a:rPr>
+              <a:t>10%</a:t>
+            </a:r>
+            <a:endParaRPr kumimoji="1" lang="ja-JP" altLang="en-US" sz="900" dirty="0">
+              <a:solidFill>
+                <a:srgbClr val="FF0000"/>
+              </a:solidFill>
+            </a:endParaRPr>
+          </a:p>
+        </p:txBody>
+      </p:sp>
+      <p:cxnSp>
+        <p:nvCxnSpPr>
+          <p:cNvPr id="180" name="直線矢印コネクタ 7">
+            <a:extLst>
+              <a:ext uri="{FF2B5EF4-FFF2-40B4-BE49-F238E27FC236}">
+                <a16:creationId xmlns:a16="http://schemas.microsoft.com/office/drawing/2014/main" id="{ACDB9F96-8132-4CF1-B30A-23C120C11227}"/>
+              </a:ext>
+            </a:extLst>
+          </p:cNvPr>
+          <p:cNvCxnSpPr>
+            <a:cxnSpLocks/>
+            <a:stCxn id="39" idx="2"/>
+            <a:endCxn id="181" idx="0"/>
+          </p:cNvCxnSpPr>
+          <p:nvPr/>
+        </p:nvCxnSpPr>
+        <p:spPr>
+          <a:xfrm flipH="1">
+            <a:off x="2384071" y="3283042"/>
+            <a:ext cx="2094297" cy="1834799"/>
+          </a:xfrm>
+          <a:prstGeom prst="straightConnector1">
+            <a:avLst/>
+          </a:prstGeom>
+          <a:ln w="76200">
+            <a:solidFill>
+              <a:srgbClr val="FF0000"/>
+            </a:solidFill>
+            <a:prstDash val="sysDot"/>
+            <a:tailEnd type="triangle"/>
+          </a:ln>
+        </p:spPr>
+        <p:style>
+          <a:lnRef idx="1">
+            <a:schemeClr val="accent1"/>
+          </a:lnRef>
+          <a:fillRef idx="0">
+            <a:schemeClr val="accent1"/>
+          </a:fillRef>
+          <a:effectRef idx="0">
+            <a:schemeClr val="accent1"/>
+          </a:effectRef>
+          <a:fontRef idx="minor">
+            <a:schemeClr val="tx1"/>
+          </a:fontRef>
+        </p:style>
+      </p:cxnSp>
+      <p:sp>
+        <p:nvSpPr>
+          <p:cNvPr id="181" name="テキスト ボックス 22">
+            <a:extLst>
+              <a:ext uri="{FF2B5EF4-FFF2-40B4-BE49-F238E27FC236}">
+                <a16:creationId xmlns:a16="http://schemas.microsoft.com/office/drawing/2014/main" id="{E395AB19-751A-472E-8B9A-E9F7D4A8C852}"/>
+              </a:ext>
+            </a:extLst>
+          </p:cNvPr>
+          <p:cNvSpPr txBox="1"/>
+          <p:nvPr/>
+        </p:nvSpPr>
+        <p:spPr>
+          <a:xfrm>
+            <a:off x="1971054" y="5117841"/>
+            <a:ext cx="826033" cy="723275"/>
+          </a:xfrm>
+          <a:prstGeom prst="rect">
+            <a:avLst/>
+          </a:prstGeom>
+          <a:noFill/>
+          <a:ln w="38100">
+            <a:solidFill>
+              <a:schemeClr val="tx1"/>
+            </a:solidFill>
+          </a:ln>
+        </p:spPr>
+        <p:txBody>
+          <a:bodyPr wrap="square" rtlCol="0" anchor="ctr">
+            <a:spAutoFit/>
+          </a:bodyPr>
+          <a:lstStyle/>
+          <a:p>
+            <a:pPr algn="ctr"/>
+            <a:endParaRPr kumimoji="1" lang="en-US" altLang="ja-JP" sz="1050" dirty="0"/>
+          </a:p>
+          <a:p>
+            <a:pPr algn="ctr"/>
+            <a:r>
+              <a:rPr kumimoji="1" lang="en-US" altLang="ja-JP" baseline="30000" dirty="0"/>
+              <a:t>201</a:t>
+            </a:r>
+            <a:r>
+              <a:rPr kumimoji="1" lang="en-US" altLang="ja-JP" sz="2000" dirty="0"/>
+              <a:t>Bi</a:t>
+            </a:r>
+          </a:p>
+          <a:p>
+            <a:pPr algn="ctr"/>
+            <a:r>
+              <a:rPr kumimoji="1" lang="en-US" altLang="ja-JP" sz="1050" dirty="0"/>
+              <a:t>108 min.</a:t>
+            </a:r>
+            <a:endParaRPr kumimoji="1" lang="ja-JP" altLang="en-US" sz="1050" dirty="0"/>
+          </a:p>
+        </p:txBody>
+      </p:sp>
+      <p:sp>
+        <p:nvSpPr>
+          <p:cNvPr id="184" name="テキスト ボックス 2">
+            <a:extLst>
+              <a:ext uri="{FF2B5EF4-FFF2-40B4-BE49-F238E27FC236}">
+                <a16:creationId xmlns:a16="http://schemas.microsoft.com/office/drawing/2014/main" id="{A3E301D6-6D30-48B2-8B7D-96A758A942C3}"/>
+              </a:ext>
+            </a:extLst>
+          </p:cNvPr>
+          <p:cNvSpPr txBox="1"/>
+          <p:nvPr/>
+        </p:nvSpPr>
+        <p:spPr>
+          <a:xfrm>
+            <a:off x="2919827" y="3283042"/>
+            <a:ext cx="349952" cy="230832"/>
+          </a:xfrm>
+          <a:prstGeom prst="rect">
+            <a:avLst/>
+          </a:prstGeom>
+          <a:noFill/>
+        </p:spPr>
+        <p:txBody>
+          <a:bodyPr wrap="square" rtlCol="0">
+            <a:spAutoFit/>
+          </a:bodyPr>
+          <a:lstStyle/>
+          <a:p>
+            <a:pPr algn="ctr"/>
+            <a:r>
+              <a:rPr lang="en-US" altLang="ja-JP" sz="900" dirty="0">
+                <a:solidFill>
+                  <a:srgbClr val="FF0000"/>
+                </a:solidFill>
+              </a:rPr>
+              <a:t>4</a:t>
+            </a:r>
+            <a:r>
+              <a:rPr kumimoji="1" lang="en-US" altLang="ja-JP" sz="900" dirty="0">
+                <a:solidFill>
+                  <a:srgbClr val="FF0000"/>
+                </a:solidFill>
+              </a:rPr>
+              <a:t>%</a:t>
+            </a:r>
+            <a:endParaRPr kumimoji="1" lang="ja-JP" altLang="en-US" sz="900" dirty="0">
+              <a:solidFill>
+                <a:srgbClr val="FF0000"/>
+              </a:solidFill>
+            </a:endParaRPr>
+          </a:p>
+        </p:txBody>
+      </p:sp>
+      <p:cxnSp>
+        <p:nvCxnSpPr>
+          <p:cNvPr id="185" name="直線矢印コネクタ 7">
+            <a:extLst>
+              <a:ext uri="{FF2B5EF4-FFF2-40B4-BE49-F238E27FC236}">
+                <a16:creationId xmlns:a16="http://schemas.microsoft.com/office/drawing/2014/main" id="{36689884-9A20-44EC-966D-04CDC80C1211}"/>
+              </a:ext>
+            </a:extLst>
+          </p:cNvPr>
+          <p:cNvCxnSpPr>
+            <a:cxnSpLocks/>
+            <a:stCxn id="42" idx="2"/>
+            <a:endCxn id="186" idx="0"/>
+          </p:cNvCxnSpPr>
+          <p:nvPr/>
+        </p:nvCxnSpPr>
+        <p:spPr>
+          <a:xfrm flipH="1">
+            <a:off x="1352131" y="3276128"/>
+            <a:ext cx="2081301" cy="1841713"/>
+          </a:xfrm>
+          <a:prstGeom prst="straightConnector1">
+            <a:avLst/>
+          </a:prstGeom>
+          <a:ln w="76200">
+            <a:solidFill>
+              <a:srgbClr val="FF0000"/>
+            </a:solidFill>
+            <a:prstDash val="sysDot"/>
+            <a:tailEnd type="triangle"/>
+          </a:ln>
+        </p:spPr>
+        <p:style>
+          <a:lnRef idx="1">
+            <a:schemeClr val="accent1"/>
+          </a:lnRef>
+          <a:fillRef idx="0">
+            <a:schemeClr val="accent1"/>
+          </a:fillRef>
+          <a:effectRef idx="0">
+            <a:schemeClr val="accent1"/>
+          </a:effectRef>
+          <a:fontRef idx="minor">
+            <a:schemeClr val="tx1"/>
+          </a:fontRef>
+        </p:style>
+      </p:cxnSp>
+      <p:sp>
+        <p:nvSpPr>
+          <p:cNvPr id="186" name="テキスト ボックス 22">
+            <a:extLst>
+              <a:ext uri="{FF2B5EF4-FFF2-40B4-BE49-F238E27FC236}">
+                <a16:creationId xmlns:a16="http://schemas.microsoft.com/office/drawing/2014/main" id="{9EEA6FB8-92B4-4922-A2D5-CF99559913C2}"/>
+              </a:ext>
+            </a:extLst>
+          </p:cNvPr>
+          <p:cNvSpPr txBox="1"/>
+          <p:nvPr/>
+        </p:nvSpPr>
+        <p:spPr>
+          <a:xfrm>
+            <a:off x="939114" y="5117841"/>
+            <a:ext cx="826033" cy="723275"/>
+          </a:xfrm>
+          <a:prstGeom prst="rect">
+            <a:avLst/>
+          </a:prstGeom>
+          <a:noFill/>
+          <a:ln w="38100">
+            <a:solidFill>
+              <a:schemeClr val="tx1"/>
+            </a:solidFill>
+          </a:ln>
+        </p:spPr>
+        <p:txBody>
+          <a:bodyPr wrap="square" rtlCol="0" anchor="ctr">
+            <a:spAutoFit/>
+          </a:bodyPr>
+          <a:lstStyle/>
+          <a:p>
+            <a:pPr algn="ctr"/>
+            <a:endParaRPr kumimoji="1" lang="en-US" altLang="ja-JP" sz="1050" dirty="0"/>
+          </a:p>
+          <a:p>
+            <a:pPr algn="ctr"/>
+            <a:r>
+              <a:rPr kumimoji="1" lang="en-US" altLang="ja-JP" baseline="30000" dirty="0"/>
+              <a:t>200</a:t>
+            </a:r>
+            <a:r>
+              <a:rPr kumimoji="1" lang="en-US" altLang="ja-JP" sz="2000" dirty="0"/>
+              <a:t>Bi</a:t>
+            </a:r>
+          </a:p>
+          <a:p>
+            <a:pPr algn="ctr"/>
+            <a:r>
+              <a:rPr kumimoji="1" lang="en-US" altLang="ja-JP" sz="1050" dirty="0"/>
+              <a:t>36.4 min.</a:t>
+            </a:r>
+            <a:endParaRPr kumimoji="1" lang="ja-JP" altLang="en-US" sz="1050" dirty="0"/>
+          </a:p>
+        </p:txBody>
+      </p:sp>
+      <p:sp>
+        <p:nvSpPr>
+          <p:cNvPr id="189" name="テキスト ボックス 2">
+            <a:extLst>
+              <a:ext uri="{FF2B5EF4-FFF2-40B4-BE49-F238E27FC236}">
+                <a16:creationId xmlns:a16="http://schemas.microsoft.com/office/drawing/2014/main" id="{9D75C92A-3821-4FED-B4D2-BD1E865C145F}"/>
+              </a:ext>
+            </a:extLst>
+          </p:cNvPr>
+          <p:cNvSpPr txBox="1"/>
+          <p:nvPr/>
+        </p:nvSpPr>
+        <p:spPr>
+          <a:xfrm>
+            <a:off x="7141892" y="4553339"/>
+            <a:ext cx="463769" cy="230832"/>
+          </a:xfrm>
+          <a:prstGeom prst="rect">
+            <a:avLst/>
+          </a:prstGeom>
+          <a:noFill/>
+        </p:spPr>
+        <p:txBody>
+          <a:bodyPr wrap="square" rtlCol="0">
+            <a:spAutoFit/>
+          </a:bodyPr>
+          <a:lstStyle/>
+          <a:p>
+            <a:pPr algn="ctr"/>
+            <a:r>
+              <a:rPr kumimoji="1" lang="en-US" altLang="ja-JP" sz="900" dirty="0">
+                <a:solidFill>
+                  <a:srgbClr val="FF0000"/>
+                </a:solidFill>
+              </a:rPr>
+              <a:t>&lt;1%</a:t>
+            </a:r>
+            <a:endParaRPr kumimoji="1" lang="ja-JP" altLang="en-US" sz="900" dirty="0">
+              <a:solidFill>
+                <a:srgbClr val="FF0000"/>
+              </a:solidFill>
+            </a:endParaRPr>
+          </a:p>
+        </p:txBody>
+      </p:sp>
+      <p:sp>
+        <p:nvSpPr>
+          <p:cNvPr id="190" name="テキスト ボックス 2">
+            <a:extLst>
+              <a:ext uri="{FF2B5EF4-FFF2-40B4-BE49-F238E27FC236}">
+                <a16:creationId xmlns:a16="http://schemas.microsoft.com/office/drawing/2014/main" id="{D7576D47-BE5E-4865-B38E-9E0D86673DD4}"/>
+              </a:ext>
+            </a:extLst>
+          </p:cNvPr>
+          <p:cNvSpPr txBox="1"/>
+          <p:nvPr/>
+        </p:nvSpPr>
+        <p:spPr>
+          <a:xfrm>
+            <a:off x="5003048" y="4553339"/>
+            <a:ext cx="463769" cy="230832"/>
+          </a:xfrm>
+          <a:prstGeom prst="rect">
+            <a:avLst/>
+          </a:prstGeom>
+          <a:noFill/>
+        </p:spPr>
+        <p:txBody>
+          <a:bodyPr wrap="square" rtlCol="0">
+            <a:spAutoFit/>
+          </a:bodyPr>
+          <a:lstStyle/>
+          <a:p>
+            <a:pPr algn="ctr"/>
+            <a:r>
+              <a:rPr kumimoji="1" lang="en-US" altLang="ja-JP" sz="900" dirty="0">
+                <a:solidFill>
+                  <a:srgbClr val="FF0000"/>
+                </a:solidFill>
+              </a:rPr>
+              <a:t>&lt;1%</a:t>
+            </a:r>
+            <a:endParaRPr kumimoji="1" lang="ja-JP" altLang="en-US" sz="900" dirty="0">
+              <a:solidFill>
+                <a:srgbClr val="FF0000"/>
+              </a:solidFill>
+            </a:endParaRPr>
+          </a:p>
+        </p:txBody>
+      </p:sp>
+      <p:sp>
+        <p:nvSpPr>
+          <p:cNvPr id="191" name="テキスト ボックス 2">
+            <a:extLst>
+              <a:ext uri="{FF2B5EF4-FFF2-40B4-BE49-F238E27FC236}">
+                <a16:creationId xmlns:a16="http://schemas.microsoft.com/office/drawing/2014/main" id="{41684098-3630-4F3E-BF67-5E25EC859458}"/>
+              </a:ext>
+            </a:extLst>
+          </p:cNvPr>
+          <p:cNvSpPr txBox="1"/>
+          <p:nvPr/>
+        </p:nvSpPr>
+        <p:spPr>
+          <a:xfrm>
+            <a:off x="3927237" y="4553339"/>
+            <a:ext cx="463769" cy="230832"/>
+          </a:xfrm>
+          <a:prstGeom prst="rect">
+            <a:avLst/>
+          </a:prstGeom>
+          <a:noFill/>
+        </p:spPr>
+        <p:txBody>
+          <a:bodyPr wrap="square" rtlCol="0">
+            <a:spAutoFit/>
+          </a:bodyPr>
+          <a:lstStyle/>
+          <a:p>
+            <a:pPr algn="ctr"/>
+            <a:r>
+              <a:rPr kumimoji="1" lang="en-US" altLang="ja-JP" sz="900" dirty="0">
+                <a:solidFill>
+                  <a:srgbClr val="FF0000"/>
+                </a:solidFill>
+              </a:rPr>
+              <a:t>&lt;1%</a:t>
+            </a:r>
+            <a:endParaRPr kumimoji="1" lang="ja-JP" altLang="en-US" sz="900" dirty="0">
+              <a:solidFill>
+                <a:srgbClr val="FF0000"/>
+              </a:solidFill>
+            </a:endParaRPr>
+          </a:p>
+        </p:txBody>
+      </p:sp>
+      <p:cxnSp>
+        <p:nvCxnSpPr>
+          <p:cNvPr id="192" name="直線矢印コネクタ 5">
+            <a:extLst>
+              <a:ext uri="{FF2B5EF4-FFF2-40B4-BE49-F238E27FC236}">
+                <a16:creationId xmlns:a16="http://schemas.microsoft.com/office/drawing/2014/main" id="{813BB9D6-1AD6-4BA9-A762-116FD750A09D}"/>
+              </a:ext>
+            </a:extLst>
+          </p:cNvPr>
+          <p:cNvCxnSpPr>
+            <a:cxnSpLocks/>
+            <a:stCxn id="102" idx="2"/>
+            <a:endCxn id="109" idx="0"/>
+          </p:cNvCxnSpPr>
+          <p:nvPr/>
+        </p:nvCxnSpPr>
+        <p:spPr>
+          <a:xfrm>
+            <a:off x="5527729" y="4556318"/>
+            <a:ext cx="1037282" cy="556915"/>
+          </a:xfrm>
+          <a:prstGeom prst="straightConnector1">
+            <a:avLst/>
+          </a:prstGeom>
+          <a:ln w="76200">
+            <a:tailEnd type="triangle"/>
+          </a:ln>
+        </p:spPr>
+        <p:style>
+          <a:lnRef idx="1">
+            <a:schemeClr val="accent1"/>
+          </a:lnRef>
+          <a:fillRef idx="0">
+            <a:schemeClr val="accent1"/>
+          </a:fillRef>
+          <a:effectRef idx="0">
+            <a:schemeClr val="accent1"/>
+          </a:effectRef>
+          <a:fontRef idx="minor">
+            <a:schemeClr val="tx1"/>
+          </a:fontRef>
+        </p:style>
+      </p:cxnSp>
+      <p:cxnSp>
+        <p:nvCxnSpPr>
+          <p:cNvPr id="195" name="直線矢印コネクタ 5">
+            <a:extLst>
+              <a:ext uri="{FF2B5EF4-FFF2-40B4-BE49-F238E27FC236}">
+                <a16:creationId xmlns:a16="http://schemas.microsoft.com/office/drawing/2014/main" id="{56A0EB6F-9926-4BD0-956B-B823CA87F895}"/>
+              </a:ext>
+            </a:extLst>
+          </p:cNvPr>
+          <p:cNvCxnSpPr>
+            <a:cxnSpLocks/>
+            <a:stCxn id="103" idx="2"/>
+            <a:endCxn id="110" idx="0"/>
+          </p:cNvCxnSpPr>
+          <p:nvPr/>
+        </p:nvCxnSpPr>
+        <p:spPr>
+          <a:xfrm>
+            <a:off x="4478368" y="4563231"/>
+            <a:ext cx="1049361" cy="547697"/>
+          </a:xfrm>
+          <a:prstGeom prst="straightConnector1">
+            <a:avLst/>
+          </a:prstGeom>
+          <a:ln w="76200">
+            <a:tailEnd type="triangle"/>
+          </a:ln>
+        </p:spPr>
+        <p:style>
+          <a:lnRef idx="1">
+            <a:schemeClr val="accent1"/>
+          </a:lnRef>
+          <a:fillRef idx="0">
+            <a:schemeClr val="accent1"/>
+          </a:fillRef>
+          <a:effectRef idx="0">
+            <a:schemeClr val="accent1"/>
+          </a:effectRef>
+          <a:fontRef idx="minor">
+            <a:schemeClr val="tx1"/>
+          </a:fontRef>
+        </p:style>
+      </p:cxnSp>
+      <p:sp>
+        <p:nvSpPr>
+          <p:cNvPr id="198" name="テキスト ボックス 2">
+            <a:extLst>
+              <a:ext uri="{FF2B5EF4-FFF2-40B4-BE49-F238E27FC236}">
+                <a16:creationId xmlns:a16="http://schemas.microsoft.com/office/drawing/2014/main" id="{150E8EF8-A1C2-4F49-96D1-622AD2E84CCF}"/>
+              </a:ext>
+            </a:extLst>
+          </p:cNvPr>
+          <p:cNvSpPr txBox="1"/>
+          <p:nvPr/>
+        </p:nvSpPr>
+        <p:spPr>
+          <a:xfrm>
+            <a:off x="5033624" y="5841116"/>
+            <a:ext cx="463769" cy="230832"/>
+          </a:xfrm>
+          <a:prstGeom prst="rect">
+            <a:avLst/>
+          </a:prstGeom>
+          <a:noFill/>
+        </p:spPr>
+        <p:txBody>
+          <a:bodyPr wrap="square" rtlCol="0">
+            <a:spAutoFit/>
+          </a:bodyPr>
+          <a:lstStyle/>
+          <a:p>
+            <a:pPr algn="ctr"/>
+            <a:r>
+              <a:rPr kumimoji="1" lang="en-US" altLang="ja-JP" sz="900" dirty="0">
+                <a:solidFill>
+                  <a:srgbClr val="FF0000"/>
+                </a:solidFill>
+              </a:rPr>
+              <a:t>&lt;1%</a:t>
+            </a:r>
+            <a:endParaRPr kumimoji="1" lang="ja-JP" altLang="en-US" sz="900" dirty="0">
+              <a:solidFill>
+                <a:srgbClr val="FF0000"/>
+              </a:solidFill>
+            </a:endParaRPr>
+          </a:p>
+        </p:txBody>
+      </p:sp>
+      <p:sp>
+        <p:nvSpPr>
+          <p:cNvPr id="199" name="テキスト ボックス 2">
+            <a:extLst>
+              <a:ext uri="{FF2B5EF4-FFF2-40B4-BE49-F238E27FC236}">
+                <a16:creationId xmlns:a16="http://schemas.microsoft.com/office/drawing/2014/main" id="{98597778-4353-4F0B-AE1E-ACFE0A13105F}"/>
+              </a:ext>
+            </a:extLst>
+          </p:cNvPr>
+          <p:cNvSpPr txBox="1"/>
+          <p:nvPr/>
+        </p:nvSpPr>
+        <p:spPr>
+          <a:xfrm>
+            <a:off x="4024720" y="5841116"/>
+            <a:ext cx="463769" cy="230832"/>
+          </a:xfrm>
+          <a:prstGeom prst="rect">
+            <a:avLst/>
+          </a:prstGeom>
+          <a:noFill/>
+        </p:spPr>
+        <p:txBody>
+          <a:bodyPr wrap="square" rtlCol="0">
+            <a:spAutoFit/>
+          </a:bodyPr>
+          <a:lstStyle/>
+          <a:p>
+            <a:pPr algn="ctr"/>
+            <a:r>
+              <a:rPr kumimoji="1" lang="en-US" altLang="ja-JP" sz="900" dirty="0">
+                <a:solidFill>
+                  <a:srgbClr val="FF0000"/>
+                </a:solidFill>
+              </a:rPr>
+              <a:t>&lt;1%</a:t>
+            </a:r>
+            <a:endParaRPr kumimoji="1" lang="ja-JP" altLang="en-US" sz="900" dirty="0">
+              <a:solidFill>
+                <a:srgbClr val="FF0000"/>
+              </a:solidFill>
+            </a:endParaRPr>
+          </a:p>
+        </p:txBody>
+      </p:sp>
+      <p:sp>
+        <p:nvSpPr>
+          <p:cNvPr id="200" name="テキスト ボックス 2">
+            <a:extLst>
+              <a:ext uri="{FF2B5EF4-FFF2-40B4-BE49-F238E27FC236}">
+                <a16:creationId xmlns:a16="http://schemas.microsoft.com/office/drawing/2014/main" id="{0EA326E7-C985-406D-9B50-FE140E058014}"/>
+              </a:ext>
+            </a:extLst>
+          </p:cNvPr>
+          <p:cNvSpPr txBox="1"/>
+          <p:nvPr/>
+        </p:nvSpPr>
+        <p:spPr>
+          <a:xfrm>
+            <a:off x="1937722" y="5841116"/>
+            <a:ext cx="463769" cy="230832"/>
+          </a:xfrm>
+          <a:prstGeom prst="rect">
+            <a:avLst/>
+          </a:prstGeom>
+          <a:noFill/>
+        </p:spPr>
+        <p:txBody>
+          <a:bodyPr wrap="square" rtlCol="0">
+            <a:spAutoFit/>
+          </a:bodyPr>
+          <a:lstStyle/>
+          <a:p>
+            <a:pPr algn="ctr"/>
+            <a:r>
+              <a:rPr kumimoji="1" lang="en-US" altLang="ja-JP" sz="900" dirty="0">
+                <a:solidFill>
+                  <a:srgbClr val="FF0000"/>
+                </a:solidFill>
+              </a:rPr>
+              <a:t>&lt;1%</a:t>
+            </a:r>
+            <a:endParaRPr kumimoji="1" lang="ja-JP" altLang="en-US" sz="900" dirty="0">
+              <a:solidFill>
+                <a:srgbClr val="FF0000"/>
+              </a:solidFill>
+            </a:endParaRPr>
+          </a:p>
+        </p:txBody>
+      </p:sp>
+      <p:sp>
+        <p:nvSpPr>
+          <p:cNvPr id="201" name="テキスト ボックス 2">
+            <a:extLst>
+              <a:ext uri="{FF2B5EF4-FFF2-40B4-BE49-F238E27FC236}">
+                <a16:creationId xmlns:a16="http://schemas.microsoft.com/office/drawing/2014/main" id="{FE784317-2621-4ED7-9522-CDF3CFBEB553}"/>
+              </a:ext>
+            </a:extLst>
+          </p:cNvPr>
+          <p:cNvSpPr txBox="1"/>
+          <p:nvPr/>
+        </p:nvSpPr>
+        <p:spPr>
+          <a:xfrm>
+            <a:off x="860136" y="5841116"/>
+            <a:ext cx="463769" cy="230832"/>
+          </a:xfrm>
+          <a:prstGeom prst="rect">
+            <a:avLst/>
+          </a:prstGeom>
+          <a:noFill/>
+        </p:spPr>
+        <p:txBody>
+          <a:bodyPr wrap="square" rtlCol="0">
+            <a:spAutoFit/>
+          </a:bodyPr>
+          <a:lstStyle/>
+          <a:p>
+            <a:pPr algn="ctr"/>
+            <a:r>
+              <a:rPr kumimoji="1" lang="en-US" altLang="ja-JP" sz="900" dirty="0">
+                <a:solidFill>
+                  <a:srgbClr val="FF0000"/>
+                </a:solidFill>
+              </a:rPr>
+              <a:t>&lt;1%</a:t>
+            </a:r>
+            <a:endParaRPr kumimoji="1" lang="ja-JP" altLang="en-US" sz="900" dirty="0">
+              <a:solidFill>
+                <a:srgbClr val="FF0000"/>
+              </a:solidFill>
+            </a:endParaRPr>
+          </a:p>
+        </p:txBody>
+      </p:sp>
+      <p:cxnSp>
+        <p:nvCxnSpPr>
+          <p:cNvPr id="202" name="直線矢印コネクタ 7">
+            <a:extLst>
+              <a:ext uri="{FF2B5EF4-FFF2-40B4-BE49-F238E27FC236}">
+                <a16:creationId xmlns:a16="http://schemas.microsoft.com/office/drawing/2014/main" id="{ABF7D9FB-3902-449C-A22B-DE494D6465FB}"/>
+              </a:ext>
+            </a:extLst>
+          </p:cNvPr>
+          <p:cNvCxnSpPr>
+            <a:cxnSpLocks/>
+            <a:endCxn id="203" idx="0"/>
+          </p:cNvCxnSpPr>
+          <p:nvPr/>
+        </p:nvCxnSpPr>
+        <p:spPr>
+          <a:xfrm flipH="1">
+            <a:off x="9621241" y="4564174"/>
+            <a:ext cx="2154526" cy="1570551"/>
+          </a:xfrm>
+          <a:prstGeom prst="straightConnector1">
+            <a:avLst/>
+          </a:prstGeom>
+          <a:ln w="76200">
+            <a:solidFill>
+              <a:srgbClr val="FF0000"/>
+            </a:solidFill>
+            <a:prstDash val="sysDot"/>
+            <a:tailEnd type="triangle"/>
+          </a:ln>
+        </p:spPr>
+        <p:style>
+          <a:lnRef idx="1">
+            <a:schemeClr val="accent1"/>
+          </a:lnRef>
+          <a:fillRef idx="0">
+            <a:schemeClr val="accent1"/>
+          </a:fillRef>
+          <a:effectRef idx="0">
+            <a:schemeClr val="accent1"/>
+          </a:effectRef>
+          <a:fontRef idx="minor">
+            <a:schemeClr val="tx1"/>
+          </a:fontRef>
+        </p:style>
+      </p:cxnSp>
+      <p:sp>
+        <p:nvSpPr>
+          <p:cNvPr id="203" name="テキスト ボックス 22">
+            <a:extLst>
+              <a:ext uri="{FF2B5EF4-FFF2-40B4-BE49-F238E27FC236}">
+                <a16:creationId xmlns:a16="http://schemas.microsoft.com/office/drawing/2014/main" id="{4D4C863A-4DD5-46A7-9A38-BCE72E5BC2AC}"/>
+              </a:ext>
+            </a:extLst>
+          </p:cNvPr>
+          <p:cNvSpPr txBox="1"/>
+          <p:nvPr/>
+        </p:nvSpPr>
+        <p:spPr>
+          <a:xfrm>
+            <a:off x="9208224" y="6134725"/>
+            <a:ext cx="826033" cy="723275"/>
+          </a:xfrm>
+          <a:prstGeom prst="rect">
+            <a:avLst/>
+          </a:prstGeom>
+          <a:solidFill>
+            <a:schemeClr val="bg1"/>
+          </a:solidFill>
+          <a:ln w="38100">
+            <a:solidFill>
+              <a:schemeClr val="tx1"/>
+            </a:solidFill>
+          </a:ln>
+        </p:spPr>
+        <p:txBody>
+          <a:bodyPr wrap="square" rtlCol="0" anchor="ctr">
+            <a:spAutoFit/>
+          </a:bodyPr>
+          <a:lstStyle/>
+          <a:p>
+            <a:pPr algn="ctr"/>
+            <a:endParaRPr kumimoji="1" lang="en-US" altLang="ja-JP" sz="1050" dirty="0"/>
+          </a:p>
+          <a:p>
+            <a:pPr algn="ctr"/>
+            <a:r>
+              <a:rPr kumimoji="1" lang="en-US" altLang="ja-JP" baseline="30000" dirty="0"/>
+              <a:t>207</a:t>
+            </a:r>
+            <a:r>
+              <a:rPr kumimoji="1" lang="en-US" altLang="ja-JP" sz="2000" dirty="0"/>
+              <a:t>Pb</a:t>
+            </a:r>
+          </a:p>
+          <a:p>
+            <a:pPr algn="ctr"/>
+            <a:r>
+              <a:rPr kumimoji="1" lang="ja-JP" altLang="en-US" sz="1050" dirty="0"/>
+              <a:t>∞</a:t>
+            </a:r>
+          </a:p>
+        </p:txBody>
+      </p:sp>
+    </p:spTree>
+    <p:extLst>
+      <p:ext uri="{BB962C8B-B14F-4D97-AF65-F5344CB8AC3E}">
+        <p14:creationId xmlns:p14="http://schemas.microsoft.com/office/powerpoint/2010/main" val="3178016146"/>
+      </p:ext>
+    </p:extLst>
+  </p:cSld>
+  <p:clrMapOvr>
+    <a:masterClrMapping/>
+  </p:clrMapOvr>
+</p:sld>
+</file>
+
+<file path=ppt/slides/slide5.xml><?xml version="1.0" encoding="utf-8"?>
+<p:sld xmlns:a="http://schemas.openxmlformats.org/drawingml/2006/main" xmlns:r="http://schemas.openxmlformats.org/officeDocument/2006/relationships" xmlns:p="http://schemas.openxmlformats.org/presentationml/2006/main">
+  <p:cSld>
+    <p:spTree>
+      <p:nvGrpSpPr>
+        <p:cNvPr id="1" name=""/>
+        <p:cNvGrpSpPr/>
+        <p:nvPr/>
+      </p:nvGrpSpPr>
+      <p:grpSpPr>
+        <a:xfrm>
+          <a:off x="0" y="0"/>
+          <a:ext cx="0" cy="0"/>
+          <a:chOff x="0" y="0"/>
+          <a:chExt cx="0" cy="0"/>
+        </a:xfrm>
+      </p:grpSpPr>
+      <p:cxnSp>
+        <p:nvCxnSpPr>
+          <p:cNvPr id="175" name="直線矢印コネクタ 7">
+            <a:extLst>
+              <a:ext uri="{FF2B5EF4-FFF2-40B4-BE49-F238E27FC236}">
+                <a16:creationId xmlns:a16="http://schemas.microsoft.com/office/drawing/2014/main" id="{4E3836A3-C0BA-4F75-9B49-7B14FE041686}"/>
+              </a:ext>
+            </a:extLst>
+          </p:cNvPr>
+          <p:cNvCxnSpPr>
+            <a:cxnSpLocks/>
+            <a:stCxn id="27" idx="2"/>
+            <a:endCxn id="111" idx="0"/>
+          </p:cNvCxnSpPr>
+          <p:nvPr/>
+        </p:nvCxnSpPr>
+        <p:spPr>
+          <a:xfrm flipH="1">
+            <a:off x="4478368" y="3278434"/>
+            <a:ext cx="2086643" cy="1839407"/>
+          </a:xfrm>
+          <a:prstGeom prst="straightConnector1">
+            <a:avLst/>
+          </a:prstGeom>
+          <a:ln w="76200">
+            <a:solidFill>
+              <a:srgbClr val="FF0000"/>
+            </a:solidFill>
+            <a:prstDash val="sysDot"/>
+            <a:tailEnd type="triangle"/>
+          </a:ln>
+        </p:spPr>
+        <p:style>
+          <a:lnRef idx="1">
+            <a:schemeClr val="accent1"/>
+          </a:lnRef>
+          <a:fillRef idx="0">
+            <a:schemeClr val="accent1"/>
+          </a:fillRef>
+          <a:effectRef idx="0">
+            <a:schemeClr val="accent1"/>
+          </a:effectRef>
+          <a:fontRef idx="minor">
+            <a:schemeClr val="tx1"/>
+          </a:fontRef>
+        </p:style>
+      </p:cxnSp>
+      <p:cxnSp>
+        <p:nvCxnSpPr>
+          <p:cNvPr id="170" name="直線矢印コネクタ 7">
+            <a:extLst>
+              <a:ext uri="{FF2B5EF4-FFF2-40B4-BE49-F238E27FC236}">
+                <a16:creationId xmlns:a16="http://schemas.microsoft.com/office/drawing/2014/main" id="{6FAE2F78-08A6-40E0-A210-F222E734312F}"/>
+              </a:ext>
+            </a:extLst>
+          </p:cNvPr>
+          <p:cNvCxnSpPr>
+            <a:cxnSpLocks/>
+            <a:stCxn id="20" idx="2"/>
+            <a:endCxn id="109" idx="0"/>
+          </p:cNvCxnSpPr>
+          <p:nvPr/>
+        </p:nvCxnSpPr>
+        <p:spPr>
+          <a:xfrm flipH="1">
+            <a:off x="6565011" y="3278432"/>
+            <a:ext cx="2081301" cy="1834801"/>
+          </a:xfrm>
+          <a:prstGeom prst="straightConnector1">
+            <a:avLst/>
+          </a:prstGeom>
+          <a:ln w="76200">
+            <a:solidFill>
+              <a:srgbClr val="FF0000"/>
+            </a:solidFill>
+            <a:prstDash val="sysDot"/>
+            <a:tailEnd type="triangle"/>
+          </a:ln>
+        </p:spPr>
+        <p:style>
+          <a:lnRef idx="1">
+            <a:schemeClr val="accent1"/>
+          </a:lnRef>
+          <a:fillRef idx="0">
+            <a:schemeClr val="accent1"/>
+          </a:fillRef>
+          <a:effectRef idx="0">
+            <a:schemeClr val="accent1"/>
+          </a:effectRef>
+          <a:fontRef idx="minor">
+            <a:schemeClr val="tx1"/>
+          </a:fontRef>
+        </p:style>
+      </p:cxnSp>
+      <p:cxnSp>
+        <p:nvCxnSpPr>
+          <p:cNvPr id="165" name="直線矢印コネクタ 7">
+            <a:extLst>
+              <a:ext uri="{FF2B5EF4-FFF2-40B4-BE49-F238E27FC236}">
+                <a16:creationId xmlns:a16="http://schemas.microsoft.com/office/drawing/2014/main" id="{1AE6A10B-9EF6-4785-8AD2-274B1CF65EC7}"/>
+              </a:ext>
+            </a:extLst>
+          </p:cNvPr>
+          <p:cNvCxnSpPr>
+            <a:cxnSpLocks/>
+            <a:stCxn id="70" idx="2"/>
+            <a:endCxn id="108" idx="0"/>
+          </p:cNvCxnSpPr>
+          <p:nvPr/>
+        </p:nvCxnSpPr>
+        <p:spPr>
+          <a:xfrm flipH="1">
+            <a:off x="8646312" y="3278430"/>
+            <a:ext cx="2088804" cy="1834801"/>
+          </a:xfrm>
+          <a:prstGeom prst="straightConnector1">
+            <a:avLst/>
+          </a:prstGeom>
+          <a:ln w="76200">
+            <a:solidFill>
+              <a:srgbClr val="FF0000"/>
+            </a:solidFill>
+            <a:prstDash val="sysDot"/>
+            <a:tailEnd type="triangle"/>
+          </a:ln>
+        </p:spPr>
+        <p:style>
+          <a:lnRef idx="1">
+            <a:schemeClr val="accent1"/>
+          </a:lnRef>
+          <a:fillRef idx="0">
+            <a:schemeClr val="accent1"/>
+          </a:fillRef>
+          <a:effectRef idx="0">
+            <a:schemeClr val="accent1"/>
+          </a:effectRef>
+          <a:fontRef idx="minor">
+            <a:schemeClr val="tx1"/>
+          </a:fontRef>
+        </p:style>
+      </p:cxnSp>
+      <p:cxnSp>
+        <p:nvCxnSpPr>
+          <p:cNvPr id="136" name="直線矢印コネクタ 7">
+            <a:extLst>
+              <a:ext uri="{FF2B5EF4-FFF2-40B4-BE49-F238E27FC236}">
+                <a16:creationId xmlns:a16="http://schemas.microsoft.com/office/drawing/2014/main" id="{87A34FEF-9FE9-4BE1-AF0F-D0ED3D48C0DE}"/>
+              </a:ext>
+            </a:extLst>
+          </p:cNvPr>
+          <p:cNvCxnSpPr>
+            <a:cxnSpLocks/>
+            <a:stCxn id="15" idx="2"/>
+            <a:endCxn id="103" idx="0"/>
+          </p:cNvCxnSpPr>
+          <p:nvPr/>
+        </p:nvCxnSpPr>
+        <p:spPr>
+          <a:xfrm flipH="1">
+            <a:off x="4478368" y="2021157"/>
+            <a:ext cx="2086647" cy="1818799"/>
+          </a:xfrm>
+          <a:prstGeom prst="straightConnector1">
+            <a:avLst/>
+          </a:prstGeom>
+          <a:ln w="76200">
+            <a:solidFill>
+              <a:srgbClr val="FF0000"/>
+            </a:solidFill>
+            <a:prstDash val="sysDot"/>
+            <a:tailEnd type="triangle"/>
+          </a:ln>
+        </p:spPr>
+        <p:style>
+          <a:lnRef idx="1">
+            <a:schemeClr val="accent1"/>
+          </a:lnRef>
+          <a:fillRef idx="0">
+            <a:schemeClr val="accent1"/>
+          </a:fillRef>
+          <a:effectRef idx="0">
+            <a:schemeClr val="accent1"/>
+          </a:effectRef>
+          <a:fontRef idx="minor">
+            <a:schemeClr val="tx1"/>
+          </a:fontRef>
+        </p:style>
+      </p:cxnSp>
+      <p:cxnSp>
+        <p:nvCxnSpPr>
+          <p:cNvPr id="133" name="直線矢印コネクタ 7">
+            <a:extLst>
+              <a:ext uri="{FF2B5EF4-FFF2-40B4-BE49-F238E27FC236}">
+                <a16:creationId xmlns:a16="http://schemas.microsoft.com/office/drawing/2014/main" id="{A9FE5936-7139-423B-9B96-FD9B899C508D}"/>
+              </a:ext>
+            </a:extLst>
+          </p:cNvPr>
+          <p:cNvCxnSpPr>
+            <a:cxnSpLocks/>
+            <a:stCxn id="16" idx="2"/>
+            <a:endCxn id="102" idx="0"/>
+          </p:cNvCxnSpPr>
+          <p:nvPr/>
+        </p:nvCxnSpPr>
+        <p:spPr>
+          <a:xfrm flipH="1">
+            <a:off x="5527729" y="2013463"/>
+            <a:ext cx="2074711" cy="1819580"/>
+          </a:xfrm>
+          <a:prstGeom prst="straightConnector1">
+            <a:avLst/>
+          </a:prstGeom>
+          <a:ln w="76200">
+            <a:solidFill>
+              <a:srgbClr val="FF0000"/>
+            </a:solidFill>
+            <a:prstDash val="sysDot"/>
+            <a:tailEnd type="triangle"/>
+          </a:ln>
+        </p:spPr>
+        <p:style>
+          <a:lnRef idx="1">
+            <a:schemeClr val="accent1"/>
+          </a:lnRef>
+          <a:fillRef idx="0">
+            <a:schemeClr val="accent1"/>
+          </a:fillRef>
+          <a:effectRef idx="0">
+            <a:schemeClr val="accent1"/>
+          </a:effectRef>
+          <a:fontRef idx="minor">
+            <a:schemeClr val="tx1"/>
+          </a:fontRef>
+        </p:style>
+      </p:cxnSp>
+      <p:cxnSp>
+        <p:nvCxnSpPr>
+          <p:cNvPr id="129" name="直線矢印コネクタ 7">
+            <a:extLst>
+              <a:ext uri="{FF2B5EF4-FFF2-40B4-BE49-F238E27FC236}">
+                <a16:creationId xmlns:a16="http://schemas.microsoft.com/office/drawing/2014/main" id="{6726E559-46B5-4F27-B779-CB629C899346}"/>
+              </a:ext>
+            </a:extLst>
+          </p:cNvPr>
+          <p:cNvCxnSpPr>
+            <a:cxnSpLocks/>
+            <a:stCxn id="17" idx="2"/>
+            <a:endCxn id="101" idx="0"/>
+          </p:cNvCxnSpPr>
+          <p:nvPr/>
+        </p:nvCxnSpPr>
+        <p:spPr>
+          <a:xfrm flipH="1">
+            <a:off x="6565011" y="2021156"/>
+            <a:ext cx="2081301" cy="1814192"/>
+          </a:xfrm>
+          <a:prstGeom prst="straightConnector1">
+            <a:avLst/>
+          </a:prstGeom>
+          <a:ln w="76200">
+            <a:solidFill>
+              <a:srgbClr val="FF0000"/>
+            </a:solidFill>
+            <a:prstDash val="sysDot"/>
+            <a:tailEnd type="triangle"/>
+          </a:ln>
+        </p:spPr>
+        <p:style>
+          <a:lnRef idx="1">
+            <a:schemeClr val="accent1"/>
+          </a:lnRef>
+          <a:fillRef idx="0">
+            <a:schemeClr val="accent1"/>
+          </a:fillRef>
+          <a:effectRef idx="0">
+            <a:schemeClr val="accent1"/>
+          </a:effectRef>
+          <a:fontRef idx="minor">
+            <a:schemeClr val="tx1"/>
+          </a:fontRef>
+        </p:style>
+      </p:cxnSp>
+      <p:cxnSp>
+        <p:nvCxnSpPr>
+          <p:cNvPr id="33" name="直線矢印コネクタ 7">
+            <a:extLst>
+              <a:ext uri="{FF2B5EF4-FFF2-40B4-BE49-F238E27FC236}">
+                <a16:creationId xmlns:a16="http://schemas.microsoft.com/office/drawing/2014/main" id="{0E8C3420-3006-4766-B32F-F99B3B0880EE}"/>
+              </a:ext>
+            </a:extLst>
+          </p:cNvPr>
+          <p:cNvCxnSpPr>
+            <a:cxnSpLocks/>
+            <a:stCxn id="13" idx="2"/>
+            <a:endCxn id="39" idx="0"/>
+          </p:cNvCxnSpPr>
+          <p:nvPr/>
+        </p:nvCxnSpPr>
+        <p:spPr>
+          <a:xfrm flipH="1">
+            <a:off x="4478368" y="746395"/>
+            <a:ext cx="2086647" cy="1813372"/>
+          </a:xfrm>
+          <a:prstGeom prst="straightConnector1">
+            <a:avLst/>
+          </a:prstGeom>
+          <a:ln w="76200">
+            <a:solidFill>
+              <a:srgbClr val="FF0000"/>
+            </a:solidFill>
+            <a:prstDash val="sysDot"/>
+            <a:tailEnd type="triangle"/>
+          </a:ln>
+        </p:spPr>
+        <p:style>
+          <a:lnRef idx="1">
+            <a:schemeClr val="accent1"/>
+          </a:lnRef>
+          <a:fillRef idx="0">
+            <a:schemeClr val="accent1"/>
+          </a:fillRef>
+          <a:effectRef idx="0">
+            <a:schemeClr val="accent1"/>
+          </a:effectRef>
+          <a:fontRef idx="minor">
+            <a:schemeClr val="tx1"/>
+          </a:fontRef>
+        </p:style>
+      </p:cxnSp>
+      <p:cxnSp>
+        <p:nvCxnSpPr>
+          <p:cNvPr id="124" name="直線矢印コネクタ 7">
+            <a:extLst>
+              <a:ext uri="{FF2B5EF4-FFF2-40B4-BE49-F238E27FC236}">
+                <a16:creationId xmlns:a16="http://schemas.microsoft.com/office/drawing/2014/main" id="{874753FE-2289-4219-8821-201F54A14777}"/>
+              </a:ext>
+            </a:extLst>
+          </p:cNvPr>
+          <p:cNvCxnSpPr>
+            <a:cxnSpLocks/>
+            <a:stCxn id="18" idx="2"/>
+            <a:endCxn id="99" idx="0"/>
+          </p:cNvCxnSpPr>
+          <p:nvPr/>
+        </p:nvCxnSpPr>
+        <p:spPr>
+          <a:xfrm flipH="1">
+            <a:off x="7596951" y="2021156"/>
+            <a:ext cx="2093230" cy="1824632"/>
+          </a:xfrm>
+          <a:prstGeom prst="straightConnector1">
+            <a:avLst/>
+          </a:prstGeom>
+          <a:ln w="76200">
+            <a:solidFill>
+              <a:srgbClr val="FF0000"/>
+            </a:solidFill>
+            <a:prstDash val="sysDot"/>
+            <a:tailEnd type="triangle"/>
+          </a:ln>
+        </p:spPr>
+        <p:style>
+          <a:lnRef idx="1">
+            <a:schemeClr val="accent1"/>
+          </a:lnRef>
+          <a:fillRef idx="0">
+            <a:schemeClr val="accent1"/>
+          </a:fillRef>
+          <a:effectRef idx="0">
+            <a:schemeClr val="accent1"/>
+          </a:effectRef>
+          <a:fontRef idx="minor">
+            <a:schemeClr val="tx1"/>
+          </a:fontRef>
+        </p:style>
+      </p:cxnSp>
+      <p:cxnSp>
+        <p:nvCxnSpPr>
+          <p:cNvPr id="31" name="直線矢印コネクタ 7">
+            <a:extLst>
+              <a:ext uri="{FF2B5EF4-FFF2-40B4-BE49-F238E27FC236}">
+                <a16:creationId xmlns:a16="http://schemas.microsoft.com/office/drawing/2014/main" id="{36EBAFCD-317C-47BE-8765-D3C25BF968DC}"/>
+              </a:ext>
+            </a:extLst>
+          </p:cNvPr>
+          <p:cNvCxnSpPr>
+            <a:cxnSpLocks/>
+            <a:stCxn id="8" idx="2"/>
+            <a:endCxn id="36" idx="0"/>
+          </p:cNvCxnSpPr>
+          <p:nvPr/>
+        </p:nvCxnSpPr>
+        <p:spPr>
+          <a:xfrm flipH="1">
+            <a:off x="5527729" y="730969"/>
+            <a:ext cx="2074714" cy="1821885"/>
+          </a:xfrm>
+          <a:prstGeom prst="straightConnector1">
+            <a:avLst/>
+          </a:prstGeom>
+          <a:ln w="76200">
+            <a:solidFill>
+              <a:srgbClr val="FF0000"/>
+            </a:solidFill>
+            <a:prstDash val="sysDot"/>
+            <a:tailEnd type="triangle"/>
+          </a:ln>
+        </p:spPr>
+        <p:style>
+          <a:lnRef idx="1">
+            <a:schemeClr val="accent1"/>
+          </a:lnRef>
+          <a:fillRef idx="0">
+            <a:schemeClr val="accent1"/>
+          </a:fillRef>
+          <a:effectRef idx="0">
+            <a:schemeClr val="accent1"/>
+          </a:effectRef>
+          <a:fontRef idx="minor">
+            <a:schemeClr val="tx1"/>
+          </a:fontRef>
+        </p:style>
+      </p:cxnSp>
+      <p:cxnSp>
+        <p:nvCxnSpPr>
+          <p:cNvPr id="28" name="直線矢印コネクタ 7">
+            <a:extLst>
+              <a:ext uri="{FF2B5EF4-FFF2-40B4-BE49-F238E27FC236}">
+                <a16:creationId xmlns:a16="http://schemas.microsoft.com/office/drawing/2014/main" id="{BADB9B05-3555-4B79-BAC6-C6BC0BDF471D}"/>
+              </a:ext>
+            </a:extLst>
+          </p:cNvPr>
+          <p:cNvCxnSpPr>
+            <a:cxnSpLocks/>
+            <a:stCxn id="12" idx="2"/>
+            <a:endCxn id="27" idx="0"/>
+          </p:cNvCxnSpPr>
+          <p:nvPr/>
+        </p:nvCxnSpPr>
+        <p:spPr>
+          <a:xfrm flipH="1">
+            <a:off x="6565011" y="734989"/>
+            <a:ext cx="2081301" cy="1820170"/>
+          </a:xfrm>
+          <a:prstGeom prst="straightConnector1">
+            <a:avLst/>
+          </a:prstGeom>
+          <a:ln w="76200">
+            <a:solidFill>
+              <a:srgbClr val="FF0000"/>
+            </a:solidFill>
+            <a:prstDash val="sysDot"/>
+            <a:tailEnd type="triangle"/>
+          </a:ln>
+        </p:spPr>
+        <p:style>
+          <a:lnRef idx="1">
+            <a:schemeClr val="accent1"/>
+          </a:lnRef>
+          <a:fillRef idx="0">
+            <a:schemeClr val="accent1"/>
+          </a:fillRef>
+          <a:effectRef idx="0">
+            <a:schemeClr val="accent1"/>
+          </a:effectRef>
+          <a:fontRef idx="minor">
+            <a:schemeClr val="tx1"/>
+          </a:fontRef>
+        </p:style>
+      </p:cxnSp>
+      <p:sp>
+        <p:nvSpPr>
+          <p:cNvPr id="8" name="テキスト ボックス 22">
+            <a:extLst>
+              <a:ext uri="{FF2B5EF4-FFF2-40B4-BE49-F238E27FC236}">
+                <a16:creationId xmlns:a16="http://schemas.microsoft.com/office/drawing/2014/main" id="{1C19C68E-94AC-423B-810B-98C8FF6EA9C1}"/>
+              </a:ext>
+            </a:extLst>
+          </p:cNvPr>
+          <p:cNvSpPr txBox="1"/>
+          <p:nvPr/>
+        </p:nvSpPr>
+        <p:spPr>
+          <a:xfrm>
+            <a:off x="7189426" y="0"/>
+            <a:ext cx="826033" cy="730969"/>
+          </a:xfrm>
+          <a:prstGeom prst="rect">
+            <a:avLst/>
+          </a:prstGeom>
+          <a:noFill/>
+          <a:ln w="38100">
+            <a:solidFill>
+              <a:schemeClr val="tx1"/>
+            </a:solidFill>
+          </a:ln>
+        </p:spPr>
+        <p:txBody>
+          <a:bodyPr wrap="square" rtlCol="0" anchor="ctr">
+            <a:spAutoFit/>
+          </a:bodyPr>
+          <a:lstStyle/>
+          <a:p>
+            <a:pPr algn="ctr"/>
+            <a:endParaRPr kumimoji="1" lang="en-US" altLang="ja-JP" sz="1050" dirty="0"/>
+          </a:p>
+          <a:p>
+            <a:pPr algn="ctr"/>
+            <a:r>
+              <a:rPr kumimoji="1" lang="en-US" altLang="ja-JP" baseline="30000" dirty="0"/>
+              <a:t>210</a:t>
+            </a:r>
+            <a:r>
+              <a:rPr kumimoji="1" lang="en-US" altLang="ja-JP" sz="2000" dirty="0"/>
+              <a:t>Fr</a:t>
+            </a:r>
+          </a:p>
+          <a:p>
+            <a:pPr algn="ctr"/>
+            <a:r>
+              <a:rPr kumimoji="1" lang="en-US" altLang="ja-JP" sz="1050" dirty="0"/>
+              <a:t>3.18 min.</a:t>
+            </a:r>
+            <a:endParaRPr kumimoji="1" lang="ja-JP" altLang="en-US" sz="1050" dirty="0"/>
+          </a:p>
+        </p:txBody>
+      </p:sp>
+      <p:sp>
+        <p:nvSpPr>
+          <p:cNvPr id="9" name="テキスト ボックス 2">
+            <a:extLst>
+              <a:ext uri="{FF2B5EF4-FFF2-40B4-BE49-F238E27FC236}">
+                <a16:creationId xmlns:a16="http://schemas.microsoft.com/office/drawing/2014/main" id="{C394BCBE-D653-4EB5-B2D4-2334F19C3EA4}"/>
+              </a:ext>
+            </a:extLst>
+          </p:cNvPr>
+          <p:cNvSpPr txBox="1"/>
+          <p:nvPr/>
+        </p:nvSpPr>
+        <p:spPr>
+          <a:xfrm>
+            <a:off x="8132500" y="727084"/>
+            <a:ext cx="425102" cy="230832"/>
+          </a:xfrm>
+          <a:prstGeom prst="rect">
+            <a:avLst/>
+          </a:prstGeom>
+          <a:noFill/>
+        </p:spPr>
+        <p:txBody>
+          <a:bodyPr wrap="square" rtlCol="0">
+            <a:spAutoFit/>
+          </a:bodyPr>
+          <a:lstStyle/>
+          <a:p>
+            <a:pPr algn="ctr"/>
+            <a:r>
+              <a:rPr kumimoji="1" lang="en-US" altLang="ja-JP" sz="900" dirty="0">
+                <a:solidFill>
+                  <a:srgbClr val="FF0000"/>
+                </a:solidFill>
+              </a:rPr>
+              <a:t>87%</a:t>
+            </a:r>
+            <a:endParaRPr kumimoji="1" lang="ja-JP" altLang="en-US" sz="900" dirty="0">
+              <a:solidFill>
+                <a:srgbClr val="FF0000"/>
+              </a:solidFill>
+            </a:endParaRPr>
+          </a:p>
+        </p:txBody>
+      </p:sp>
+      <p:sp>
+        <p:nvSpPr>
+          <p:cNvPr id="12" name="テキスト ボックス 22">
+            <a:extLst>
+              <a:ext uri="{FF2B5EF4-FFF2-40B4-BE49-F238E27FC236}">
+                <a16:creationId xmlns:a16="http://schemas.microsoft.com/office/drawing/2014/main" id="{ADFD5040-6041-4C87-B14A-ADA808D353CE}"/>
+              </a:ext>
+            </a:extLst>
+          </p:cNvPr>
+          <p:cNvSpPr txBox="1"/>
+          <p:nvPr/>
+        </p:nvSpPr>
+        <p:spPr>
+          <a:xfrm>
+            <a:off x="8233295" y="11714"/>
+            <a:ext cx="826033" cy="723275"/>
+          </a:xfrm>
+          <a:prstGeom prst="rect">
+            <a:avLst/>
+          </a:prstGeom>
+          <a:noFill/>
+          <a:ln w="38100">
+            <a:solidFill>
+              <a:schemeClr val="tx1"/>
+            </a:solidFill>
+          </a:ln>
+        </p:spPr>
+        <p:txBody>
+          <a:bodyPr wrap="square" rtlCol="0" anchor="ctr">
+            <a:spAutoFit/>
+          </a:bodyPr>
+          <a:lstStyle/>
+          <a:p>
+            <a:pPr algn="ctr"/>
+            <a:endParaRPr kumimoji="1" lang="en-US" altLang="ja-JP" sz="1050" dirty="0"/>
+          </a:p>
+          <a:p>
+            <a:pPr algn="ctr"/>
+            <a:r>
+              <a:rPr kumimoji="1" lang="en-US" altLang="ja-JP" baseline="30000" dirty="0"/>
+              <a:t>211</a:t>
+            </a:r>
+            <a:r>
+              <a:rPr kumimoji="1" lang="en-US" altLang="ja-JP" sz="2000" dirty="0"/>
+              <a:t>Fr</a:t>
+            </a:r>
+          </a:p>
+          <a:p>
+            <a:pPr algn="ctr"/>
+            <a:r>
+              <a:rPr kumimoji="1" lang="en-US" altLang="ja-JP" sz="1050" dirty="0"/>
+              <a:t>3.10 min.</a:t>
+            </a:r>
+            <a:endParaRPr kumimoji="1" lang="ja-JP" altLang="en-US" sz="1050" dirty="0"/>
+          </a:p>
+        </p:txBody>
+      </p:sp>
+      <p:sp>
+        <p:nvSpPr>
+          <p:cNvPr id="13" name="テキスト ボックス 22">
+            <a:extLst>
+              <a:ext uri="{FF2B5EF4-FFF2-40B4-BE49-F238E27FC236}">
+                <a16:creationId xmlns:a16="http://schemas.microsoft.com/office/drawing/2014/main" id="{BB3D3458-6B43-4261-9DED-C3807805A176}"/>
+              </a:ext>
+            </a:extLst>
+          </p:cNvPr>
+          <p:cNvSpPr txBox="1"/>
+          <p:nvPr/>
+        </p:nvSpPr>
+        <p:spPr>
+          <a:xfrm>
+            <a:off x="6151998" y="15426"/>
+            <a:ext cx="826033" cy="730969"/>
+          </a:xfrm>
+          <a:prstGeom prst="rect">
+            <a:avLst/>
+          </a:prstGeom>
+          <a:noFill/>
+          <a:ln w="38100">
+            <a:solidFill>
+              <a:schemeClr val="tx1"/>
+            </a:solidFill>
+          </a:ln>
+        </p:spPr>
+        <p:txBody>
+          <a:bodyPr wrap="square" rtlCol="0" anchor="ctr">
+            <a:spAutoFit/>
+          </a:bodyPr>
+          <a:lstStyle/>
+          <a:p>
+            <a:pPr algn="ctr"/>
+            <a:endParaRPr kumimoji="1" lang="en-US" altLang="ja-JP" sz="1050" dirty="0"/>
+          </a:p>
+          <a:p>
+            <a:pPr algn="ctr"/>
+            <a:r>
+              <a:rPr kumimoji="1" lang="en-US" altLang="ja-JP" baseline="30000" dirty="0"/>
+              <a:t>209</a:t>
+            </a:r>
+            <a:r>
+              <a:rPr kumimoji="1" lang="en-US" altLang="ja-JP" sz="2000" dirty="0"/>
+              <a:t>Fr</a:t>
+            </a:r>
+          </a:p>
+          <a:p>
+            <a:pPr algn="ctr"/>
+            <a:r>
+              <a:rPr kumimoji="1" lang="en-US" altLang="ja-JP" sz="1050" dirty="0"/>
+              <a:t>50.0 sec.</a:t>
+            </a:r>
+            <a:endParaRPr kumimoji="1" lang="ja-JP" altLang="en-US" sz="1050" dirty="0"/>
+          </a:p>
+        </p:txBody>
+      </p:sp>
+      <p:sp>
+        <p:nvSpPr>
+          <p:cNvPr id="14" name="テキスト ボックス 22">
+            <a:extLst>
+              <a:ext uri="{FF2B5EF4-FFF2-40B4-BE49-F238E27FC236}">
+                <a16:creationId xmlns:a16="http://schemas.microsoft.com/office/drawing/2014/main" id="{5C214A89-EEE9-4733-9D30-4B9DFCA1F2C6}"/>
+              </a:ext>
+            </a:extLst>
+          </p:cNvPr>
+          <p:cNvSpPr txBox="1"/>
+          <p:nvPr/>
+        </p:nvSpPr>
+        <p:spPr>
+          <a:xfrm>
+            <a:off x="5114569" y="7694"/>
+            <a:ext cx="826033" cy="730969"/>
+          </a:xfrm>
+          <a:prstGeom prst="rect">
+            <a:avLst/>
+          </a:prstGeom>
+          <a:noFill/>
+          <a:ln w="38100">
+            <a:solidFill>
+              <a:schemeClr val="tx1"/>
+            </a:solidFill>
+          </a:ln>
+        </p:spPr>
+        <p:txBody>
+          <a:bodyPr wrap="square" rtlCol="0" anchor="ctr">
+            <a:spAutoFit/>
+          </a:bodyPr>
+          <a:lstStyle/>
+          <a:p>
+            <a:pPr algn="ctr"/>
+            <a:endParaRPr kumimoji="1" lang="en-US" altLang="ja-JP" sz="1050" dirty="0"/>
+          </a:p>
+          <a:p>
+            <a:pPr algn="ctr"/>
+            <a:r>
+              <a:rPr kumimoji="1" lang="en-US" altLang="ja-JP" baseline="30000" dirty="0"/>
+              <a:t>208</a:t>
+            </a:r>
+            <a:r>
+              <a:rPr kumimoji="1" lang="en-US" altLang="ja-JP" sz="2000" dirty="0"/>
+              <a:t>Fr</a:t>
+            </a:r>
+          </a:p>
+          <a:p>
+            <a:pPr algn="ctr"/>
+            <a:r>
+              <a:rPr kumimoji="1" lang="en-US" altLang="ja-JP" sz="1050" dirty="0"/>
+              <a:t>59.1 sec.</a:t>
+            </a:r>
+            <a:endParaRPr kumimoji="1" lang="ja-JP" altLang="en-US" sz="1050" dirty="0"/>
+          </a:p>
+        </p:txBody>
+      </p:sp>
+      <p:sp>
+        <p:nvSpPr>
+          <p:cNvPr id="15" name="テキスト ボックス 22">
+            <a:extLst>
+              <a:ext uri="{FF2B5EF4-FFF2-40B4-BE49-F238E27FC236}">
+                <a16:creationId xmlns:a16="http://schemas.microsoft.com/office/drawing/2014/main" id="{12AA82D4-877A-4410-AF8B-411E7C7DE91A}"/>
+              </a:ext>
+            </a:extLst>
+          </p:cNvPr>
+          <p:cNvSpPr txBox="1"/>
+          <p:nvPr/>
+        </p:nvSpPr>
+        <p:spPr>
+          <a:xfrm>
+            <a:off x="6151998" y="1290188"/>
+            <a:ext cx="826033" cy="730969"/>
+          </a:xfrm>
+          <a:prstGeom prst="rect">
+            <a:avLst/>
+          </a:prstGeom>
+          <a:solidFill>
+            <a:schemeClr val="bg1"/>
+          </a:solidFill>
+          <a:ln w="38100">
+            <a:solidFill>
+              <a:schemeClr val="tx1"/>
+            </a:solidFill>
+          </a:ln>
+        </p:spPr>
+        <p:txBody>
+          <a:bodyPr wrap="square" rtlCol="0" anchor="ctr">
+            <a:spAutoFit/>
+          </a:bodyPr>
+          <a:lstStyle/>
+          <a:p>
+            <a:pPr algn="ctr"/>
+            <a:endParaRPr kumimoji="1" lang="en-US" altLang="ja-JP" sz="1050" dirty="0"/>
+          </a:p>
+          <a:p>
+            <a:pPr algn="ctr"/>
+            <a:r>
+              <a:rPr kumimoji="1" lang="en-US" altLang="ja-JP" baseline="30000" dirty="0"/>
+              <a:t>208</a:t>
+            </a:r>
+            <a:r>
+              <a:rPr kumimoji="1" lang="en-US" altLang="ja-JP" sz="2000" dirty="0"/>
+              <a:t>Rn</a:t>
+            </a:r>
+          </a:p>
+          <a:p>
+            <a:pPr algn="ctr"/>
+            <a:r>
+              <a:rPr kumimoji="1" lang="en-US" altLang="ja-JP" sz="1050" dirty="0"/>
+              <a:t>24.35 min.</a:t>
+            </a:r>
+            <a:endParaRPr kumimoji="1" lang="ja-JP" altLang="en-US" sz="1050" dirty="0"/>
+          </a:p>
+        </p:txBody>
+      </p:sp>
+      <p:sp>
+        <p:nvSpPr>
+          <p:cNvPr id="16" name="テキスト ボックス 22">
+            <a:extLst>
+              <a:ext uri="{FF2B5EF4-FFF2-40B4-BE49-F238E27FC236}">
+                <a16:creationId xmlns:a16="http://schemas.microsoft.com/office/drawing/2014/main" id="{604ACA2A-DB55-445D-BBC6-27E3BC4F9682}"/>
+              </a:ext>
+            </a:extLst>
+          </p:cNvPr>
+          <p:cNvSpPr txBox="1"/>
+          <p:nvPr/>
+        </p:nvSpPr>
+        <p:spPr>
+          <a:xfrm>
+            <a:off x="7189423" y="1290188"/>
+            <a:ext cx="826033" cy="723275"/>
+          </a:xfrm>
+          <a:prstGeom prst="rect">
+            <a:avLst/>
+          </a:prstGeom>
+          <a:solidFill>
+            <a:schemeClr val="bg1"/>
+          </a:solidFill>
+          <a:ln w="38100">
+            <a:solidFill>
+              <a:schemeClr val="tx1"/>
+            </a:solidFill>
+          </a:ln>
+        </p:spPr>
+        <p:txBody>
+          <a:bodyPr wrap="square" rtlCol="0" anchor="ctr">
+            <a:spAutoFit/>
+          </a:bodyPr>
+          <a:lstStyle/>
+          <a:p>
+            <a:pPr algn="ctr"/>
+            <a:endParaRPr kumimoji="1" lang="en-US" altLang="ja-JP" sz="1050" dirty="0"/>
+          </a:p>
+          <a:p>
+            <a:pPr algn="ctr"/>
+            <a:r>
+              <a:rPr kumimoji="1" lang="en-US" altLang="ja-JP" baseline="30000" dirty="0"/>
+              <a:t>209</a:t>
+            </a:r>
+            <a:r>
+              <a:rPr kumimoji="1" lang="en-US" altLang="ja-JP" sz="2000" dirty="0"/>
+              <a:t>Rn</a:t>
+            </a:r>
+          </a:p>
+          <a:p>
+            <a:pPr algn="ctr"/>
+            <a:r>
+              <a:rPr kumimoji="1" lang="en-US" altLang="ja-JP" sz="1050" dirty="0"/>
+              <a:t>28.5 min.</a:t>
+            </a:r>
+            <a:endParaRPr kumimoji="1" lang="ja-JP" altLang="en-US" sz="1050" dirty="0"/>
+          </a:p>
+        </p:txBody>
+      </p:sp>
+      <p:sp>
+        <p:nvSpPr>
+          <p:cNvPr id="17" name="テキスト ボックス 22">
+            <a:extLst>
+              <a:ext uri="{FF2B5EF4-FFF2-40B4-BE49-F238E27FC236}">
+                <a16:creationId xmlns:a16="http://schemas.microsoft.com/office/drawing/2014/main" id="{BF29E125-5ED7-4F5A-8A29-DF576AF04ADD}"/>
+              </a:ext>
+            </a:extLst>
+          </p:cNvPr>
+          <p:cNvSpPr txBox="1"/>
+          <p:nvPr/>
+        </p:nvSpPr>
+        <p:spPr>
+          <a:xfrm>
+            <a:off x="8233295" y="1297881"/>
+            <a:ext cx="826033" cy="723275"/>
+          </a:xfrm>
+          <a:prstGeom prst="rect">
+            <a:avLst/>
+          </a:prstGeom>
+          <a:noFill/>
+          <a:ln w="38100">
+            <a:solidFill>
+              <a:schemeClr val="tx1"/>
+            </a:solidFill>
+          </a:ln>
+        </p:spPr>
+        <p:txBody>
+          <a:bodyPr wrap="square" rtlCol="0" anchor="ctr">
+            <a:spAutoFit/>
+          </a:bodyPr>
+          <a:lstStyle/>
+          <a:p>
+            <a:pPr algn="ctr"/>
+            <a:endParaRPr kumimoji="1" lang="en-US" altLang="ja-JP" sz="1050" dirty="0"/>
+          </a:p>
+          <a:p>
+            <a:pPr algn="ctr"/>
+            <a:r>
+              <a:rPr kumimoji="1" lang="en-US" altLang="ja-JP" baseline="30000" dirty="0"/>
+              <a:t>210</a:t>
+            </a:r>
+            <a:r>
+              <a:rPr kumimoji="1" lang="en-US" altLang="ja-JP" sz="2000" dirty="0"/>
+              <a:t>Rn</a:t>
+            </a:r>
+          </a:p>
+          <a:p>
+            <a:pPr algn="ctr"/>
+            <a:r>
+              <a:rPr kumimoji="1" lang="en-US" altLang="ja-JP" sz="1050" dirty="0"/>
+              <a:t>2.4 hrs.</a:t>
+            </a:r>
+            <a:endParaRPr kumimoji="1" lang="ja-JP" altLang="en-US" sz="1050" dirty="0"/>
+          </a:p>
+        </p:txBody>
+      </p:sp>
+      <p:sp>
+        <p:nvSpPr>
+          <p:cNvPr id="18" name="テキスト ボックス 22">
+            <a:extLst>
+              <a:ext uri="{FF2B5EF4-FFF2-40B4-BE49-F238E27FC236}">
+                <a16:creationId xmlns:a16="http://schemas.microsoft.com/office/drawing/2014/main" id="{7DBCB225-FE5A-4FCA-8AF9-01072E268779}"/>
+              </a:ext>
+            </a:extLst>
+          </p:cNvPr>
+          <p:cNvSpPr txBox="1"/>
+          <p:nvPr/>
+        </p:nvSpPr>
+        <p:spPr>
+          <a:xfrm>
+            <a:off x="9277164" y="1297881"/>
+            <a:ext cx="826033" cy="723275"/>
+          </a:xfrm>
+          <a:prstGeom prst="rect">
+            <a:avLst/>
+          </a:prstGeom>
+          <a:noFill/>
+          <a:ln w="38100">
+            <a:solidFill>
+              <a:schemeClr val="tx1"/>
+            </a:solidFill>
+          </a:ln>
+        </p:spPr>
+        <p:txBody>
+          <a:bodyPr wrap="square" rtlCol="0" anchor="ctr">
+            <a:spAutoFit/>
+          </a:bodyPr>
+          <a:lstStyle/>
+          <a:p>
+            <a:pPr algn="ctr"/>
+            <a:endParaRPr kumimoji="1" lang="en-US" altLang="ja-JP" sz="1050" dirty="0"/>
+          </a:p>
+          <a:p>
+            <a:pPr algn="ctr"/>
+            <a:r>
+              <a:rPr kumimoji="1" lang="en-US" altLang="ja-JP" baseline="30000" dirty="0"/>
+              <a:t>211</a:t>
+            </a:r>
+            <a:r>
+              <a:rPr kumimoji="1" lang="en-US" altLang="ja-JP" sz="2000" dirty="0"/>
+              <a:t>Rn</a:t>
+            </a:r>
+          </a:p>
+          <a:p>
+            <a:pPr algn="ctr"/>
+            <a:r>
+              <a:rPr kumimoji="1" lang="en-US" altLang="ja-JP" sz="1050" dirty="0"/>
+              <a:t>14.6 hrs</a:t>
+            </a:r>
+            <a:r>
+              <a:rPr lang="en-US" altLang="ja-JP" sz="1050" dirty="0"/>
+              <a:t>.</a:t>
+            </a:r>
+            <a:endParaRPr kumimoji="1" lang="ja-JP" altLang="en-US" sz="1050" dirty="0"/>
+          </a:p>
+        </p:txBody>
+      </p:sp>
+      <p:sp>
+        <p:nvSpPr>
+          <p:cNvPr id="20" name="テキスト ボックス 22">
+            <a:extLst>
+              <a:ext uri="{FF2B5EF4-FFF2-40B4-BE49-F238E27FC236}">
+                <a16:creationId xmlns:a16="http://schemas.microsoft.com/office/drawing/2014/main" id="{AF9EF51C-8AB7-4677-9AE0-405C15B9AD76}"/>
+              </a:ext>
+            </a:extLst>
+          </p:cNvPr>
+          <p:cNvSpPr txBox="1"/>
+          <p:nvPr/>
+        </p:nvSpPr>
+        <p:spPr>
+          <a:xfrm>
+            <a:off x="8233295" y="2555157"/>
+            <a:ext cx="826033" cy="723275"/>
+          </a:xfrm>
+          <a:prstGeom prst="rect">
+            <a:avLst/>
+          </a:prstGeom>
+          <a:solidFill>
+            <a:schemeClr val="bg1"/>
+          </a:solidFill>
+          <a:ln w="38100">
+            <a:solidFill>
+              <a:schemeClr val="tx1"/>
+            </a:solidFill>
+          </a:ln>
+        </p:spPr>
+        <p:txBody>
+          <a:bodyPr wrap="square" rtlCol="0" anchor="ctr">
+            <a:spAutoFit/>
+          </a:bodyPr>
+          <a:lstStyle/>
+          <a:p>
+            <a:pPr algn="ctr"/>
+            <a:endParaRPr kumimoji="1" lang="en-US" altLang="ja-JP" sz="1050" dirty="0"/>
+          </a:p>
+          <a:p>
+            <a:pPr algn="ctr"/>
+            <a:r>
+              <a:rPr kumimoji="1" lang="en-US" altLang="ja-JP" baseline="30000" dirty="0"/>
+              <a:t>209</a:t>
+            </a:r>
+            <a:r>
+              <a:rPr kumimoji="1" lang="en-US" altLang="ja-JP" sz="2000" dirty="0"/>
+              <a:t>At</a:t>
+            </a:r>
+          </a:p>
+          <a:p>
+            <a:pPr algn="ctr"/>
+            <a:r>
+              <a:rPr kumimoji="1" lang="en-US" altLang="ja-JP" sz="1050" dirty="0"/>
+              <a:t>5.41 hrs.</a:t>
+            </a:r>
+            <a:endParaRPr kumimoji="1" lang="ja-JP" altLang="en-US" sz="1050" dirty="0"/>
+          </a:p>
+        </p:txBody>
+      </p:sp>
+      <p:cxnSp>
+        <p:nvCxnSpPr>
+          <p:cNvPr id="21" name="直線矢印コネクタ 5">
+            <a:extLst>
+              <a:ext uri="{FF2B5EF4-FFF2-40B4-BE49-F238E27FC236}">
+                <a16:creationId xmlns:a16="http://schemas.microsoft.com/office/drawing/2014/main" id="{23B395FC-AC3B-41C2-82D8-877DA7A4A2DF}"/>
+              </a:ext>
+            </a:extLst>
+          </p:cNvPr>
+          <p:cNvCxnSpPr>
+            <a:cxnSpLocks/>
+            <a:stCxn id="14" idx="2"/>
+            <a:endCxn id="15" idx="0"/>
+          </p:cNvCxnSpPr>
+          <p:nvPr/>
+        </p:nvCxnSpPr>
+        <p:spPr>
+          <a:xfrm>
+            <a:off x="5527586" y="738663"/>
+            <a:ext cx="1037429" cy="551525"/>
+          </a:xfrm>
+          <a:prstGeom prst="straightConnector1">
+            <a:avLst/>
+          </a:prstGeom>
+          <a:ln w="76200">
+            <a:tailEnd type="triangle"/>
+          </a:ln>
+        </p:spPr>
+        <p:style>
+          <a:lnRef idx="1">
+            <a:schemeClr val="accent1"/>
+          </a:lnRef>
+          <a:fillRef idx="0">
+            <a:schemeClr val="accent1"/>
+          </a:fillRef>
+          <a:effectRef idx="0">
+            <a:schemeClr val="accent1"/>
+          </a:effectRef>
+          <a:fontRef idx="minor">
+            <a:schemeClr val="tx1"/>
+          </a:fontRef>
+        </p:style>
+      </p:cxnSp>
+      <p:sp>
+        <p:nvSpPr>
+          <p:cNvPr id="27" name="テキスト ボックス 22">
+            <a:extLst>
+              <a:ext uri="{FF2B5EF4-FFF2-40B4-BE49-F238E27FC236}">
+                <a16:creationId xmlns:a16="http://schemas.microsoft.com/office/drawing/2014/main" id="{84E9D73E-660A-4547-B616-E651B7E489BA}"/>
+              </a:ext>
+            </a:extLst>
+          </p:cNvPr>
+          <p:cNvSpPr txBox="1"/>
+          <p:nvPr/>
+        </p:nvSpPr>
+        <p:spPr>
+          <a:xfrm>
+            <a:off x="6151994" y="2555159"/>
+            <a:ext cx="826033" cy="723275"/>
+          </a:xfrm>
+          <a:prstGeom prst="rect">
+            <a:avLst/>
+          </a:prstGeom>
+          <a:solidFill>
+            <a:schemeClr val="bg1"/>
+          </a:solidFill>
+          <a:ln w="38100">
+            <a:solidFill>
+              <a:schemeClr val="tx1"/>
+            </a:solidFill>
+          </a:ln>
+        </p:spPr>
+        <p:txBody>
+          <a:bodyPr wrap="square" rtlCol="0" anchor="ctr">
+            <a:spAutoFit/>
+          </a:bodyPr>
+          <a:lstStyle/>
+          <a:p>
+            <a:pPr algn="ctr"/>
+            <a:endParaRPr kumimoji="1" lang="en-US" altLang="ja-JP" sz="1050" dirty="0"/>
+          </a:p>
+          <a:p>
+            <a:pPr algn="ctr"/>
+            <a:r>
+              <a:rPr kumimoji="1" lang="en-US" altLang="ja-JP" baseline="30000" dirty="0"/>
+              <a:t>207</a:t>
+            </a:r>
+            <a:r>
+              <a:rPr kumimoji="1" lang="en-US" altLang="ja-JP" sz="2000" dirty="0"/>
+              <a:t>At</a:t>
+            </a:r>
+          </a:p>
+          <a:p>
+            <a:pPr algn="ctr"/>
+            <a:r>
+              <a:rPr kumimoji="1" lang="en-US" altLang="ja-JP" sz="1050" dirty="0"/>
+              <a:t>1.80 hrs.</a:t>
+            </a:r>
+            <a:endParaRPr kumimoji="1" lang="ja-JP" altLang="en-US" sz="1050" dirty="0"/>
+          </a:p>
+        </p:txBody>
+      </p:sp>
+      <p:sp>
+        <p:nvSpPr>
+          <p:cNvPr id="32" name="テキスト ボックス 2">
+            <a:extLst>
+              <a:ext uri="{FF2B5EF4-FFF2-40B4-BE49-F238E27FC236}">
+                <a16:creationId xmlns:a16="http://schemas.microsoft.com/office/drawing/2014/main" id="{9F6B9ABA-DB73-441C-8060-61A9B62738E9}"/>
+              </a:ext>
+            </a:extLst>
+          </p:cNvPr>
+          <p:cNvSpPr txBox="1"/>
+          <p:nvPr/>
+        </p:nvSpPr>
+        <p:spPr>
+          <a:xfrm>
+            <a:off x="7076930" y="738663"/>
+            <a:ext cx="425102" cy="230832"/>
+          </a:xfrm>
+          <a:prstGeom prst="rect">
+            <a:avLst/>
+          </a:prstGeom>
+          <a:noFill/>
+        </p:spPr>
+        <p:txBody>
+          <a:bodyPr wrap="square" rtlCol="0">
+            <a:spAutoFit/>
+          </a:bodyPr>
+          <a:lstStyle/>
+          <a:p>
+            <a:pPr algn="ctr"/>
+            <a:r>
+              <a:rPr kumimoji="1" lang="en-US" altLang="ja-JP" sz="900" dirty="0">
+                <a:solidFill>
+                  <a:srgbClr val="FF0000"/>
+                </a:solidFill>
+              </a:rPr>
+              <a:t>71%</a:t>
+            </a:r>
+            <a:endParaRPr kumimoji="1" lang="ja-JP" altLang="en-US" sz="900" dirty="0">
+              <a:solidFill>
+                <a:srgbClr val="FF0000"/>
+              </a:solidFill>
+            </a:endParaRPr>
+          </a:p>
+        </p:txBody>
+      </p:sp>
+      <p:sp>
+        <p:nvSpPr>
+          <p:cNvPr id="34" name="テキスト ボックス 2">
+            <a:extLst>
+              <a:ext uri="{FF2B5EF4-FFF2-40B4-BE49-F238E27FC236}">
+                <a16:creationId xmlns:a16="http://schemas.microsoft.com/office/drawing/2014/main" id="{E84190B9-A42C-4D17-9B9A-44F791B49E74}"/>
+              </a:ext>
+            </a:extLst>
+          </p:cNvPr>
+          <p:cNvSpPr txBox="1"/>
+          <p:nvPr/>
+        </p:nvSpPr>
+        <p:spPr>
+          <a:xfrm>
+            <a:off x="5982005" y="739885"/>
+            <a:ext cx="425102" cy="230832"/>
+          </a:xfrm>
+          <a:prstGeom prst="rect">
+            <a:avLst/>
+          </a:prstGeom>
+          <a:noFill/>
+        </p:spPr>
+        <p:txBody>
+          <a:bodyPr wrap="square" rtlCol="0">
+            <a:spAutoFit/>
+          </a:bodyPr>
+          <a:lstStyle/>
+          <a:p>
+            <a:pPr algn="ctr"/>
+            <a:r>
+              <a:rPr kumimoji="1" lang="en-US" altLang="ja-JP" sz="900" dirty="0">
+                <a:solidFill>
+                  <a:srgbClr val="FF0000"/>
+                </a:solidFill>
+              </a:rPr>
+              <a:t>89%</a:t>
+            </a:r>
+            <a:endParaRPr kumimoji="1" lang="ja-JP" altLang="en-US" sz="900" dirty="0">
+              <a:solidFill>
+                <a:srgbClr val="FF0000"/>
+              </a:solidFill>
+            </a:endParaRPr>
+          </a:p>
+        </p:txBody>
+      </p:sp>
+      <p:sp>
+        <p:nvSpPr>
+          <p:cNvPr id="36" name="テキスト ボックス 22">
+            <a:extLst>
+              <a:ext uri="{FF2B5EF4-FFF2-40B4-BE49-F238E27FC236}">
+                <a16:creationId xmlns:a16="http://schemas.microsoft.com/office/drawing/2014/main" id="{184A9292-8938-441B-8ADF-557E9F31E588}"/>
+              </a:ext>
+            </a:extLst>
+          </p:cNvPr>
+          <p:cNvSpPr txBox="1"/>
+          <p:nvPr/>
+        </p:nvSpPr>
+        <p:spPr>
+          <a:xfrm>
+            <a:off x="5114712" y="2552854"/>
+            <a:ext cx="826033" cy="723275"/>
+          </a:xfrm>
+          <a:prstGeom prst="rect">
+            <a:avLst/>
+          </a:prstGeom>
+          <a:solidFill>
+            <a:schemeClr val="bg1"/>
+          </a:solidFill>
+          <a:ln w="38100">
+            <a:solidFill>
+              <a:schemeClr val="tx1"/>
+            </a:solidFill>
+          </a:ln>
+        </p:spPr>
+        <p:txBody>
+          <a:bodyPr wrap="square" rtlCol="0" anchor="ctr">
+            <a:spAutoFit/>
+          </a:bodyPr>
+          <a:lstStyle/>
+          <a:p>
+            <a:pPr algn="ctr"/>
+            <a:endParaRPr kumimoji="1" lang="en-US" altLang="ja-JP" sz="1050" dirty="0"/>
+          </a:p>
+          <a:p>
+            <a:pPr algn="ctr"/>
+            <a:r>
+              <a:rPr kumimoji="1" lang="en-US" altLang="ja-JP" baseline="30000" dirty="0"/>
+              <a:t>206</a:t>
+            </a:r>
+            <a:r>
+              <a:rPr kumimoji="1" lang="en-US" altLang="ja-JP" sz="2000" dirty="0"/>
+              <a:t>At</a:t>
+            </a:r>
+          </a:p>
+          <a:p>
+            <a:pPr algn="ctr"/>
+            <a:r>
+              <a:rPr kumimoji="1" lang="en-US" altLang="ja-JP" sz="1050" dirty="0"/>
+              <a:t>30.6 min.</a:t>
+            </a:r>
+            <a:endParaRPr kumimoji="1" lang="ja-JP" altLang="en-US" sz="1050" dirty="0"/>
+          </a:p>
+        </p:txBody>
+      </p:sp>
+      <p:sp>
+        <p:nvSpPr>
+          <p:cNvPr id="39" name="テキスト ボックス 22">
+            <a:extLst>
+              <a:ext uri="{FF2B5EF4-FFF2-40B4-BE49-F238E27FC236}">
+                <a16:creationId xmlns:a16="http://schemas.microsoft.com/office/drawing/2014/main" id="{65FEFCEE-25DE-4ED9-9EC1-673C5683EA6C}"/>
+              </a:ext>
+            </a:extLst>
+          </p:cNvPr>
+          <p:cNvSpPr txBox="1"/>
+          <p:nvPr/>
+        </p:nvSpPr>
+        <p:spPr>
+          <a:xfrm>
+            <a:off x="4065351" y="2559767"/>
+            <a:ext cx="826033" cy="723275"/>
+          </a:xfrm>
+          <a:prstGeom prst="rect">
+            <a:avLst/>
+          </a:prstGeom>
+          <a:noFill/>
+          <a:ln w="38100">
+            <a:solidFill>
+              <a:schemeClr val="tx1"/>
+            </a:solidFill>
+          </a:ln>
+        </p:spPr>
+        <p:txBody>
+          <a:bodyPr wrap="square" rtlCol="0" anchor="ctr">
+            <a:spAutoFit/>
+          </a:bodyPr>
+          <a:lstStyle/>
+          <a:p>
+            <a:pPr algn="ctr"/>
+            <a:endParaRPr kumimoji="1" lang="en-US" altLang="ja-JP" sz="1050" dirty="0"/>
+          </a:p>
+          <a:p>
+            <a:pPr algn="ctr"/>
+            <a:r>
+              <a:rPr kumimoji="1" lang="en-US" altLang="ja-JP" baseline="30000" dirty="0"/>
+              <a:t>205</a:t>
+            </a:r>
+            <a:r>
+              <a:rPr kumimoji="1" lang="en-US" altLang="ja-JP" sz="2000" dirty="0"/>
+              <a:t>At</a:t>
+            </a:r>
+          </a:p>
+          <a:p>
+            <a:pPr algn="ctr"/>
+            <a:r>
+              <a:rPr kumimoji="1" lang="en-US" altLang="ja-JP" sz="1050" dirty="0"/>
+              <a:t>26.2 min.</a:t>
+            </a:r>
+            <a:endParaRPr kumimoji="1" lang="ja-JP" altLang="en-US" sz="1050" dirty="0"/>
+          </a:p>
+        </p:txBody>
+      </p:sp>
+      <p:sp>
+        <p:nvSpPr>
+          <p:cNvPr id="42" name="テキスト ボックス 22">
+            <a:extLst>
+              <a:ext uri="{FF2B5EF4-FFF2-40B4-BE49-F238E27FC236}">
+                <a16:creationId xmlns:a16="http://schemas.microsoft.com/office/drawing/2014/main" id="{B23CDBC9-203B-426D-818A-8AAEC27F519A}"/>
+              </a:ext>
+            </a:extLst>
+          </p:cNvPr>
+          <p:cNvSpPr txBox="1"/>
+          <p:nvPr/>
+        </p:nvSpPr>
+        <p:spPr>
+          <a:xfrm>
+            <a:off x="3020415" y="2552853"/>
+            <a:ext cx="826033" cy="723275"/>
+          </a:xfrm>
+          <a:prstGeom prst="rect">
+            <a:avLst/>
+          </a:prstGeom>
+          <a:noFill/>
+          <a:ln w="38100">
+            <a:solidFill>
+              <a:schemeClr val="tx1"/>
+            </a:solidFill>
+          </a:ln>
+        </p:spPr>
+        <p:txBody>
+          <a:bodyPr wrap="square" rtlCol="0" anchor="ctr">
+            <a:spAutoFit/>
+          </a:bodyPr>
+          <a:lstStyle/>
+          <a:p>
+            <a:pPr algn="ctr"/>
+            <a:endParaRPr kumimoji="1" lang="en-US" altLang="ja-JP" sz="1050" dirty="0"/>
+          </a:p>
+          <a:p>
+            <a:pPr algn="ctr"/>
+            <a:r>
+              <a:rPr kumimoji="1" lang="en-US" altLang="ja-JP" baseline="30000" dirty="0"/>
+              <a:t>204</a:t>
+            </a:r>
+            <a:r>
+              <a:rPr kumimoji="1" lang="en-US" altLang="ja-JP" sz="2000" dirty="0"/>
+              <a:t>At</a:t>
+            </a:r>
+          </a:p>
+          <a:p>
+            <a:pPr algn="ctr"/>
+            <a:r>
+              <a:rPr kumimoji="1" lang="en-US" altLang="ja-JP" sz="1050" dirty="0"/>
+              <a:t>9.2 min.</a:t>
+            </a:r>
+            <a:endParaRPr kumimoji="1" lang="ja-JP" altLang="en-US" sz="1050" dirty="0"/>
+          </a:p>
+        </p:txBody>
+      </p:sp>
+      <p:cxnSp>
+        <p:nvCxnSpPr>
+          <p:cNvPr id="43" name="直線矢印コネクタ 7">
+            <a:extLst>
+              <a:ext uri="{FF2B5EF4-FFF2-40B4-BE49-F238E27FC236}">
+                <a16:creationId xmlns:a16="http://schemas.microsoft.com/office/drawing/2014/main" id="{6C585880-F268-4365-BA1F-59DF7E95762C}"/>
+              </a:ext>
+            </a:extLst>
+          </p:cNvPr>
+          <p:cNvCxnSpPr>
+            <a:cxnSpLocks/>
+            <a:stCxn id="14" idx="2"/>
+            <a:endCxn id="42" idx="0"/>
+          </p:cNvCxnSpPr>
+          <p:nvPr/>
+        </p:nvCxnSpPr>
+        <p:spPr>
+          <a:xfrm flipH="1">
+            <a:off x="3433432" y="738663"/>
+            <a:ext cx="2094154" cy="1814190"/>
+          </a:xfrm>
+          <a:prstGeom prst="straightConnector1">
+            <a:avLst/>
+          </a:prstGeom>
+          <a:ln w="76200">
+            <a:solidFill>
+              <a:srgbClr val="FF0000"/>
+            </a:solidFill>
+            <a:prstDash val="sysDot"/>
+            <a:tailEnd type="triangle"/>
+          </a:ln>
+        </p:spPr>
+        <p:style>
+          <a:lnRef idx="1">
+            <a:schemeClr val="accent1"/>
+          </a:lnRef>
+          <a:fillRef idx="0">
+            <a:schemeClr val="accent1"/>
+          </a:fillRef>
+          <a:effectRef idx="0">
+            <a:schemeClr val="accent1"/>
+          </a:effectRef>
+          <a:fontRef idx="minor">
+            <a:schemeClr val="tx1"/>
+          </a:fontRef>
+        </p:style>
+      </p:cxnSp>
+      <p:sp>
+        <p:nvSpPr>
+          <p:cNvPr id="46" name="テキスト ボックス 2">
+            <a:extLst>
+              <a:ext uri="{FF2B5EF4-FFF2-40B4-BE49-F238E27FC236}">
+                <a16:creationId xmlns:a16="http://schemas.microsoft.com/office/drawing/2014/main" id="{F2BF3E28-D0A7-4393-93DE-BB31C6D4F35C}"/>
+              </a:ext>
+            </a:extLst>
+          </p:cNvPr>
+          <p:cNvSpPr txBox="1"/>
+          <p:nvPr/>
+        </p:nvSpPr>
+        <p:spPr>
+          <a:xfrm>
+            <a:off x="4891088" y="734054"/>
+            <a:ext cx="425102" cy="230832"/>
+          </a:xfrm>
+          <a:prstGeom prst="rect">
+            <a:avLst/>
+          </a:prstGeom>
+          <a:noFill/>
+        </p:spPr>
+        <p:txBody>
+          <a:bodyPr wrap="square" rtlCol="0">
+            <a:spAutoFit/>
+          </a:bodyPr>
+          <a:lstStyle/>
+          <a:p>
+            <a:pPr algn="ctr"/>
+            <a:r>
+              <a:rPr kumimoji="1" lang="en-US" altLang="ja-JP" sz="900" dirty="0">
+                <a:solidFill>
+                  <a:srgbClr val="FF0000"/>
+                </a:solidFill>
+              </a:rPr>
+              <a:t>90%</a:t>
+            </a:r>
+            <a:endParaRPr kumimoji="1" lang="ja-JP" altLang="en-US" sz="900" dirty="0">
+              <a:solidFill>
+                <a:srgbClr val="FF0000"/>
+              </a:solidFill>
+            </a:endParaRPr>
+          </a:p>
+        </p:txBody>
+      </p:sp>
+      <p:cxnSp>
+        <p:nvCxnSpPr>
+          <p:cNvPr id="54" name="直線矢印コネクタ 5">
+            <a:extLst>
+              <a:ext uri="{FF2B5EF4-FFF2-40B4-BE49-F238E27FC236}">
+                <a16:creationId xmlns:a16="http://schemas.microsoft.com/office/drawing/2014/main" id="{3D3DD6AE-93AB-46A8-970D-306ECC4A3FE4}"/>
+              </a:ext>
+            </a:extLst>
+          </p:cNvPr>
+          <p:cNvCxnSpPr>
+            <a:cxnSpLocks/>
+            <a:stCxn id="13" idx="2"/>
+            <a:endCxn id="16" idx="0"/>
+          </p:cNvCxnSpPr>
+          <p:nvPr/>
+        </p:nvCxnSpPr>
+        <p:spPr>
+          <a:xfrm>
+            <a:off x="6565015" y="746395"/>
+            <a:ext cx="1037425" cy="543793"/>
+          </a:xfrm>
+          <a:prstGeom prst="straightConnector1">
+            <a:avLst/>
+          </a:prstGeom>
+          <a:ln w="76200">
+            <a:tailEnd type="triangle"/>
+          </a:ln>
+        </p:spPr>
+        <p:style>
+          <a:lnRef idx="1">
+            <a:schemeClr val="accent1"/>
+          </a:lnRef>
+          <a:fillRef idx="0">
+            <a:schemeClr val="accent1"/>
+          </a:fillRef>
+          <a:effectRef idx="0">
+            <a:schemeClr val="accent1"/>
+          </a:effectRef>
+          <a:fontRef idx="minor">
+            <a:schemeClr val="tx1"/>
+          </a:fontRef>
+        </p:style>
+      </p:cxnSp>
+      <p:cxnSp>
+        <p:nvCxnSpPr>
+          <p:cNvPr id="57" name="直線矢印コネクタ 5">
+            <a:extLst>
+              <a:ext uri="{FF2B5EF4-FFF2-40B4-BE49-F238E27FC236}">
+                <a16:creationId xmlns:a16="http://schemas.microsoft.com/office/drawing/2014/main" id="{03B78085-76EA-4220-A5D7-9855330F5C91}"/>
+              </a:ext>
+            </a:extLst>
+          </p:cNvPr>
+          <p:cNvCxnSpPr>
+            <a:cxnSpLocks/>
+            <a:stCxn id="8" idx="2"/>
+            <a:endCxn id="17" idx="0"/>
+          </p:cNvCxnSpPr>
+          <p:nvPr/>
+        </p:nvCxnSpPr>
+        <p:spPr>
+          <a:xfrm>
+            <a:off x="7602443" y="730969"/>
+            <a:ext cx="1043869" cy="566912"/>
+          </a:xfrm>
+          <a:prstGeom prst="straightConnector1">
+            <a:avLst/>
+          </a:prstGeom>
+          <a:ln w="76200">
+            <a:tailEnd type="triangle"/>
+          </a:ln>
+        </p:spPr>
+        <p:style>
+          <a:lnRef idx="1">
+            <a:schemeClr val="accent1"/>
+          </a:lnRef>
+          <a:fillRef idx="0">
+            <a:schemeClr val="accent1"/>
+          </a:fillRef>
+          <a:effectRef idx="0">
+            <a:schemeClr val="accent1"/>
+          </a:effectRef>
+          <a:fontRef idx="minor">
+            <a:schemeClr val="tx1"/>
+          </a:fontRef>
+        </p:style>
+      </p:cxnSp>
+      <p:cxnSp>
+        <p:nvCxnSpPr>
+          <p:cNvPr id="60" name="直線矢印コネクタ 5">
+            <a:extLst>
+              <a:ext uri="{FF2B5EF4-FFF2-40B4-BE49-F238E27FC236}">
+                <a16:creationId xmlns:a16="http://schemas.microsoft.com/office/drawing/2014/main" id="{5CDA14B5-8BDC-4961-8D9D-AB525FE26DDB}"/>
+              </a:ext>
+            </a:extLst>
+          </p:cNvPr>
+          <p:cNvCxnSpPr>
+            <a:cxnSpLocks/>
+            <a:stCxn id="12" idx="2"/>
+            <a:endCxn id="18" idx="0"/>
+          </p:cNvCxnSpPr>
+          <p:nvPr/>
+        </p:nvCxnSpPr>
+        <p:spPr>
+          <a:xfrm>
+            <a:off x="8646312" y="734989"/>
+            <a:ext cx="1043869" cy="562892"/>
+          </a:xfrm>
+          <a:prstGeom prst="straightConnector1">
+            <a:avLst/>
+          </a:prstGeom>
+          <a:ln w="76200">
+            <a:tailEnd type="triangle"/>
+          </a:ln>
+        </p:spPr>
+        <p:style>
+          <a:lnRef idx="1">
+            <a:schemeClr val="accent1"/>
+          </a:lnRef>
+          <a:fillRef idx="0">
+            <a:schemeClr val="accent1"/>
+          </a:fillRef>
+          <a:effectRef idx="0">
+            <a:schemeClr val="accent1"/>
+          </a:effectRef>
+          <a:fontRef idx="minor">
+            <a:schemeClr val="tx1"/>
+          </a:fontRef>
+        </p:style>
+      </p:cxnSp>
+      <p:cxnSp>
+        <p:nvCxnSpPr>
+          <p:cNvPr id="63" name="直線矢印コネクタ 5">
+            <a:extLst>
+              <a:ext uri="{FF2B5EF4-FFF2-40B4-BE49-F238E27FC236}">
+                <a16:creationId xmlns:a16="http://schemas.microsoft.com/office/drawing/2014/main" id="{C54FF85E-828A-4171-A905-A34304A72187}"/>
+              </a:ext>
+            </a:extLst>
+          </p:cNvPr>
+          <p:cNvCxnSpPr>
+            <a:cxnSpLocks/>
+            <a:stCxn id="16" idx="2"/>
+            <a:endCxn id="20" idx="0"/>
+          </p:cNvCxnSpPr>
+          <p:nvPr/>
+        </p:nvCxnSpPr>
+        <p:spPr>
+          <a:xfrm>
+            <a:off x="7602440" y="2013463"/>
+            <a:ext cx="1043872" cy="541694"/>
+          </a:xfrm>
+          <a:prstGeom prst="straightConnector1">
+            <a:avLst/>
+          </a:prstGeom>
+          <a:ln w="76200">
+            <a:tailEnd type="triangle"/>
+          </a:ln>
+        </p:spPr>
+        <p:style>
+          <a:lnRef idx="1">
+            <a:schemeClr val="accent1"/>
+          </a:lnRef>
+          <a:fillRef idx="0">
+            <a:schemeClr val="accent1"/>
+          </a:fillRef>
+          <a:effectRef idx="0">
+            <a:schemeClr val="accent1"/>
+          </a:effectRef>
+          <a:fontRef idx="minor">
+            <a:schemeClr val="tx1"/>
+          </a:fontRef>
+        </p:style>
+      </p:cxnSp>
+      <p:sp>
+        <p:nvSpPr>
+          <p:cNvPr id="70" name="テキスト ボックス 22">
+            <a:extLst>
+              <a:ext uri="{FF2B5EF4-FFF2-40B4-BE49-F238E27FC236}">
+                <a16:creationId xmlns:a16="http://schemas.microsoft.com/office/drawing/2014/main" id="{C22E30B1-CCD1-49CA-9263-1FB2B1164A1E}"/>
+              </a:ext>
+            </a:extLst>
+          </p:cNvPr>
+          <p:cNvSpPr txBox="1"/>
+          <p:nvPr/>
+        </p:nvSpPr>
+        <p:spPr>
+          <a:xfrm>
+            <a:off x="10322099" y="2555155"/>
+            <a:ext cx="826033" cy="723275"/>
+          </a:xfrm>
+          <a:prstGeom prst="rect">
+            <a:avLst/>
+          </a:prstGeom>
+          <a:noFill/>
+          <a:ln w="38100">
+            <a:solidFill>
+              <a:schemeClr val="tx1"/>
+            </a:solidFill>
+          </a:ln>
+        </p:spPr>
+        <p:txBody>
+          <a:bodyPr wrap="square" rtlCol="0" anchor="ctr">
+            <a:spAutoFit/>
+          </a:bodyPr>
+          <a:lstStyle/>
+          <a:p>
+            <a:pPr algn="ctr"/>
+            <a:endParaRPr kumimoji="1" lang="en-US" altLang="ja-JP" sz="1050" dirty="0"/>
+          </a:p>
+          <a:p>
+            <a:pPr algn="ctr"/>
+            <a:r>
+              <a:rPr kumimoji="1" lang="en-US" altLang="ja-JP" baseline="30000" dirty="0"/>
+              <a:t>211</a:t>
+            </a:r>
+            <a:r>
+              <a:rPr kumimoji="1" lang="en-US" altLang="ja-JP" sz="2000" dirty="0"/>
+              <a:t>At</a:t>
+            </a:r>
+          </a:p>
+          <a:p>
+            <a:pPr algn="ctr"/>
+            <a:r>
+              <a:rPr kumimoji="1" lang="en-US" altLang="ja-JP" sz="1050" dirty="0"/>
+              <a:t>7.214 hrs.</a:t>
+            </a:r>
+            <a:endParaRPr kumimoji="1" lang="ja-JP" altLang="en-US" sz="1050" dirty="0"/>
+          </a:p>
+        </p:txBody>
+      </p:sp>
+      <p:cxnSp>
+        <p:nvCxnSpPr>
+          <p:cNvPr id="71" name="直線矢印コネクタ 5">
+            <a:extLst>
+              <a:ext uri="{FF2B5EF4-FFF2-40B4-BE49-F238E27FC236}">
+                <a16:creationId xmlns:a16="http://schemas.microsoft.com/office/drawing/2014/main" id="{E3CBAB6D-A438-4783-989E-488778BFB76C}"/>
+              </a:ext>
+            </a:extLst>
+          </p:cNvPr>
+          <p:cNvCxnSpPr>
+            <a:cxnSpLocks/>
+            <a:stCxn id="18" idx="2"/>
+            <a:endCxn id="70" idx="0"/>
+          </p:cNvCxnSpPr>
+          <p:nvPr/>
+        </p:nvCxnSpPr>
+        <p:spPr>
+          <a:xfrm>
+            <a:off x="9690181" y="2021156"/>
+            <a:ext cx="1044935" cy="533999"/>
+          </a:xfrm>
+          <a:prstGeom prst="straightConnector1">
+            <a:avLst/>
+          </a:prstGeom>
+          <a:ln w="76200">
+            <a:tailEnd type="triangle"/>
+          </a:ln>
+        </p:spPr>
+        <p:style>
+          <a:lnRef idx="1">
+            <a:schemeClr val="accent1"/>
+          </a:lnRef>
+          <a:fillRef idx="0">
+            <a:schemeClr val="accent1"/>
+          </a:fillRef>
+          <a:effectRef idx="0">
+            <a:schemeClr val="accent1"/>
+          </a:effectRef>
+          <a:fontRef idx="minor">
+            <a:schemeClr val="tx1"/>
+          </a:fontRef>
+        </p:style>
+      </p:cxnSp>
+      <p:sp>
+        <p:nvSpPr>
+          <p:cNvPr id="99" name="テキスト ボックス 22">
+            <a:extLst>
+              <a:ext uri="{FF2B5EF4-FFF2-40B4-BE49-F238E27FC236}">
+                <a16:creationId xmlns:a16="http://schemas.microsoft.com/office/drawing/2014/main" id="{0A1EA786-3FDB-4A8E-8E26-482C1B1E41D7}"/>
+              </a:ext>
+            </a:extLst>
+          </p:cNvPr>
+          <p:cNvSpPr txBox="1"/>
+          <p:nvPr/>
+        </p:nvSpPr>
+        <p:spPr>
+          <a:xfrm>
+            <a:off x="7183934" y="3845788"/>
+            <a:ext cx="826033" cy="723275"/>
+          </a:xfrm>
+          <a:prstGeom prst="rect">
+            <a:avLst/>
+          </a:prstGeom>
+          <a:solidFill>
+            <a:schemeClr val="bg1"/>
+          </a:solidFill>
+          <a:ln w="38100">
+            <a:solidFill>
+              <a:schemeClr val="tx1"/>
+            </a:solidFill>
+          </a:ln>
+        </p:spPr>
+        <p:txBody>
+          <a:bodyPr wrap="square" rtlCol="0" anchor="ctr">
+            <a:spAutoFit/>
+          </a:bodyPr>
+          <a:lstStyle/>
+          <a:p>
+            <a:pPr algn="ctr"/>
+            <a:endParaRPr kumimoji="1" lang="en-US" altLang="ja-JP" sz="1050" dirty="0"/>
+          </a:p>
+          <a:p>
+            <a:pPr algn="ctr"/>
+            <a:r>
+              <a:rPr kumimoji="1" lang="en-US" altLang="ja-JP" baseline="30000" dirty="0"/>
+              <a:t>207</a:t>
+            </a:r>
+            <a:r>
+              <a:rPr kumimoji="1" lang="en-US" altLang="ja-JP" sz="2000" dirty="0"/>
+              <a:t>Po</a:t>
+            </a:r>
+          </a:p>
+          <a:p>
+            <a:pPr algn="ctr"/>
+            <a:r>
+              <a:rPr kumimoji="1" lang="en-US" altLang="ja-JP" sz="1050" dirty="0"/>
+              <a:t>5.80 hrs.</a:t>
+            </a:r>
+            <a:endParaRPr kumimoji="1" lang="ja-JP" altLang="en-US" sz="1050" dirty="0"/>
+          </a:p>
+        </p:txBody>
+      </p:sp>
+      <p:sp>
+        <p:nvSpPr>
+          <p:cNvPr id="101" name="テキスト ボックス 22">
+            <a:extLst>
+              <a:ext uri="{FF2B5EF4-FFF2-40B4-BE49-F238E27FC236}">
+                <a16:creationId xmlns:a16="http://schemas.microsoft.com/office/drawing/2014/main" id="{18D98B9C-4F43-499F-A652-1849B0955F9F}"/>
+              </a:ext>
+            </a:extLst>
+          </p:cNvPr>
+          <p:cNvSpPr txBox="1"/>
+          <p:nvPr/>
+        </p:nvSpPr>
+        <p:spPr>
+          <a:xfrm>
+            <a:off x="6151994" y="3835348"/>
+            <a:ext cx="826033" cy="723275"/>
+          </a:xfrm>
+          <a:prstGeom prst="rect">
+            <a:avLst/>
+          </a:prstGeom>
+          <a:noFill/>
+          <a:ln w="38100">
+            <a:solidFill>
+              <a:schemeClr val="tx1"/>
+            </a:solidFill>
+          </a:ln>
+        </p:spPr>
+        <p:txBody>
+          <a:bodyPr wrap="square" rtlCol="0" anchor="ctr">
+            <a:spAutoFit/>
+          </a:bodyPr>
+          <a:lstStyle/>
+          <a:p>
+            <a:pPr algn="ctr"/>
+            <a:endParaRPr kumimoji="1" lang="en-US" altLang="ja-JP" sz="1050" dirty="0"/>
+          </a:p>
+          <a:p>
+            <a:pPr algn="ctr"/>
+            <a:r>
+              <a:rPr kumimoji="1" lang="en-US" altLang="ja-JP" baseline="30000" dirty="0"/>
+              <a:t>206</a:t>
+            </a:r>
+            <a:r>
+              <a:rPr kumimoji="1" lang="en-US" altLang="ja-JP" sz="2000" dirty="0"/>
+              <a:t>Po</a:t>
+            </a:r>
+          </a:p>
+          <a:p>
+            <a:pPr algn="ctr"/>
+            <a:r>
+              <a:rPr kumimoji="1" lang="en-US" altLang="ja-JP" sz="1050" dirty="0"/>
+              <a:t>9 days</a:t>
+            </a:r>
+            <a:endParaRPr kumimoji="1" lang="ja-JP" altLang="en-US" sz="1050" dirty="0"/>
+          </a:p>
+        </p:txBody>
+      </p:sp>
+      <p:sp>
+        <p:nvSpPr>
+          <p:cNvPr id="102" name="テキスト ボックス 22">
+            <a:extLst>
+              <a:ext uri="{FF2B5EF4-FFF2-40B4-BE49-F238E27FC236}">
+                <a16:creationId xmlns:a16="http://schemas.microsoft.com/office/drawing/2014/main" id="{D2196188-C1CC-4DF7-B2B8-BFBA871A8E97}"/>
+              </a:ext>
+            </a:extLst>
+          </p:cNvPr>
+          <p:cNvSpPr txBox="1"/>
+          <p:nvPr/>
+        </p:nvSpPr>
+        <p:spPr>
+          <a:xfrm>
+            <a:off x="5114712" y="3833043"/>
+            <a:ext cx="826033" cy="723275"/>
+          </a:xfrm>
+          <a:prstGeom prst="rect">
+            <a:avLst/>
+          </a:prstGeom>
+          <a:solidFill>
+            <a:schemeClr val="bg1"/>
+          </a:solidFill>
+          <a:ln w="38100">
+            <a:solidFill>
+              <a:schemeClr val="tx1"/>
+            </a:solidFill>
+          </a:ln>
+        </p:spPr>
+        <p:txBody>
+          <a:bodyPr wrap="square" rtlCol="0" anchor="ctr">
+            <a:spAutoFit/>
+          </a:bodyPr>
+          <a:lstStyle/>
+          <a:p>
+            <a:pPr algn="ctr"/>
+            <a:endParaRPr kumimoji="1" lang="en-US" altLang="ja-JP" sz="1050" dirty="0"/>
+          </a:p>
+          <a:p>
+            <a:pPr algn="ctr"/>
+            <a:r>
+              <a:rPr kumimoji="1" lang="en-US" altLang="ja-JP" baseline="30000" dirty="0"/>
+              <a:t>205</a:t>
+            </a:r>
+            <a:r>
+              <a:rPr kumimoji="1" lang="en-US" altLang="ja-JP" sz="2000" dirty="0"/>
+              <a:t>Po</a:t>
+            </a:r>
+          </a:p>
+          <a:p>
+            <a:pPr algn="ctr"/>
+            <a:r>
+              <a:rPr kumimoji="1" lang="en-US" altLang="ja-JP" sz="1050" dirty="0"/>
+              <a:t>1.66 hrs.</a:t>
+            </a:r>
+            <a:endParaRPr kumimoji="1" lang="ja-JP" altLang="en-US" sz="1050" dirty="0"/>
+          </a:p>
+        </p:txBody>
+      </p:sp>
+      <p:sp>
+        <p:nvSpPr>
+          <p:cNvPr id="103" name="テキスト ボックス 22">
+            <a:extLst>
+              <a:ext uri="{FF2B5EF4-FFF2-40B4-BE49-F238E27FC236}">
+                <a16:creationId xmlns:a16="http://schemas.microsoft.com/office/drawing/2014/main" id="{272E767B-BDC3-4859-A4C7-931A32A3A9E6}"/>
+              </a:ext>
+            </a:extLst>
+          </p:cNvPr>
+          <p:cNvSpPr txBox="1"/>
+          <p:nvPr/>
+        </p:nvSpPr>
+        <p:spPr>
+          <a:xfrm>
+            <a:off x="4065351" y="3839956"/>
+            <a:ext cx="826033" cy="723275"/>
+          </a:xfrm>
+          <a:prstGeom prst="rect">
+            <a:avLst/>
+          </a:prstGeom>
+          <a:noFill/>
+          <a:ln w="38100">
+            <a:solidFill>
+              <a:schemeClr val="tx1"/>
+            </a:solidFill>
+          </a:ln>
+        </p:spPr>
+        <p:txBody>
+          <a:bodyPr wrap="square" rtlCol="0" anchor="ctr">
+            <a:spAutoFit/>
+          </a:bodyPr>
+          <a:lstStyle/>
+          <a:p>
+            <a:pPr algn="ctr"/>
+            <a:endParaRPr kumimoji="1" lang="en-US" altLang="ja-JP" sz="1050" dirty="0"/>
+          </a:p>
+          <a:p>
+            <a:pPr algn="ctr"/>
+            <a:r>
+              <a:rPr kumimoji="1" lang="en-US" altLang="ja-JP" baseline="30000" dirty="0"/>
+              <a:t>204</a:t>
+            </a:r>
+            <a:r>
+              <a:rPr kumimoji="1" lang="en-US" altLang="ja-JP" sz="2000" dirty="0"/>
+              <a:t>Po</a:t>
+            </a:r>
+          </a:p>
+          <a:p>
+            <a:pPr algn="ctr"/>
+            <a:r>
+              <a:rPr kumimoji="1" lang="en-US" altLang="ja-JP" sz="1050" dirty="0"/>
+              <a:t>3.53 hrs.</a:t>
+            </a:r>
+            <a:endParaRPr kumimoji="1" lang="ja-JP" altLang="en-US" sz="1050" dirty="0"/>
+          </a:p>
+        </p:txBody>
+      </p:sp>
+      <p:sp>
+        <p:nvSpPr>
+          <p:cNvPr id="108" name="テキスト ボックス 22">
+            <a:extLst>
+              <a:ext uri="{FF2B5EF4-FFF2-40B4-BE49-F238E27FC236}">
+                <a16:creationId xmlns:a16="http://schemas.microsoft.com/office/drawing/2014/main" id="{C5614756-1F67-4D24-8426-8E12903E9D90}"/>
+              </a:ext>
+            </a:extLst>
+          </p:cNvPr>
+          <p:cNvSpPr txBox="1"/>
+          <p:nvPr/>
+        </p:nvSpPr>
+        <p:spPr>
+          <a:xfrm>
+            <a:off x="8233295" y="5113231"/>
+            <a:ext cx="826033" cy="723275"/>
+          </a:xfrm>
+          <a:prstGeom prst="rect">
+            <a:avLst/>
+          </a:prstGeom>
+          <a:noFill/>
+          <a:ln w="38100">
+            <a:solidFill>
+              <a:schemeClr val="tx1"/>
+            </a:solidFill>
+          </a:ln>
+        </p:spPr>
+        <p:txBody>
+          <a:bodyPr wrap="square" rtlCol="0" anchor="ctr">
+            <a:spAutoFit/>
+          </a:bodyPr>
+          <a:lstStyle/>
+          <a:p>
+            <a:pPr algn="ctr"/>
+            <a:endParaRPr kumimoji="1" lang="en-US" altLang="ja-JP" sz="1050" dirty="0"/>
+          </a:p>
+          <a:p>
+            <a:pPr algn="ctr"/>
+            <a:r>
+              <a:rPr kumimoji="1" lang="en-US" altLang="ja-JP" baseline="30000" dirty="0"/>
+              <a:t>207</a:t>
+            </a:r>
+            <a:r>
+              <a:rPr kumimoji="1" lang="en-US" altLang="ja-JP" sz="2000" dirty="0"/>
+              <a:t>Bi</a:t>
+            </a:r>
+          </a:p>
+          <a:p>
+            <a:pPr algn="ctr"/>
+            <a:r>
+              <a:rPr kumimoji="1" lang="en-US" altLang="ja-JP" sz="1050" dirty="0"/>
+              <a:t>32 yrs</a:t>
+            </a:r>
+            <a:r>
+              <a:rPr lang="en-US" altLang="ja-JP" sz="1050" dirty="0"/>
+              <a:t>.</a:t>
+            </a:r>
+            <a:endParaRPr kumimoji="1" lang="ja-JP" altLang="en-US" sz="1050" dirty="0"/>
+          </a:p>
+        </p:txBody>
+      </p:sp>
+      <p:sp>
+        <p:nvSpPr>
+          <p:cNvPr id="109" name="テキスト ボックス 22">
+            <a:extLst>
+              <a:ext uri="{FF2B5EF4-FFF2-40B4-BE49-F238E27FC236}">
+                <a16:creationId xmlns:a16="http://schemas.microsoft.com/office/drawing/2014/main" id="{95FBF00B-7B4B-4D53-B6CD-7EFE7D3D4C86}"/>
+              </a:ext>
+            </a:extLst>
+          </p:cNvPr>
+          <p:cNvSpPr txBox="1"/>
+          <p:nvPr/>
+        </p:nvSpPr>
+        <p:spPr>
+          <a:xfrm>
+            <a:off x="6151994" y="5113233"/>
+            <a:ext cx="826033" cy="723275"/>
+          </a:xfrm>
+          <a:prstGeom prst="rect">
+            <a:avLst/>
+          </a:prstGeom>
+          <a:noFill/>
+          <a:ln w="38100">
+            <a:solidFill>
+              <a:schemeClr val="tx1"/>
+            </a:solidFill>
+          </a:ln>
+        </p:spPr>
+        <p:txBody>
+          <a:bodyPr wrap="square" rtlCol="0" anchor="ctr">
+            <a:spAutoFit/>
+          </a:bodyPr>
+          <a:lstStyle/>
+          <a:p>
+            <a:pPr algn="ctr"/>
+            <a:endParaRPr kumimoji="1" lang="en-US" altLang="ja-JP" sz="1050" dirty="0"/>
+          </a:p>
+          <a:p>
+            <a:pPr algn="ctr"/>
+            <a:r>
+              <a:rPr kumimoji="1" lang="en-US" altLang="ja-JP" baseline="30000" dirty="0"/>
+              <a:t>205</a:t>
+            </a:r>
+            <a:r>
+              <a:rPr kumimoji="1" lang="en-US" altLang="ja-JP" sz="2000" dirty="0"/>
+              <a:t>Bi</a:t>
+            </a:r>
+          </a:p>
+          <a:p>
+            <a:pPr algn="ctr"/>
+            <a:r>
+              <a:rPr kumimoji="1" lang="en-US" altLang="ja-JP" sz="1050" dirty="0"/>
+              <a:t>15 days</a:t>
+            </a:r>
+            <a:endParaRPr kumimoji="1" lang="ja-JP" altLang="en-US" sz="1050" dirty="0"/>
+          </a:p>
+        </p:txBody>
+      </p:sp>
+      <p:sp>
+        <p:nvSpPr>
+          <p:cNvPr id="111" name="テキスト ボックス 22">
+            <a:extLst>
+              <a:ext uri="{FF2B5EF4-FFF2-40B4-BE49-F238E27FC236}">
+                <a16:creationId xmlns:a16="http://schemas.microsoft.com/office/drawing/2014/main" id="{F0944B10-B931-4E0F-AF42-B4D7A6383A69}"/>
+              </a:ext>
+            </a:extLst>
+          </p:cNvPr>
+          <p:cNvSpPr txBox="1"/>
+          <p:nvPr/>
+        </p:nvSpPr>
+        <p:spPr>
+          <a:xfrm>
+            <a:off x="4065351" y="5117841"/>
+            <a:ext cx="826033" cy="723275"/>
+          </a:xfrm>
+          <a:prstGeom prst="rect">
+            <a:avLst/>
+          </a:prstGeom>
+          <a:noFill/>
+          <a:ln w="38100">
+            <a:solidFill>
+              <a:schemeClr val="tx1"/>
+            </a:solidFill>
+          </a:ln>
+        </p:spPr>
+        <p:txBody>
+          <a:bodyPr wrap="square" rtlCol="0" anchor="ctr">
+            <a:spAutoFit/>
+          </a:bodyPr>
+          <a:lstStyle/>
+          <a:p>
+            <a:pPr algn="ctr"/>
+            <a:endParaRPr kumimoji="1" lang="en-US" altLang="ja-JP" sz="1050" dirty="0"/>
+          </a:p>
+          <a:p>
+            <a:pPr algn="ctr"/>
+            <a:r>
+              <a:rPr kumimoji="1" lang="en-US" altLang="ja-JP" baseline="30000" dirty="0"/>
+              <a:t>203</a:t>
+            </a:r>
+            <a:r>
+              <a:rPr kumimoji="1" lang="en-US" altLang="ja-JP" sz="2000" dirty="0"/>
+              <a:t>Bi</a:t>
+            </a:r>
+          </a:p>
+          <a:p>
+            <a:pPr algn="ctr"/>
+            <a:r>
+              <a:rPr kumimoji="1" lang="en-US" altLang="ja-JP" sz="1050" dirty="0"/>
+              <a:t>11.76 hrs.</a:t>
+            </a:r>
+            <a:endParaRPr kumimoji="1" lang="ja-JP" altLang="en-US" sz="1050" dirty="0"/>
+          </a:p>
+        </p:txBody>
+      </p:sp>
+      <p:sp>
+        <p:nvSpPr>
+          <p:cNvPr id="115" name="テキスト ボックス 22">
+            <a:extLst>
+              <a:ext uri="{FF2B5EF4-FFF2-40B4-BE49-F238E27FC236}">
+                <a16:creationId xmlns:a16="http://schemas.microsoft.com/office/drawing/2014/main" id="{EE7AAAB9-AE72-48AF-83F5-94E8E1B83858}"/>
+              </a:ext>
+            </a:extLst>
+          </p:cNvPr>
+          <p:cNvSpPr txBox="1"/>
+          <p:nvPr/>
+        </p:nvSpPr>
+        <p:spPr>
+          <a:xfrm>
+            <a:off x="11365967" y="3833041"/>
+            <a:ext cx="826033" cy="723275"/>
+          </a:xfrm>
+          <a:prstGeom prst="rect">
+            <a:avLst/>
+          </a:prstGeom>
+          <a:noFill/>
+          <a:ln w="38100">
+            <a:solidFill>
+              <a:schemeClr val="tx1"/>
+            </a:solidFill>
+          </a:ln>
+        </p:spPr>
+        <p:txBody>
+          <a:bodyPr wrap="square" rtlCol="0" anchor="ctr">
+            <a:spAutoFit/>
+          </a:bodyPr>
+          <a:lstStyle/>
+          <a:p>
+            <a:pPr algn="ctr"/>
+            <a:endParaRPr kumimoji="1" lang="en-US" altLang="ja-JP" sz="1050" dirty="0"/>
+          </a:p>
+          <a:p>
+            <a:pPr algn="ctr"/>
+            <a:r>
+              <a:rPr kumimoji="1" lang="en-US" altLang="ja-JP" baseline="30000" dirty="0"/>
+              <a:t>211</a:t>
+            </a:r>
+            <a:r>
+              <a:rPr kumimoji="1" lang="en-US" altLang="ja-JP" sz="2000" dirty="0"/>
+              <a:t>Po</a:t>
+            </a:r>
+          </a:p>
+          <a:p>
+            <a:pPr algn="ctr"/>
+            <a:r>
+              <a:rPr kumimoji="1" lang="en-US" altLang="ja-JP" sz="1050" dirty="0"/>
+              <a:t>0.516 sec.</a:t>
+            </a:r>
+            <a:endParaRPr kumimoji="1" lang="ja-JP" altLang="en-US" sz="1050" dirty="0"/>
+          </a:p>
+        </p:txBody>
+      </p:sp>
+      <p:cxnSp>
+        <p:nvCxnSpPr>
+          <p:cNvPr id="118" name="直線矢印コネクタ 5">
+            <a:extLst>
+              <a:ext uri="{FF2B5EF4-FFF2-40B4-BE49-F238E27FC236}">
+                <a16:creationId xmlns:a16="http://schemas.microsoft.com/office/drawing/2014/main" id="{6D3CAE80-B11A-429B-ABDB-9E5B8DFB5196}"/>
+              </a:ext>
+            </a:extLst>
+          </p:cNvPr>
+          <p:cNvCxnSpPr>
+            <a:cxnSpLocks/>
+            <a:stCxn id="70" idx="2"/>
+            <a:endCxn id="115" idx="0"/>
+          </p:cNvCxnSpPr>
+          <p:nvPr/>
+        </p:nvCxnSpPr>
+        <p:spPr>
+          <a:xfrm>
+            <a:off x="10735116" y="3278430"/>
+            <a:ext cx="1043868" cy="554611"/>
+          </a:xfrm>
+          <a:prstGeom prst="straightConnector1">
+            <a:avLst/>
+          </a:prstGeom>
+          <a:ln w="76200">
+            <a:tailEnd type="triangle"/>
+          </a:ln>
+        </p:spPr>
+        <p:style>
+          <a:lnRef idx="1">
+            <a:schemeClr val="accent1"/>
+          </a:lnRef>
+          <a:fillRef idx="0">
+            <a:schemeClr val="accent1"/>
+          </a:fillRef>
+          <a:effectRef idx="0">
+            <a:schemeClr val="accent1"/>
+          </a:effectRef>
+          <a:fontRef idx="minor">
+            <a:schemeClr val="tx1"/>
+          </a:fontRef>
+        </p:style>
+      </p:cxnSp>
+      <p:sp>
+        <p:nvSpPr>
+          <p:cNvPr id="123" name="テキスト ボックス 2">
+            <a:extLst>
+              <a:ext uri="{FF2B5EF4-FFF2-40B4-BE49-F238E27FC236}">
+                <a16:creationId xmlns:a16="http://schemas.microsoft.com/office/drawing/2014/main" id="{03B95D09-B8D2-4F03-99E0-5B25BB461B3C}"/>
+              </a:ext>
+            </a:extLst>
+          </p:cNvPr>
+          <p:cNvSpPr txBox="1"/>
+          <p:nvPr/>
+        </p:nvSpPr>
+        <p:spPr>
+          <a:xfrm>
+            <a:off x="11094898" y="4553339"/>
+            <a:ext cx="554789" cy="230832"/>
+          </a:xfrm>
+          <a:prstGeom prst="rect">
+            <a:avLst/>
+          </a:prstGeom>
+          <a:noFill/>
+        </p:spPr>
+        <p:txBody>
+          <a:bodyPr wrap="square" rtlCol="0">
+            <a:spAutoFit/>
+          </a:bodyPr>
+          <a:lstStyle/>
+          <a:p>
+            <a:pPr algn="ctr"/>
+            <a:r>
+              <a:rPr kumimoji="1" lang="en-US" altLang="ja-JP" sz="900" dirty="0">
+                <a:solidFill>
+                  <a:srgbClr val="FF0000"/>
+                </a:solidFill>
+              </a:rPr>
+              <a:t>100%</a:t>
+            </a:r>
+            <a:endParaRPr kumimoji="1" lang="ja-JP" altLang="en-US" sz="900" dirty="0">
+              <a:solidFill>
+                <a:srgbClr val="FF0000"/>
+              </a:solidFill>
+            </a:endParaRPr>
+          </a:p>
+        </p:txBody>
+      </p:sp>
+      <p:sp>
+        <p:nvSpPr>
+          <p:cNvPr id="127" name="テキスト ボックス 2">
+            <a:extLst>
+              <a:ext uri="{FF2B5EF4-FFF2-40B4-BE49-F238E27FC236}">
+                <a16:creationId xmlns:a16="http://schemas.microsoft.com/office/drawing/2014/main" id="{3828AA92-6AD5-42EB-BEF0-AED0AE6A503E}"/>
+              </a:ext>
+            </a:extLst>
+          </p:cNvPr>
+          <p:cNvSpPr txBox="1"/>
+          <p:nvPr/>
+        </p:nvSpPr>
+        <p:spPr>
+          <a:xfrm>
+            <a:off x="9140197" y="2021155"/>
+            <a:ext cx="481044" cy="230832"/>
+          </a:xfrm>
+          <a:prstGeom prst="rect">
+            <a:avLst/>
+          </a:prstGeom>
+          <a:noFill/>
+        </p:spPr>
+        <p:txBody>
+          <a:bodyPr wrap="square" rtlCol="0">
+            <a:spAutoFit/>
+          </a:bodyPr>
+          <a:lstStyle/>
+          <a:p>
+            <a:pPr algn="ctr"/>
+            <a:r>
+              <a:rPr lang="en-US" altLang="ja-JP" sz="900" dirty="0">
+                <a:solidFill>
+                  <a:srgbClr val="FF0000"/>
+                </a:solidFill>
+              </a:rPr>
+              <a:t>27</a:t>
+            </a:r>
+            <a:r>
+              <a:rPr kumimoji="1" lang="en-US" altLang="ja-JP" sz="900" dirty="0">
+                <a:solidFill>
+                  <a:srgbClr val="FF0000"/>
+                </a:solidFill>
+              </a:rPr>
+              <a:t>%</a:t>
+            </a:r>
+            <a:endParaRPr kumimoji="1" lang="ja-JP" altLang="en-US" sz="900" dirty="0">
+              <a:solidFill>
+                <a:srgbClr val="FF0000"/>
+              </a:solidFill>
+            </a:endParaRPr>
+          </a:p>
+        </p:txBody>
+      </p:sp>
+      <p:sp>
+        <p:nvSpPr>
+          <p:cNvPr id="128" name="テキスト ボックス 2">
+            <a:extLst>
+              <a:ext uri="{FF2B5EF4-FFF2-40B4-BE49-F238E27FC236}">
+                <a16:creationId xmlns:a16="http://schemas.microsoft.com/office/drawing/2014/main" id="{4D5B11B5-6E17-43E8-BA49-B29A5B882120}"/>
+              </a:ext>
+            </a:extLst>
+          </p:cNvPr>
+          <p:cNvSpPr txBox="1"/>
+          <p:nvPr/>
+        </p:nvSpPr>
+        <p:spPr>
+          <a:xfrm>
+            <a:off x="8109169" y="2015091"/>
+            <a:ext cx="481044" cy="230832"/>
+          </a:xfrm>
+          <a:prstGeom prst="rect">
+            <a:avLst/>
+          </a:prstGeom>
+          <a:noFill/>
+        </p:spPr>
+        <p:txBody>
+          <a:bodyPr wrap="square" rtlCol="0">
+            <a:spAutoFit/>
+          </a:bodyPr>
+          <a:lstStyle/>
+          <a:p>
+            <a:pPr algn="ctr"/>
+            <a:r>
+              <a:rPr kumimoji="1" lang="en-US" altLang="ja-JP" sz="900" dirty="0">
+                <a:solidFill>
+                  <a:srgbClr val="FF0000"/>
+                </a:solidFill>
+              </a:rPr>
+              <a:t>96%</a:t>
+            </a:r>
+            <a:endParaRPr kumimoji="1" lang="ja-JP" altLang="en-US" sz="900" dirty="0">
+              <a:solidFill>
+                <a:srgbClr val="FF0000"/>
+              </a:solidFill>
+            </a:endParaRPr>
+          </a:p>
+        </p:txBody>
+      </p:sp>
+      <p:sp>
+        <p:nvSpPr>
+          <p:cNvPr id="132" name="テキスト ボックス 2">
+            <a:extLst>
+              <a:ext uri="{FF2B5EF4-FFF2-40B4-BE49-F238E27FC236}">
+                <a16:creationId xmlns:a16="http://schemas.microsoft.com/office/drawing/2014/main" id="{50146036-0115-4CEF-9DA8-F3F5C4D85EE6}"/>
+              </a:ext>
+            </a:extLst>
+          </p:cNvPr>
+          <p:cNvSpPr txBox="1"/>
+          <p:nvPr/>
+        </p:nvSpPr>
+        <p:spPr>
+          <a:xfrm>
+            <a:off x="7079098" y="2015091"/>
+            <a:ext cx="481044" cy="230832"/>
+          </a:xfrm>
+          <a:prstGeom prst="rect">
+            <a:avLst/>
+          </a:prstGeom>
+          <a:noFill/>
+        </p:spPr>
+        <p:txBody>
+          <a:bodyPr wrap="square" rtlCol="0">
+            <a:spAutoFit/>
+          </a:bodyPr>
+          <a:lstStyle/>
+          <a:p>
+            <a:pPr algn="ctr"/>
+            <a:r>
+              <a:rPr lang="en-US" altLang="ja-JP" sz="900" dirty="0">
+                <a:solidFill>
+                  <a:srgbClr val="FF0000"/>
+                </a:solidFill>
+              </a:rPr>
+              <a:t>17</a:t>
+            </a:r>
+            <a:r>
+              <a:rPr kumimoji="1" lang="en-US" altLang="ja-JP" sz="900" dirty="0">
+                <a:solidFill>
+                  <a:srgbClr val="FF0000"/>
+                </a:solidFill>
+              </a:rPr>
+              <a:t>%</a:t>
+            </a:r>
+            <a:endParaRPr kumimoji="1" lang="ja-JP" altLang="en-US" sz="900" dirty="0">
+              <a:solidFill>
+                <a:srgbClr val="FF0000"/>
+              </a:solidFill>
+            </a:endParaRPr>
+          </a:p>
+        </p:txBody>
+      </p:sp>
+      <p:sp>
+        <p:nvSpPr>
+          <p:cNvPr id="139" name="テキスト ボックス 2">
+            <a:extLst>
+              <a:ext uri="{FF2B5EF4-FFF2-40B4-BE49-F238E27FC236}">
+                <a16:creationId xmlns:a16="http://schemas.microsoft.com/office/drawing/2014/main" id="{1CC8244B-B850-455F-B837-2FB22D8A9390}"/>
+              </a:ext>
+            </a:extLst>
+          </p:cNvPr>
+          <p:cNvSpPr txBox="1"/>
+          <p:nvPr/>
+        </p:nvSpPr>
+        <p:spPr>
+          <a:xfrm>
+            <a:off x="5969081" y="2039396"/>
+            <a:ext cx="481044" cy="230832"/>
+          </a:xfrm>
+          <a:prstGeom prst="rect">
+            <a:avLst/>
+          </a:prstGeom>
+          <a:noFill/>
+        </p:spPr>
+        <p:txBody>
+          <a:bodyPr wrap="square" rtlCol="0">
+            <a:spAutoFit/>
+          </a:bodyPr>
+          <a:lstStyle/>
+          <a:p>
+            <a:pPr algn="ctr"/>
+            <a:r>
+              <a:rPr kumimoji="1" lang="en-US" altLang="ja-JP" sz="900" dirty="0">
+                <a:solidFill>
+                  <a:srgbClr val="FF0000"/>
+                </a:solidFill>
+              </a:rPr>
+              <a:t>62%</a:t>
+            </a:r>
+            <a:endParaRPr kumimoji="1" lang="ja-JP" altLang="en-US" sz="900" dirty="0">
+              <a:solidFill>
+                <a:srgbClr val="FF0000"/>
+              </a:solidFill>
+            </a:endParaRPr>
+          </a:p>
+        </p:txBody>
+      </p:sp>
+      <p:cxnSp>
+        <p:nvCxnSpPr>
+          <p:cNvPr id="149" name="直線矢印コネクタ 5">
+            <a:extLst>
+              <a:ext uri="{FF2B5EF4-FFF2-40B4-BE49-F238E27FC236}">
+                <a16:creationId xmlns:a16="http://schemas.microsoft.com/office/drawing/2014/main" id="{F391522D-9682-4F56-8613-0D7740A9B4FB}"/>
+              </a:ext>
+            </a:extLst>
+          </p:cNvPr>
+          <p:cNvCxnSpPr>
+            <a:cxnSpLocks/>
+            <a:stCxn id="99" idx="2"/>
+            <a:endCxn id="108" idx="0"/>
+          </p:cNvCxnSpPr>
+          <p:nvPr/>
+        </p:nvCxnSpPr>
+        <p:spPr>
+          <a:xfrm>
+            <a:off x="7596951" y="4569063"/>
+            <a:ext cx="1049361" cy="544168"/>
+          </a:xfrm>
+          <a:prstGeom prst="straightConnector1">
+            <a:avLst/>
+          </a:prstGeom>
+          <a:ln w="76200">
+            <a:tailEnd type="triangle"/>
+          </a:ln>
+        </p:spPr>
+        <p:style>
+          <a:lnRef idx="1">
+            <a:schemeClr val="accent1"/>
+          </a:lnRef>
+          <a:fillRef idx="0">
+            <a:schemeClr val="accent1"/>
+          </a:fillRef>
+          <a:effectRef idx="0">
+            <a:schemeClr val="accent1"/>
+          </a:effectRef>
+          <a:fontRef idx="minor">
+            <a:schemeClr val="tx1"/>
+          </a:fontRef>
+        </p:style>
+      </p:cxnSp>
+      <p:cxnSp>
+        <p:nvCxnSpPr>
+          <p:cNvPr id="152" name="直線矢印コネクタ 5">
+            <a:extLst>
+              <a:ext uri="{FF2B5EF4-FFF2-40B4-BE49-F238E27FC236}">
+                <a16:creationId xmlns:a16="http://schemas.microsoft.com/office/drawing/2014/main" id="{380E74C3-1CD1-4A7C-A02E-A11A1B80205E}"/>
+              </a:ext>
+            </a:extLst>
+          </p:cNvPr>
+          <p:cNvCxnSpPr>
+            <a:cxnSpLocks/>
+            <a:stCxn id="27" idx="2"/>
+            <a:endCxn id="99" idx="0"/>
+          </p:cNvCxnSpPr>
+          <p:nvPr/>
+        </p:nvCxnSpPr>
+        <p:spPr>
+          <a:xfrm>
+            <a:off x="6565011" y="3278434"/>
+            <a:ext cx="1031940" cy="567354"/>
+          </a:xfrm>
+          <a:prstGeom prst="straightConnector1">
+            <a:avLst/>
+          </a:prstGeom>
+          <a:ln w="76200">
+            <a:tailEnd type="triangle"/>
+          </a:ln>
+        </p:spPr>
+        <p:style>
+          <a:lnRef idx="1">
+            <a:schemeClr val="accent1"/>
+          </a:lnRef>
+          <a:fillRef idx="0">
+            <a:schemeClr val="accent1"/>
+          </a:fillRef>
+          <a:effectRef idx="0">
+            <a:schemeClr val="accent1"/>
+          </a:effectRef>
+          <a:fontRef idx="minor">
+            <a:schemeClr val="tx1"/>
+          </a:fontRef>
+        </p:style>
+      </p:cxnSp>
+      <p:cxnSp>
+        <p:nvCxnSpPr>
+          <p:cNvPr id="158" name="直線矢印コネクタ 5">
+            <a:extLst>
+              <a:ext uri="{FF2B5EF4-FFF2-40B4-BE49-F238E27FC236}">
+                <a16:creationId xmlns:a16="http://schemas.microsoft.com/office/drawing/2014/main" id="{4932C496-B2CD-442D-9B1B-F9F1B1859AEF}"/>
+              </a:ext>
+            </a:extLst>
+          </p:cNvPr>
+          <p:cNvCxnSpPr>
+            <a:cxnSpLocks/>
+            <a:stCxn id="39" idx="2"/>
+            <a:endCxn id="102" idx="0"/>
+          </p:cNvCxnSpPr>
+          <p:nvPr/>
+        </p:nvCxnSpPr>
+        <p:spPr>
+          <a:xfrm>
+            <a:off x="4478368" y="3283042"/>
+            <a:ext cx="1049361" cy="550001"/>
+          </a:xfrm>
+          <a:prstGeom prst="straightConnector1">
+            <a:avLst/>
+          </a:prstGeom>
+          <a:ln w="76200">
+            <a:tailEnd type="triangle"/>
+          </a:ln>
+        </p:spPr>
+        <p:style>
+          <a:lnRef idx="1">
+            <a:schemeClr val="accent1"/>
+          </a:lnRef>
+          <a:fillRef idx="0">
+            <a:schemeClr val="accent1"/>
+          </a:fillRef>
+          <a:effectRef idx="0">
+            <a:schemeClr val="accent1"/>
+          </a:effectRef>
+          <a:fontRef idx="minor">
+            <a:schemeClr val="tx1"/>
+          </a:fontRef>
+        </p:style>
+      </p:cxnSp>
+      <p:cxnSp>
+        <p:nvCxnSpPr>
+          <p:cNvPr id="161" name="直線矢印コネクタ 5">
+            <a:extLst>
+              <a:ext uri="{FF2B5EF4-FFF2-40B4-BE49-F238E27FC236}">
+                <a16:creationId xmlns:a16="http://schemas.microsoft.com/office/drawing/2014/main" id="{D9E6429B-FD02-49F9-8AE8-CD3C56F2F042}"/>
+              </a:ext>
+            </a:extLst>
+          </p:cNvPr>
+          <p:cNvCxnSpPr>
+            <a:cxnSpLocks/>
+            <a:stCxn id="42" idx="2"/>
+            <a:endCxn id="103" idx="0"/>
+          </p:cNvCxnSpPr>
+          <p:nvPr/>
+        </p:nvCxnSpPr>
+        <p:spPr>
+          <a:xfrm>
+            <a:off x="3433432" y="3276128"/>
+            <a:ext cx="1044936" cy="563828"/>
+          </a:xfrm>
+          <a:prstGeom prst="straightConnector1">
+            <a:avLst/>
+          </a:prstGeom>
+          <a:ln w="76200">
+            <a:tailEnd type="triangle"/>
+          </a:ln>
+        </p:spPr>
+        <p:style>
+          <a:lnRef idx="1">
+            <a:schemeClr val="accent1"/>
+          </a:lnRef>
+          <a:fillRef idx="0">
+            <a:schemeClr val="accent1"/>
+          </a:fillRef>
+          <a:effectRef idx="0">
+            <a:schemeClr val="accent1"/>
+          </a:effectRef>
+          <a:fontRef idx="minor">
+            <a:schemeClr val="tx1"/>
+          </a:fontRef>
+        </p:style>
+      </p:cxnSp>
+      <p:sp>
+        <p:nvSpPr>
+          <p:cNvPr id="164" name="テキスト ボックス 2">
+            <a:extLst>
+              <a:ext uri="{FF2B5EF4-FFF2-40B4-BE49-F238E27FC236}">
+                <a16:creationId xmlns:a16="http://schemas.microsoft.com/office/drawing/2014/main" id="{F507F8A6-A57C-4D32-8EEA-1D7537D44548}"/>
+              </a:ext>
+            </a:extLst>
+          </p:cNvPr>
+          <p:cNvSpPr txBox="1"/>
+          <p:nvPr/>
+        </p:nvSpPr>
+        <p:spPr>
+          <a:xfrm>
+            <a:off x="10204697" y="3279215"/>
+            <a:ext cx="481044" cy="230832"/>
+          </a:xfrm>
+          <a:prstGeom prst="rect">
+            <a:avLst/>
+          </a:prstGeom>
+          <a:noFill/>
+        </p:spPr>
+        <p:txBody>
+          <a:bodyPr wrap="square" rtlCol="0">
+            <a:spAutoFit/>
+          </a:bodyPr>
+          <a:lstStyle/>
+          <a:p>
+            <a:pPr algn="ctr"/>
+            <a:r>
+              <a:rPr kumimoji="1" lang="en-US" altLang="ja-JP" sz="900" dirty="0">
+                <a:solidFill>
+                  <a:srgbClr val="FF0000"/>
+                </a:solidFill>
+              </a:rPr>
+              <a:t>42%</a:t>
+            </a:r>
+            <a:endParaRPr kumimoji="1" lang="ja-JP" altLang="en-US" sz="900" dirty="0">
+              <a:solidFill>
+                <a:srgbClr val="FF0000"/>
+              </a:solidFill>
+            </a:endParaRPr>
+          </a:p>
+        </p:txBody>
+      </p:sp>
+      <p:sp>
+        <p:nvSpPr>
+          <p:cNvPr id="169" name="テキスト ボックス 2">
+            <a:extLst>
+              <a:ext uri="{FF2B5EF4-FFF2-40B4-BE49-F238E27FC236}">
+                <a16:creationId xmlns:a16="http://schemas.microsoft.com/office/drawing/2014/main" id="{A7349A92-8B9A-48D5-B9D9-02E85250A2D1}"/>
+              </a:ext>
+            </a:extLst>
+          </p:cNvPr>
+          <p:cNvSpPr txBox="1"/>
+          <p:nvPr/>
+        </p:nvSpPr>
+        <p:spPr>
+          <a:xfrm>
+            <a:off x="8157396" y="3285128"/>
+            <a:ext cx="349952" cy="230832"/>
+          </a:xfrm>
+          <a:prstGeom prst="rect">
+            <a:avLst/>
+          </a:prstGeom>
+          <a:noFill/>
+        </p:spPr>
+        <p:txBody>
+          <a:bodyPr wrap="square" rtlCol="0">
+            <a:spAutoFit/>
+          </a:bodyPr>
+          <a:lstStyle/>
+          <a:p>
+            <a:pPr algn="ctr"/>
+            <a:r>
+              <a:rPr lang="en-US" altLang="ja-JP" sz="900" dirty="0">
+                <a:solidFill>
+                  <a:srgbClr val="FF0000"/>
+                </a:solidFill>
+              </a:rPr>
+              <a:t>4</a:t>
+            </a:r>
+            <a:r>
+              <a:rPr kumimoji="1" lang="en-US" altLang="ja-JP" sz="900" dirty="0">
+                <a:solidFill>
+                  <a:srgbClr val="FF0000"/>
+                </a:solidFill>
+              </a:rPr>
+              <a:t>%</a:t>
+            </a:r>
+            <a:endParaRPr kumimoji="1" lang="ja-JP" altLang="en-US" sz="900" dirty="0">
+              <a:solidFill>
+                <a:srgbClr val="FF0000"/>
+              </a:solidFill>
+            </a:endParaRPr>
+          </a:p>
+        </p:txBody>
+      </p:sp>
+      <p:sp>
+        <p:nvSpPr>
+          <p:cNvPr id="174" name="テキスト ボックス 2">
+            <a:extLst>
+              <a:ext uri="{FF2B5EF4-FFF2-40B4-BE49-F238E27FC236}">
+                <a16:creationId xmlns:a16="http://schemas.microsoft.com/office/drawing/2014/main" id="{C378FC7E-C8CF-45AB-BBB9-ECA5DE802F50}"/>
+              </a:ext>
+            </a:extLst>
+          </p:cNvPr>
+          <p:cNvSpPr txBox="1"/>
+          <p:nvPr/>
+        </p:nvSpPr>
+        <p:spPr>
+          <a:xfrm>
+            <a:off x="6100009" y="3279215"/>
+            <a:ext cx="374260" cy="230832"/>
+          </a:xfrm>
+          <a:prstGeom prst="rect">
+            <a:avLst/>
+          </a:prstGeom>
+          <a:noFill/>
+        </p:spPr>
+        <p:txBody>
+          <a:bodyPr wrap="square" rtlCol="0">
+            <a:spAutoFit/>
+          </a:bodyPr>
+          <a:lstStyle/>
+          <a:p>
+            <a:pPr algn="ctr"/>
+            <a:r>
+              <a:rPr lang="en-US" altLang="ja-JP" sz="900" dirty="0">
+                <a:solidFill>
+                  <a:srgbClr val="FF0000"/>
+                </a:solidFill>
+              </a:rPr>
+              <a:t>9</a:t>
+            </a:r>
+            <a:r>
+              <a:rPr kumimoji="1" lang="en-US" altLang="ja-JP" sz="900" dirty="0">
+                <a:solidFill>
+                  <a:srgbClr val="FF0000"/>
+                </a:solidFill>
+              </a:rPr>
+              <a:t>%</a:t>
+            </a:r>
+            <a:endParaRPr kumimoji="1" lang="ja-JP" altLang="en-US" sz="900" dirty="0">
+              <a:solidFill>
+                <a:srgbClr val="FF0000"/>
+              </a:solidFill>
+            </a:endParaRPr>
+          </a:p>
+        </p:txBody>
+      </p:sp>
+      <p:sp>
+        <p:nvSpPr>
+          <p:cNvPr id="178" name="テキスト ボックス 2">
+            <a:extLst>
+              <a:ext uri="{FF2B5EF4-FFF2-40B4-BE49-F238E27FC236}">
+                <a16:creationId xmlns:a16="http://schemas.microsoft.com/office/drawing/2014/main" id="{4DC119D4-A3B7-4A4C-8447-DF0D01B00404}"/>
+              </a:ext>
+            </a:extLst>
+          </p:cNvPr>
+          <p:cNvSpPr txBox="1"/>
+          <p:nvPr/>
+        </p:nvSpPr>
+        <p:spPr>
+          <a:xfrm>
+            <a:off x="5117599" y="3283822"/>
+            <a:ext cx="463769" cy="230832"/>
+          </a:xfrm>
+          <a:prstGeom prst="rect">
+            <a:avLst/>
+          </a:prstGeom>
+          <a:noFill/>
+        </p:spPr>
+        <p:txBody>
+          <a:bodyPr wrap="square" rtlCol="0">
+            <a:spAutoFit/>
+          </a:bodyPr>
+          <a:lstStyle/>
+          <a:p>
+            <a:pPr algn="ctr"/>
+            <a:r>
+              <a:rPr lang="en-US" altLang="ja-JP" sz="900" dirty="0">
+                <a:solidFill>
+                  <a:srgbClr val="FF0000"/>
+                </a:solidFill>
+              </a:rPr>
+              <a:t>&lt;1</a:t>
+            </a:r>
+            <a:r>
+              <a:rPr kumimoji="1" lang="en-US" altLang="ja-JP" sz="900" dirty="0">
+                <a:solidFill>
+                  <a:srgbClr val="FF0000"/>
+                </a:solidFill>
+              </a:rPr>
+              <a:t>%</a:t>
+            </a:r>
+            <a:endParaRPr kumimoji="1" lang="ja-JP" altLang="en-US" sz="900" dirty="0">
+              <a:solidFill>
+                <a:srgbClr val="FF0000"/>
+              </a:solidFill>
+            </a:endParaRPr>
+          </a:p>
+        </p:txBody>
+      </p:sp>
+      <p:sp>
+        <p:nvSpPr>
+          <p:cNvPr id="179" name="テキスト ボックス 2">
+            <a:extLst>
+              <a:ext uri="{FF2B5EF4-FFF2-40B4-BE49-F238E27FC236}">
+                <a16:creationId xmlns:a16="http://schemas.microsoft.com/office/drawing/2014/main" id="{DD9C7780-D4F4-4DD9-A59A-A2652653581B}"/>
+              </a:ext>
+            </a:extLst>
+          </p:cNvPr>
+          <p:cNvSpPr txBox="1"/>
+          <p:nvPr/>
+        </p:nvSpPr>
+        <p:spPr>
+          <a:xfrm>
+            <a:off x="3883257" y="3279215"/>
+            <a:ext cx="427991" cy="230832"/>
+          </a:xfrm>
+          <a:prstGeom prst="rect">
+            <a:avLst/>
+          </a:prstGeom>
+          <a:noFill/>
+        </p:spPr>
+        <p:txBody>
+          <a:bodyPr wrap="square" rtlCol="0">
+            <a:spAutoFit/>
+          </a:bodyPr>
+          <a:lstStyle/>
+          <a:p>
+            <a:pPr algn="ctr"/>
+            <a:r>
+              <a:rPr kumimoji="1" lang="en-US" altLang="ja-JP" sz="900" dirty="0">
+                <a:solidFill>
+                  <a:srgbClr val="FF0000"/>
+                </a:solidFill>
+              </a:rPr>
+              <a:t>10%</a:t>
+            </a:r>
+            <a:endParaRPr kumimoji="1" lang="ja-JP" altLang="en-US" sz="900" dirty="0">
+              <a:solidFill>
+                <a:srgbClr val="FF0000"/>
+              </a:solidFill>
+            </a:endParaRPr>
+          </a:p>
+        </p:txBody>
+      </p:sp>
+      <p:cxnSp>
+        <p:nvCxnSpPr>
+          <p:cNvPr id="180" name="直線矢印コネクタ 7">
+            <a:extLst>
+              <a:ext uri="{FF2B5EF4-FFF2-40B4-BE49-F238E27FC236}">
+                <a16:creationId xmlns:a16="http://schemas.microsoft.com/office/drawing/2014/main" id="{ACDB9F96-8132-4CF1-B30A-23C120C11227}"/>
+              </a:ext>
+            </a:extLst>
+          </p:cNvPr>
+          <p:cNvCxnSpPr>
+            <a:cxnSpLocks/>
+            <a:stCxn id="39" idx="2"/>
+            <a:endCxn id="181" idx="0"/>
+          </p:cNvCxnSpPr>
+          <p:nvPr/>
+        </p:nvCxnSpPr>
+        <p:spPr>
+          <a:xfrm flipH="1">
+            <a:off x="2384071" y="3283042"/>
+            <a:ext cx="2094297" cy="1834799"/>
+          </a:xfrm>
+          <a:prstGeom prst="straightConnector1">
+            <a:avLst/>
+          </a:prstGeom>
+          <a:ln w="76200">
+            <a:solidFill>
+              <a:srgbClr val="FF0000"/>
+            </a:solidFill>
+            <a:prstDash val="sysDot"/>
+            <a:tailEnd type="triangle"/>
+          </a:ln>
+        </p:spPr>
+        <p:style>
+          <a:lnRef idx="1">
+            <a:schemeClr val="accent1"/>
+          </a:lnRef>
+          <a:fillRef idx="0">
+            <a:schemeClr val="accent1"/>
+          </a:fillRef>
+          <a:effectRef idx="0">
+            <a:schemeClr val="accent1"/>
+          </a:effectRef>
+          <a:fontRef idx="minor">
+            <a:schemeClr val="tx1"/>
+          </a:fontRef>
+        </p:style>
+      </p:cxnSp>
+      <p:sp>
+        <p:nvSpPr>
+          <p:cNvPr id="181" name="テキスト ボックス 22">
+            <a:extLst>
+              <a:ext uri="{FF2B5EF4-FFF2-40B4-BE49-F238E27FC236}">
+                <a16:creationId xmlns:a16="http://schemas.microsoft.com/office/drawing/2014/main" id="{E395AB19-751A-472E-8B9A-E9F7D4A8C852}"/>
+              </a:ext>
+            </a:extLst>
+          </p:cNvPr>
+          <p:cNvSpPr txBox="1"/>
+          <p:nvPr/>
+        </p:nvSpPr>
+        <p:spPr>
+          <a:xfrm>
+            <a:off x="1971054" y="5117841"/>
+            <a:ext cx="826033" cy="723275"/>
+          </a:xfrm>
+          <a:prstGeom prst="rect">
+            <a:avLst/>
+          </a:prstGeom>
+          <a:noFill/>
+          <a:ln w="38100">
+            <a:solidFill>
+              <a:schemeClr val="tx1"/>
+            </a:solidFill>
+          </a:ln>
+        </p:spPr>
+        <p:txBody>
+          <a:bodyPr wrap="square" rtlCol="0" anchor="ctr">
+            <a:spAutoFit/>
+          </a:bodyPr>
+          <a:lstStyle/>
+          <a:p>
+            <a:pPr algn="ctr"/>
+            <a:endParaRPr kumimoji="1" lang="en-US" altLang="ja-JP" sz="1050" dirty="0"/>
+          </a:p>
+          <a:p>
+            <a:pPr algn="ctr"/>
+            <a:r>
+              <a:rPr kumimoji="1" lang="en-US" altLang="ja-JP" baseline="30000" dirty="0"/>
+              <a:t>201</a:t>
+            </a:r>
+            <a:r>
+              <a:rPr kumimoji="1" lang="en-US" altLang="ja-JP" sz="2000" dirty="0"/>
+              <a:t>Bi</a:t>
+            </a:r>
+          </a:p>
+          <a:p>
+            <a:pPr algn="ctr"/>
+            <a:r>
+              <a:rPr kumimoji="1" lang="en-US" altLang="ja-JP" sz="1050" dirty="0"/>
+              <a:t>108 min.</a:t>
+            </a:r>
+            <a:endParaRPr kumimoji="1" lang="ja-JP" altLang="en-US" sz="1050" dirty="0"/>
+          </a:p>
+        </p:txBody>
+      </p:sp>
+      <p:sp>
+        <p:nvSpPr>
+          <p:cNvPr id="184" name="テキスト ボックス 2">
+            <a:extLst>
+              <a:ext uri="{FF2B5EF4-FFF2-40B4-BE49-F238E27FC236}">
+                <a16:creationId xmlns:a16="http://schemas.microsoft.com/office/drawing/2014/main" id="{A3E301D6-6D30-48B2-8B7D-96A758A942C3}"/>
+              </a:ext>
+            </a:extLst>
+          </p:cNvPr>
+          <p:cNvSpPr txBox="1"/>
+          <p:nvPr/>
+        </p:nvSpPr>
+        <p:spPr>
+          <a:xfrm>
+            <a:off x="2919827" y="3283042"/>
+            <a:ext cx="349952" cy="230832"/>
+          </a:xfrm>
+          <a:prstGeom prst="rect">
+            <a:avLst/>
+          </a:prstGeom>
+          <a:noFill/>
+        </p:spPr>
+        <p:txBody>
+          <a:bodyPr wrap="square" rtlCol="0">
+            <a:spAutoFit/>
+          </a:bodyPr>
+          <a:lstStyle/>
+          <a:p>
+            <a:pPr algn="ctr"/>
+            <a:r>
+              <a:rPr lang="en-US" altLang="ja-JP" sz="900" dirty="0">
+                <a:solidFill>
+                  <a:srgbClr val="FF0000"/>
+                </a:solidFill>
+              </a:rPr>
+              <a:t>4</a:t>
+            </a:r>
+            <a:r>
+              <a:rPr kumimoji="1" lang="en-US" altLang="ja-JP" sz="900" dirty="0">
+                <a:solidFill>
+                  <a:srgbClr val="FF0000"/>
+                </a:solidFill>
+              </a:rPr>
+              <a:t>%</a:t>
+            </a:r>
+            <a:endParaRPr kumimoji="1" lang="ja-JP" altLang="en-US" sz="900" dirty="0">
+              <a:solidFill>
+                <a:srgbClr val="FF0000"/>
+              </a:solidFill>
+            </a:endParaRPr>
+          </a:p>
+        </p:txBody>
+      </p:sp>
+      <p:cxnSp>
+        <p:nvCxnSpPr>
+          <p:cNvPr id="185" name="直線矢印コネクタ 7">
+            <a:extLst>
+              <a:ext uri="{FF2B5EF4-FFF2-40B4-BE49-F238E27FC236}">
+                <a16:creationId xmlns:a16="http://schemas.microsoft.com/office/drawing/2014/main" id="{36689884-9A20-44EC-966D-04CDC80C1211}"/>
+              </a:ext>
+            </a:extLst>
+          </p:cNvPr>
+          <p:cNvCxnSpPr>
+            <a:cxnSpLocks/>
+            <a:stCxn id="42" idx="2"/>
+            <a:endCxn id="186" idx="0"/>
+          </p:cNvCxnSpPr>
+          <p:nvPr/>
+        </p:nvCxnSpPr>
+        <p:spPr>
+          <a:xfrm flipH="1">
+            <a:off x="1352131" y="3276128"/>
+            <a:ext cx="2081301" cy="1841713"/>
+          </a:xfrm>
+          <a:prstGeom prst="straightConnector1">
+            <a:avLst/>
+          </a:prstGeom>
+          <a:ln w="76200">
+            <a:solidFill>
+              <a:srgbClr val="FF0000"/>
+            </a:solidFill>
+            <a:prstDash val="sysDot"/>
+            <a:tailEnd type="triangle"/>
+          </a:ln>
+        </p:spPr>
+        <p:style>
+          <a:lnRef idx="1">
+            <a:schemeClr val="accent1"/>
+          </a:lnRef>
+          <a:fillRef idx="0">
+            <a:schemeClr val="accent1"/>
+          </a:fillRef>
+          <a:effectRef idx="0">
+            <a:schemeClr val="accent1"/>
+          </a:effectRef>
+          <a:fontRef idx="minor">
+            <a:schemeClr val="tx1"/>
+          </a:fontRef>
+        </p:style>
+      </p:cxnSp>
+      <p:sp>
+        <p:nvSpPr>
+          <p:cNvPr id="186" name="テキスト ボックス 22">
+            <a:extLst>
+              <a:ext uri="{FF2B5EF4-FFF2-40B4-BE49-F238E27FC236}">
+                <a16:creationId xmlns:a16="http://schemas.microsoft.com/office/drawing/2014/main" id="{9EEA6FB8-92B4-4922-A2D5-CF99559913C2}"/>
+              </a:ext>
+            </a:extLst>
+          </p:cNvPr>
+          <p:cNvSpPr txBox="1"/>
+          <p:nvPr/>
+        </p:nvSpPr>
+        <p:spPr>
+          <a:xfrm>
+            <a:off x="939114" y="5117841"/>
+            <a:ext cx="826033" cy="723275"/>
+          </a:xfrm>
+          <a:prstGeom prst="rect">
+            <a:avLst/>
+          </a:prstGeom>
+          <a:noFill/>
+          <a:ln w="38100">
+            <a:solidFill>
+              <a:schemeClr val="tx1"/>
+            </a:solidFill>
+          </a:ln>
+        </p:spPr>
+        <p:txBody>
+          <a:bodyPr wrap="square" rtlCol="0" anchor="ctr">
+            <a:spAutoFit/>
+          </a:bodyPr>
+          <a:lstStyle/>
+          <a:p>
+            <a:pPr algn="ctr"/>
+            <a:endParaRPr kumimoji="1" lang="en-US" altLang="ja-JP" sz="1050" dirty="0"/>
+          </a:p>
+          <a:p>
+            <a:pPr algn="ctr"/>
+            <a:r>
+              <a:rPr kumimoji="1" lang="en-US" altLang="ja-JP" baseline="30000" dirty="0"/>
+              <a:t>200</a:t>
+            </a:r>
+            <a:r>
+              <a:rPr kumimoji="1" lang="en-US" altLang="ja-JP" sz="2000" dirty="0"/>
+              <a:t>Bi</a:t>
+            </a:r>
+          </a:p>
+          <a:p>
+            <a:pPr algn="ctr"/>
+            <a:r>
+              <a:rPr kumimoji="1" lang="en-US" altLang="ja-JP" sz="1050" dirty="0"/>
+              <a:t>36.4 min.</a:t>
+            </a:r>
+            <a:endParaRPr kumimoji="1" lang="ja-JP" altLang="en-US" sz="1050" dirty="0"/>
+          </a:p>
+        </p:txBody>
+      </p:sp>
+      <p:sp>
+        <p:nvSpPr>
+          <p:cNvPr id="189" name="テキスト ボックス 2">
+            <a:extLst>
+              <a:ext uri="{FF2B5EF4-FFF2-40B4-BE49-F238E27FC236}">
+                <a16:creationId xmlns:a16="http://schemas.microsoft.com/office/drawing/2014/main" id="{9D75C92A-3821-4FED-B4D2-BD1E865C145F}"/>
+              </a:ext>
+            </a:extLst>
+          </p:cNvPr>
+          <p:cNvSpPr txBox="1"/>
+          <p:nvPr/>
+        </p:nvSpPr>
+        <p:spPr>
+          <a:xfrm>
+            <a:off x="7141892" y="4553339"/>
+            <a:ext cx="463769" cy="230832"/>
+          </a:xfrm>
+          <a:prstGeom prst="rect">
+            <a:avLst/>
+          </a:prstGeom>
+          <a:noFill/>
+        </p:spPr>
+        <p:txBody>
+          <a:bodyPr wrap="square" rtlCol="0">
+            <a:spAutoFit/>
+          </a:bodyPr>
+          <a:lstStyle/>
+          <a:p>
+            <a:pPr algn="ctr"/>
+            <a:r>
+              <a:rPr kumimoji="1" lang="en-US" altLang="ja-JP" sz="900" dirty="0">
+                <a:solidFill>
+                  <a:srgbClr val="FF0000"/>
+                </a:solidFill>
+              </a:rPr>
+              <a:t>&lt;1%</a:t>
+            </a:r>
+            <a:endParaRPr kumimoji="1" lang="ja-JP" altLang="en-US" sz="900" dirty="0">
+              <a:solidFill>
+                <a:srgbClr val="FF0000"/>
+              </a:solidFill>
+            </a:endParaRPr>
+          </a:p>
+        </p:txBody>
+      </p:sp>
+      <p:sp>
+        <p:nvSpPr>
+          <p:cNvPr id="190" name="テキスト ボックス 2">
+            <a:extLst>
+              <a:ext uri="{FF2B5EF4-FFF2-40B4-BE49-F238E27FC236}">
+                <a16:creationId xmlns:a16="http://schemas.microsoft.com/office/drawing/2014/main" id="{D7576D47-BE5E-4865-B38E-9E0D86673DD4}"/>
+              </a:ext>
+            </a:extLst>
+          </p:cNvPr>
+          <p:cNvSpPr txBox="1"/>
+          <p:nvPr/>
+        </p:nvSpPr>
+        <p:spPr>
+          <a:xfrm>
+            <a:off x="5003048" y="4553339"/>
+            <a:ext cx="463769" cy="230832"/>
+          </a:xfrm>
+          <a:prstGeom prst="rect">
+            <a:avLst/>
+          </a:prstGeom>
+          <a:noFill/>
+        </p:spPr>
+        <p:txBody>
+          <a:bodyPr wrap="square" rtlCol="0">
+            <a:spAutoFit/>
+          </a:bodyPr>
+          <a:lstStyle/>
+          <a:p>
+            <a:pPr algn="ctr"/>
+            <a:r>
+              <a:rPr kumimoji="1" lang="en-US" altLang="ja-JP" sz="900" dirty="0">
+                <a:solidFill>
+                  <a:srgbClr val="FF0000"/>
+                </a:solidFill>
+              </a:rPr>
+              <a:t>&lt;1%</a:t>
+            </a:r>
+            <a:endParaRPr kumimoji="1" lang="ja-JP" altLang="en-US" sz="900" dirty="0">
+              <a:solidFill>
+                <a:srgbClr val="FF0000"/>
+              </a:solidFill>
+            </a:endParaRPr>
+          </a:p>
+        </p:txBody>
+      </p:sp>
+      <p:sp>
+        <p:nvSpPr>
+          <p:cNvPr id="191" name="テキスト ボックス 2">
+            <a:extLst>
+              <a:ext uri="{FF2B5EF4-FFF2-40B4-BE49-F238E27FC236}">
+                <a16:creationId xmlns:a16="http://schemas.microsoft.com/office/drawing/2014/main" id="{41684098-3630-4F3E-BF67-5E25EC859458}"/>
+              </a:ext>
+            </a:extLst>
+          </p:cNvPr>
+          <p:cNvSpPr txBox="1"/>
+          <p:nvPr/>
+        </p:nvSpPr>
+        <p:spPr>
+          <a:xfrm>
+            <a:off x="3927237" y="4553339"/>
+            <a:ext cx="463769" cy="230832"/>
+          </a:xfrm>
+          <a:prstGeom prst="rect">
+            <a:avLst/>
+          </a:prstGeom>
+          <a:noFill/>
+        </p:spPr>
+        <p:txBody>
+          <a:bodyPr wrap="square" rtlCol="0">
+            <a:spAutoFit/>
+          </a:bodyPr>
+          <a:lstStyle/>
+          <a:p>
+            <a:pPr algn="ctr"/>
+            <a:r>
+              <a:rPr kumimoji="1" lang="en-US" altLang="ja-JP" sz="900" dirty="0">
+                <a:solidFill>
+                  <a:srgbClr val="FF0000"/>
+                </a:solidFill>
+              </a:rPr>
+              <a:t>&lt;1%</a:t>
+            </a:r>
+            <a:endParaRPr kumimoji="1" lang="ja-JP" altLang="en-US" sz="900" dirty="0">
+              <a:solidFill>
+                <a:srgbClr val="FF0000"/>
+              </a:solidFill>
+            </a:endParaRPr>
+          </a:p>
+        </p:txBody>
+      </p:sp>
+      <p:cxnSp>
+        <p:nvCxnSpPr>
+          <p:cNvPr id="192" name="直線矢印コネクタ 5">
+            <a:extLst>
+              <a:ext uri="{FF2B5EF4-FFF2-40B4-BE49-F238E27FC236}">
+                <a16:creationId xmlns:a16="http://schemas.microsoft.com/office/drawing/2014/main" id="{813BB9D6-1AD6-4BA9-A762-116FD750A09D}"/>
+              </a:ext>
+            </a:extLst>
+          </p:cNvPr>
+          <p:cNvCxnSpPr>
+            <a:cxnSpLocks/>
+            <a:stCxn id="102" idx="2"/>
+            <a:endCxn id="109" idx="0"/>
+          </p:cNvCxnSpPr>
+          <p:nvPr/>
+        </p:nvCxnSpPr>
+        <p:spPr>
+          <a:xfrm>
+            <a:off x="5527729" y="4556318"/>
+            <a:ext cx="1037282" cy="556915"/>
+          </a:xfrm>
+          <a:prstGeom prst="straightConnector1">
+            <a:avLst/>
+          </a:prstGeom>
+          <a:ln w="76200">
+            <a:tailEnd type="triangle"/>
+          </a:ln>
+        </p:spPr>
+        <p:style>
+          <a:lnRef idx="1">
+            <a:schemeClr val="accent1"/>
+          </a:lnRef>
+          <a:fillRef idx="0">
+            <a:schemeClr val="accent1"/>
+          </a:fillRef>
+          <a:effectRef idx="0">
+            <a:schemeClr val="accent1"/>
+          </a:effectRef>
+          <a:fontRef idx="minor">
+            <a:schemeClr val="tx1"/>
+          </a:fontRef>
+        </p:style>
+      </p:cxnSp>
+      <p:sp>
+        <p:nvSpPr>
+          <p:cNvPr id="199" name="テキスト ボックス 2">
+            <a:extLst>
+              <a:ext uri="{FF2B5EF4-FFF2-40B4-BE49-F238E27FC236}">
+                <a16:creationId xmlns:a16="http://schemas.microsoft.com/office/drawing/2014/main" id="{98597778-4353-4F0B-AE1E-ACFE0A13105F}"/>
+              </a:ext>
+            </a:extLst>
+          </p:cNvPr>
+          <p:cNvSpPr txBox="1"/>
+          <p:nvPr/>
+        </p:nvSpPr>
+        <p:spPr>
+          <a:xfrm>
+            <a:off x="4024720" y="5841116"/>
+            <a:ext cx="463769" cy="230832"/>
+          </a:xfrm>
+          <a:prstGeom prst="rect">
+            <a:avLst/>
+          </a:prstGeom>
+          <a:noFill/>
+        </p:spPr>
+        <p:txBody>
+          <a:bodyPr wrap="square" rtlCol="0">
+            <a:spAutoFit/>
+          </a:bodyPr>
+          <a:lstStyle/>
+          <a:p>
+            <a:pPr algn="ctr"/>
+            <a:r>
+              <a:rPr kumimoji="1" lang="en-US" altLang="ja-JP" sz="900" dirty="0">
+                <a:solidFill>
+                  <a:srgbClr val="FF0000"/>
+                </a:solidFill>
+              </a:rPr>
+              <a:t>&lt;1%</a:t>
+            </a:r>
+            <a:endParaRPr kumimoji="1" lang="ja-JP" altLang="en-US" sz="900" dirty="0">
+              <a:solidFill>
+                <a:srgbClr val="FF0000"/>
+              </a:solidFill>
+            </a:endParaRPr>
+          </a:p>
+        </p:txBody>
+      </p:sp>
+      <p:sp>
+        <p:nvSpPr>
+          <p:cNvPr id="200" name="テキスト ボックス 2">
+            <a:extLst>
+              <a:ext uri="{FF2B5EF4-FFF2-40B4-BE49-F238E27FC236}">
+                <a16:creationId xmlns:a16="http://schemas.microsoft.com/office/drawing/2014/main" id="{0EA326E7-C985-406D-9B50-FE140E058014}"/>
+              </a:ext>
+            </a:extLst>
+          </p:cNvPr>
+          <p:cNvSpPr txBox="1"/>
+          <p:nvPr/>
+        </p:nvSpPr>
+        <p:spPr>
+          <a:xfrm>
+            <a:off x="1937722" y="5841116"/>
+            <a:ext cx="463769" cy="230832"/>
+          </a:xfrm>
+          <a:prstGeom prst="rect">
+            <a:avLst/>
+          </a:prstGeom>
+          <a:noFill/>
+        </p:spPr>
+        <p:txBody>
+          <a:bodyPr wrap="square" rtlCol="0">
+            <a:spAutoFit/>
+          </a:bodyPr>
+          <a:lstStyle/>
+          <a:p>
+            <a:pPr algn="ctr"/>
+            <a:r>
+              <a:rPr kumimoji="1" lang="en-US" altLang="ja-JP" sz="900" dirty="0">
+                <a:solidFill>
+                  <a:srgbClr val="FF0000"/>
+                </a:solidFill>
+              </a:rPr>
+              <a:t>&lt;1%</a:t>
+            </a:r>
+            <a:endParaRPr kumimoji="1" lang="ja-JP" altLang="en-US" sz="900" dirty="0">
+              <a:solidFill>
+                <a:srgbClr val="FF0000"/>
+              </a:solidFill>
+            </a:endParaRPr>
+          </a:p>
+        </p:txBody>
+      </p:sp>
+      <p:sp>
+        <p:nvSpPr>
+          <p:cNvPr id="201" name="テキスト ボックス 2">
+            <a:extLst>
+              <a:ext uri="{FF2B5EF4-FFF2-40B4-BE49-F238E27FC236}">
+                <a16:creationId xmlns:a16="http://schemas.microsoft.com/office/drawing/2014/main" id="{FE784317-2621-4ED7-9522-CDF3CFBEB553}"/>
+              </a:ext>
+            </a:extLst>
+          </p:cNvPr>
+          <p:cNvSpPr txBox="1"/>
+          <p:nvPr/>
+        </p:nvSpPr>
+        <p:spPr>
+          <a:xfrm>
+            <a:off x="860136" y="5841116"/>
+            <a:ext cx="463769" cy="230832"/>
+          </a:xfrm>
+          <a:prstGeom prst="rect">
+            <a:avLst/>
+          </a:prstGeom>
+          <a:noFill/>
+        </p:spPr>
+        <p:txBody>
+          <a:bodyPr wrap="square" rtlCol="0">
+            <a:spAutoFit/>
+          </a:bodyPr>
+          <a:lstStyle/>
+          <a:p>
+            <a:pPr algn="ctr"/>
+            <a:r>
+              <a:rPr kumimoji="1" lang="en-US" altLang="ja-JP" sz="900" dirty="0">
+                <a:solidFill>
+                  <a:srgbClr val="FF0000"/>
+                </a:solidFill>
+              </a:rPr>
+              <a:t>&lt;1%</a:t>
+            </a:r>
+            <a:endParaRPr kumimoji="1" lang="ja-JP" altLang="en-US" sz="900" dirty="0">
+              <a:solidFill>
+                <a:srgbClr val="FF0000"/>
+              </a:solidFill>
+            </a:endParaRPr>
+          </a:p>
+        </p:txBody>
+      </p:sp>
+      <p:cxnSp>
+        <p:nvCxnSpPr>
+          <p:cNvPr id="202" name="直線矢印コネクタ 7">
+            <a:extLst>
+              <a:ext uri="{FF2B5EF4-FFF2-40B4-BE49-F238E27FC236}">
+                <a16:creationId xmlns:a16="http://schemas.microsoft.com/office/drawing/2014/main" id="{ABF7D9FB-3902-449C-A22B-DE494D6465FB}"/>
+              </a:ext>
+            </a:extLst>
+          </p:cNvPr>
+          <p:cNvCxnSpPr>
+            <a:cxnSpLocks/>
+            <a:endCxn id="203" idx="0"/>
+          </p:cNvCxnSpPr>
+          <p:nvPr/>
+        </p:nvCxnSpPr>
+        <p:spPr>
+          <a:xfrm flipH="1">
+            <a:off x="9621241" y="4564174"/>
+            <a:ext cx="2154526" cy="1570551"/>
+          </a:xfrm>
+          <a:prstGeom prst="straightConnector1">
+            <a:avLst/>
+          </a:prstGeom>
+          <a:ln w="76200">
+            <a:solidFill>
+              <a:srgbClr val="FF0000"/>
+            </a:solidFill>
+            <a:prstDash val="sysDot"/>
+            <a:tailEnd type="triangle"/>
+          </a:ln>
+        </p:spPr>
+        <p:style>
+          <a:lnRef idx="1">
+            <a:schemeClr val="accent1"/>
+          </a:lnRef>
+          <a:fillRef idx="0">
+            <a:schemeClr val="accent1"/>
+          </a:fillRef>
+          <a:effectRef idx="0">
+            <a:schemeClr val="accent1"/>
+          </a:effectRef>
+          <a:fontRef idx="minor">
+            <a:schemeClr val="tx1"/>
+          </a:fontRef>
+        </p:style>
+      </p:cxnSp>
+      <p:sp>
+        <p:nvSpPr>
+          <p:cNvPr id="203" name="テキスト ボックス 22">
+            <a:extLst>
+              <a:ext uri="{FF2B5EF4-FFF2-40B4-BE49-F238E27FC236}">
+                <a16:creationId xmlns:a16="http://schemas.microsoft.com/office/drawing/2014/main" id="{4D4C863A-4DD5-46A7-9A38-BCE72E5BC2AC}"/>
+              </a:ext>
+            </a:extLst>
+          </p:cNvPr>
+          <p:cNvSpPr txBox="1"/>
+          <p:nvPr/>
+        </p:nvSpPr>
+        <p:spPr>
+          <a:xfrm>
+            <a:off x="9208224" y="6134725"/>
+            <a:ext cx="826033" cy="723275"/>
+          </a:xfrm>
+          <a:prstGeom prst="rect">
+            <a:avLst/>
+          </a:prstGeom>
+          <a:solidFill>
+            <a:schemeClr val="bg1"/>
+          </a:solidFill>
+          <a:ln w="38100">
+            <a:solidFill>
+              <a:schemeClr val="tx1"/>
+            </a:solidFill>
+          </a:ln>
+        </p:spPr>
+        <p:txBody>
+          <a:bodyPr wrap="square" rtlCol="0" anchor="ctr">
+            <a:spAutoFit/>
+          </a:bodyPr>
+          <a:lstStyle/>
+          <a:p>
+            <a:pPr algn="ctr"/>
+            <a:endParaRPr kumimoji="1" lang="en-US" altLang="ja-JP" sz="1050" dirty="0"/>
+          </a:p>
+          <a:p>
+            <a:pPr algn="ctr"/>
+            <a:r>
+              <a:rPr kumimoji="1" lang="en-US" altLang="ja-JP" baseline="30000" dirty="0"/>
+              <a:t>207</a:t>
+            </a:r>
+            <a:r>
+              <a:rPr kumimoji="1" lang="en-US" altLang="ja-JP" sz="2000" dirty="0"/>
+              <a:t>Pb</a:t>
+            </a:r>
+          </a:p>
+          <a:p>
+            <a:pPr algn="ctr"/>
+            <a:r>
+              <a:rPr kumimoji="1" lang="ja-JP" altLang="en-US" sz="1050" dirty="0"/>
+              <a:t>∞</a:t>
+            </a:r>
+          </a:p>
+        </p:txBody>
+      </p:sp>
+    </p:spTree>
+    <p:extLst>
+      <p:ext uri="{BB962C8B-B14F-4D97-AF65-F5344CB8AC3E}">
+        <p14:creationId xmlns:p14="http://schemas.microsoft.com/office/powerpoint/2010/main" val="4058856150"/>
       </p:ext>
     </p:extLst>
   </p:cSld>

--- a/fr_decay/fr_decay.pptx
+++ b/fr_decay/fr_decay.pptx
@@ -13826,6 +13826,49 @@
           </a:p>
         </p:txBody>
       </p:sp>
+      <p:cxnSp>
+        <p:nvCxnSpPr>
+          <p:cNvPr id="90" name="直線矢印コネクタ 5">
+            <a:extLst>
+              <a:ext uri="{FF2B5EF4-FFF2-40B4-BE49-F238E27FC236}">
+                <a16:creationId xmlns:a16="http://schemas.microsoft.com/office/drawing/2014/main" id="{EE498E42-E5FD-4157-BE2F-447248B6B99D}"/>
+              </a:ext>
+            </a:extLst>
+          </p:cNvPr>
+          <p:cNvCxnSpPr>
+            <a:cxnSpLocks/>
+            <a:stCxn id="36" idx="2"/>
+            <a:endCxn id="101" idx="0"/>
+          </p:cNvCxnSpPr>
+          <p:nvPr/>
+        </p:nvCxnSpPr>
+        <p:spPr>
+          <a:xfrm>
+            <a:off x="5527729" y="3276129"/>
+            <a:ext cx="1037282" cy="559219"/>
+          </a:xfrm>
+          <a:prstGeom prst="straightConnector1">
+            <a:avLst/>
+          </a:prstGeom>
+          <a:ln w="76200">
+            <a:tailEnd type="triangle"/>
+          </a:ln>
+        </p:spPr>
+        <p:style>
+          <a:lnRef idx="1">
+            <a:schemeClr val="accent1"/>
+          </a:lnRef>
+          <a:fillRef idx="0">
+            <a:schemeClr val="accent1"/>
+          </a:fillRef>
+          <a:effectRef idx="0">
+            <a:schemeClr val="accent1"/>
+          </a:effectRef>
+          <a:fontRef idx="minor">
+            <a:schemeClr val="tx1"/>
+          </a:fontRef>
+        </p:style>
+      </p:cxnSp>
     </p:spTree>
     <p:extLst>
       <p:ext uri="{BB962C8B-B14F-4D97-AF65-F5344CB8AC3E}">

--- a/fr_decay/fr_decay.pptx
+++ b/fr_decay/fr_decay.pptx
@@ -270,7 +270,7 @@
           <a:p>
             <a:fld id="{284171C4-9060-4136-AD00-37819C28F9FC}" type="datetimeFigureOut">
               <a:rPr kumimoji="1" lang="ja-JP" altLang="en-US" smtClean="0"/>
-              <a:t>2019/12/5</a:t>
+              <a:t>2019/12/9</a:t>
             </a:fld>
             <a:endParaRPr kumimoji="1" lang="ja-JP" altLang="en-US"/>
           </a:p>
@@ -500,7 +500,7 @@
           <a:p>
             <a:fld id="{284171C4-9060-4136-AD00-37819C28F9FC}" type="datetimeFigureOut">
               <a:rPr kumimoji="1" lang="ja-JP" altLang="en-US" smtClean="0"/>
-              <a:t>2019/12/5</a:t>
+              <a:t>2019/12/9</a:t>
             </a:fld>
             <a:endParaRPr kumimoji="1" lang="ja-JP" altLang="en-US"/>
           </a:p>
@@ -740,7 +740,7 @@
           <a:p>
             <a:fld id="{284171C4-9060-4136-AD00-37819C28F9FC}" type="datetimeFigureOut">
               <a:rPr kumimoji="1" lang="ja-JP" altLang="en-US" smtClean="0"/>
-              <a:t>2019/12/5</a:t>
+              <a:t>2019/12/9</a:t>
             </a:fld>
             <a:endParaRPr kumimoji="1" lang="ja-JP" altLang="en-US"/>
           </a:p>
@@ -970,7 +970,7 @@
           <a:p>
             <a:fld id="{284171C4-9060-4136-AD00-37819C28F9FC}" type="datetimeFigureOut">
               <a:rPr kumimoji="1" lang="ja-JP" altLang="en-US" smtClean="0"/>
-              <a:t>2019/12/5</a:t>
+              <a:t>2019/12/9</a:t>
             </a:fld>
             <a:endParaRPr kumimoji="1" lang="ja-JP" altLang="en-US"/>
           </a:p>
@@ -1245,7 +1245,7 @@
           <a:p>
             <a:fld id="{284171C4-9060-4136-AD00-37819C28F9FC}" type="datetimeFigureOut">
               <a:rPr kumimoji="1" lang="ja-JP" altLang="en-US" smtClean="0"/>
-              <a:t>2019/12/5</a:t>
+              <a:t>2019/12/9</a:t>
             </a:fld>
             <a:endParaRPr kumimoji="1" lang="ja-JP" altLang="en-US"/>
           </a:p>
@@ -1574,7 +1574,7 @@
           <a:p>
             <a:fld id="{284171C4-9060-4136-AD00-37819C28F9FC}" type="datetimeFigureOut">
               <a:rPr kumimoji="1" lang="ja-JP" altLang="en-US" smtClean="0"/>
-              <a:t>2019/12/5</a:t>
+              <a:t>2019/12/9</a:t>
             </a:fld>
             <a:endParaRPr kumimoji="1" lang="ja-JP" altLang="en-US"/>
           </a:p>
@@ -2050,7 +2050,7 @@
           <a:p>
             <a:fld id="{284171C4-9060-4136-AD00-37819C28F9FC}" type="datetimeFigureOut">
               <a:rPr kumimoji="1" lang="ja-JP" altLang="en-US" smtClean="0"/>
-              <a:t>2019/12/5</a:t>
+              <a:t>2019/12/9</a:t>
             </a:fld>
             <a:endParaRPr kumimoji="1" lang="ja-JP" altLang="en-US"/>
           </a:p>
@@ -2191,7 +2191,7 @@
           <a:p>
             <a:fld id="{284171C4-9060-4136-AD00-37819C28F9FC}" type="datetimeFigureOut">
               <a:rPr kumimoji="1" lang="ja-JP" altLang="en-US" smtClean="0"/>
-              <a:t>2019/12/5</a:t>
+              <a:t>2019/12/9</a:t>
             </a:fld>
             <a:endParaRPr kumimoji="1" lang="ja-JP" altLang="en-US"/>
           </a:p>
@@ -2304,7 +2304,7 @@
           <a:p>
             <a:fld id="{284171C4-9060-4136-AD00-37819C28F9FC}" type="datetimeFigureOut">
               <a:rPr kumimoji="1" lang="ja-JP" altLang="en-US" smtClean="0"/>
-              <a:t>2019/12/5</a:t>
+              <a:t>2019/12/9</a:t>
             </a:fld>
             <a:endParaRPr kumimoji="1" lang="ja-JP" altLang="en-US"/>
           </a:p>
@@ -2647,7 +2647,7 @@
           <a:p>
             <a:fld id="{284171C4-9060-4136-AD00-37819C28F9FC}" type="datetimeFigureOut">
               <a:rPr kumimoji="1" lang="ja-JP" altLang="en-US" smtClean="0"/>
-              <a:t>2019/12/5</a:t>
+              <a:t>2019/12/9</a:t>
             </a:fld>
             <a:endParaRPr kumimoji="1" lang="ja-JP" altLang="en-US"/>
           </a:p>
@@ -2935,7 +2935,7 @@
           <a:p>
             <a:fld id="{284171C4-9060-4136-AD00-37819C28F9FC}" type="datetimeFigureOut">
               <a:rPr kumimoji="1" lang="ja-JP" altLang="en-US" smtClean="0"/>
-              <a:t>2019/12/5</a:t>
+              <a:t>2019/12/9</a:t>
             </a:fld>
             <a:endParaRPr kumimoji="1" lang="ja-JP" altLang="en-US"/>
           </a:p>
@@ -3208,7 +3208,7 @@
           <a:p>
             <a:fld id="{284171C4-9060-4136-AD00-37819C28F9FC}" type="datetimeFigureOut">
               <a:rPr kumimoji="1" lang="ja-JP" altLang="en-US" smtClean="0"/>
-              <a:t>2019/12/5</a:t>
+              <a:t>2019/12/9</a:t>
             </a:fld>
             <a:endParaRPr kumimoji="1" lang="ja-JP" altLang="en-US"/>
           </a:p>
@@ -4953,8 +4953,8 @@
         </p:nvSpPr>
         <p:spPr>
           <a:xfrm>
-            <a:off x="243461" y="1758818"/>
-            <a:ext cx="2136182" cy="1015663"/>
+            <a:off x="99859" y="1529713"/>
+            <a:ext cx="2136182" cy="1077218"/>
           </a:xfrm>
           <a:prstGeom prst="rect">
             <a:avLst/>
@@ -4973,8 +4973,12 @@
           <a:lstStyle/>
           <a:p>
             <a:r>
-              <a:rPr lang="en-US" sz="1200" dirty="0"/>
-              <a:t>211Fr</a:t>
+              <a:rPr lang="en-US" sz="1600" baseline="30000" dirty="0"/>
+              <a:t>211</a:t>
+            </a:r>
+            <a:r>
+              <a:rPr lang="en-US" sz="1600" dirty="0"/>
+              <a:t>Fr</a:t>
             </a:r>
           </a:p>
           <a:p>
@@ -5017,8 +5021,8 @@
         </p:nvSpPr>
         <p:spPr>
           <a:xfrm>
-            <a:off x="243461" y="3156002"/>
-            <a:ext cx="2234638" cy="1569660"/>
+            <a:off x="99859" y="2691123"/>
+            <a:ext cx="2133360" cy="1631216"/>
           </a:xfrm>
           <a:prstGeom prst="rect">
             <a:avLst/>
@@ -5037,8 +5041,12 @@
           <a:lstStyle/>
           <a:p>
             <a:r>
-              <a:rPr lang="en-US" sz="1200" dirty="0"/>
-              <a:t>211Rn</a:t>
+              <a:rPr lang="en-US" sz="1600" baseline="30000" dirty="0"/>
+              <a:t>211</a:t>
+            </a:r>
+            <a:r>
+              <a:rPr lang="en-US" sz="1600" dirty="0"/>
+              <a:t>Rn</a:t>
             </a:r>
           </a:p>
           <a:p>
@@ -5197,8 +5205,8 @@
         </p:nvSpPr>
         <p:spPr>
           <a:xfrm>
-            <a:off x="264750" y="4926702"/>
-            <a:ext cx="2478099" cy="1200329"/>
+            <a:off x="2359028" y="2844376"/>
+            <a:ext cx="2478099" cy="1261884"/>
           </a:xfrm>
           <a:prstGeom prst="rect">
             <a:avLst/>
@@ -5217,8 +5225,12 @@
           <a:lstStyle/>
           <a:p>
             <a:r>
-              <a:rPr lang="en-US" sz="1200" dirty="0"/>
-              <a:t>211At</a:t>
+              <a:rPr lang="en-US" sz="1600" baseline="30000" dirty="0"/>
+              <a:t>211</a:t>
+            </a:r>
+            <a:r>
+              <a:rPr lang="en-US" sz="1600" dirty="0"/>
+              <a:t>At</a:t>
             </a:r>
           </a:p>
           <a:p>
@@ -5328,8 +5340,8 @@
         </p:nvSpPr>
         <p:spPr>
           <a:xfrm>
-            <a:off x="2738792" y="3517639"/>
-            <a:ext cx="2353908" cy="1015663"/>
+            <a:off x="7013912" y="54506"/>
+            <a:ext cx="2353908" cy="1077218"/>
           </a:xfrm>
           <a:prstGeom prst="rect">
             <a:avLst/>
@@ -5348,8 +5360,12 @@
           <a:lstStyle/>
           <a:p>
             <a:r>
-              <a:rPr lang="en-US" sz="1200" dirty="0"/>
-              <a:t>211Po</a:t>
+              <a:rPr lang="en-US" sz="1600" baseline="30000" dirty="0"/>
+              <a:t>211</a:t>
+            </a:r>
+            <a:r>
+              <a:rPr lang="en-US" sz="1600" dirty="0"/>
+              <a:t>Po</a:t>
             </a:r>
           </a:p>
           <a:p>
@@ -5392,8 +5408,8 @@
         </p:nvSpPr>
         <p:spPr>
           <a:xfrm>
-            <a:off x="2933700" y="4768626"/>
-            <a:ext cx="1196465" cy="461665"/>
+            <a:off x="2359028" y="4260470"/>
+            <a:ext cx="1196465" cy="523220"/>
           </a:xfrm>
           <a:prstGeom prst="rect">
             <a:avLst/>
@@ -5412,8 +5428,12 @@
           <a:lstStyle/>
           <a:p>
             <a:r>
-              <a:rPr lang="en-US" sz="1200" dirty="0"/>
-              <a:t>207At</a:t>
+              <a:rPr lang="en-US" sz="1600" baseline="30000" dirty="0"/>
+              <a:t>207</a:t>
+            </a:r>
+            <a:r>
+              <a:rPr lang="en-US" sz="1600" dirty="0"/>
+              <a:t>At</a:t>
             </a:r>
           </a:p>
           <a:p>
@@ -5536,8 +5556,8 @@
         </p:nvSpPr>
         <p:spPr>
           <a:xfrm>
-            <a:off x="2946904" y="5338012"/>
-            <a:ext cx="1320296" cy="461665"/>
+            <a:off x="3686481" y="4266066"/>
+            <a:ext cx="1320296" cy="523220"/>
           </a:xfrm>
           <a:prstGeom prst="rect">
             <a:avLst/>
@@ -5556,8 +5576,12 @@
           <a:lstStyle/>
           <a:p>
             <a:r>
-              <a:rPr lang="en-US" sz="1200" dirty="0"/>
-              <a:t>207Po</a:t>
+              <a:rPr lang="en-US" sz="1600" baseline="30000" dirty="0"/>
+              <a:t>207</a:t>
+            </a:r>
+            <a:r>
+              <a:rPr lang="en-US" sz="1600" dirty="0"/>
+              <a:t>Po</a:t>
             </a:r>
           </a:p>
           <a:p>
@@ -7435,8 +7459,8 @@
         </p:nvSpPr>
         <p:spPr>
           <a:xfrm>
-            <a:off x="9669567" y="2290671"/>
-            <a:ext cx="2136182" cy="2492990"/>
+            <a:off x="9741833" y="2206113"/>
+            <a:ext cx="2136182" cy="2554545"/>
           </a:xfrm>
           <a:prstGeom prst="rect">
             <a:avLst/>
@@ -7455,8 +7479,12 @@
           <a:lstStyle/>
           <a:p>
             <a:r>
-              <a:rPr lang="en-US" sz="1200" dirty="0"/>
-              <a:t>212Fr</a:t>
+              <a:rPr lang="en-US" sz="1600" baseline="30000" dirty="0"/>
+              <a:t>212</a:t>
+            </a:r>
+            <a:r>
+              <a:rPr lang="en-US" sz="1600" dirty="0"/>
+              <a:t>Fr</a:t>
             </a:r>
           </a:p>
           <a:p>
@@ -7592,8 +7620,8 @@
         </p:nvSpPr>
         <p:spPr>
           <a:xfrm>
-            <a:off x="9015252" y="92655"/>
-            <a:ext cx="2136182" cy="646331"/>
+            <a:off x="9741833" y="479113"/>
+            <a:ext cx="2136182" cy="707886"/>
           </a:xfrm>
           <a:prstGeom prst="rect">
             <a:avLst/>
@@ -7612,8 +7640,12 @@
           <a:lstStyle/>
           <a:p>
             <a:r>
-              <a:rPr lang="en-US" sz="1200" dirty="0"/>
-              <a:t>212Rn</a:t>
+              <a:rPr lang="en-US" sz="1600" baseline="30000" dirty="0"/>
+              <a:t>212</a:t>
+            </a:r>
+            <a:r>
+              <a:rPr lang="en-US" sz="1600" dirty="0"/>
+              <a:t>Rn</a:t>
             </a:r>
           </a:p>
           <a:p>
@@ -7644,8 +7676,8 @@
         </p:nvSpPr>
         <p:spPr>
           <a:xfrm>
-            <a:off x="9015251" y="946975"/>
-            <a:ext cx="2350715" cy="646331"/>
+            <a:off x="9527300" y="1342613"/>
+            <a:ext cx="2350715" cy="707886"/>
           </a:xfrm>
           <a:prstGeom prst="rect">
             <a:avLst/>
@@ -7664,8 +7696,12 @@
           <a:lstStyle/>
           <a:p>
             <a:r>
-              <a:rPr lang="en-US" sz="1200" dirty="0"/>
-              <a:t>208Po</a:t>
+              <a:rPr lang="en-US" sz="1600" baseline="30000" dirty="0"/>
+              <a:t>208</a:t>
+            </a:r>
+            <a:r>
+              <a:rPr lang="en-US" sz="1600" dirty="0"/>
+              <a:t>Po</a:t>
             </a:r>
           </a:p>
           <a:p>
@@ -8065,8 +8101,8 @@
         </p:nvSpPr>
         <p:spPr>
           <a:xfrm>
-            <a:off x="5917409" y="82129"/>
-            <a:ext cx="2350715" cy="830997"/>
+            <a:off x="6809901" y="475881"/>
+            <a:ext cx="2350715" cy="892552"/>
           </a:xfrm>
           <a:prstGeom prst="rect">
             <a:avLst/>
@@ -8085,8 +8121,12 @@
           <a:lstStyle/>
           <a:p>
             <a:r>
-              <a:rPr lang="en-US" sz="1200" dirty="0"/>
-              <a:t>208At</a:t>
+              <a:rPr lang="en-US" sz="1600" baseline="30000" dirty="0"/>
+              <a:t>208</a:t>
+            </a:r>
+            <a:r>
+              <a:rPr lang="en-US" sz="1600" dirty="0"/>
+              <a:t>At</a:t>
             </a:r>
           </a:p>
           <a:p>
@@ -8123,8 +8163,8 @@
         </p:nvSpPr>
         <p:spPr>
           <a:xfrm>
-            <a:off x="170958" y="4161359"/>
-            <a:ext cx="2136182" cy="646331"/>
+            <a:off x="182419" y="3936024"/>
+            <a:ext cx="2136182" cy="707886"/>
           </a:xfrm>
           <a:prstGeom prst="rect">
             <a:avLst/>
@@ -8143,8 +8183,12 @@
           <a:lstStyle/>
           <a:p>
             <a:r>
-              <a:rPr lang="en-US" sz="1200" dirty="0"/>
-              <a:t>208Rn</a:t>
+              <a:rPr lang="en-US" sz="1600" baseline="30000" dirty="0"/>
+              <a:t>208</a:t>
+            </a:r>
+            <a:r>
+              <a:rPr lang="en-US" sz="1600" dirty="0"/>
+              <a:t>Rn</a:t>
             </a:r>
           </a:p>
           <a:p>
@@ -8220,8 +8264,8 @@
         </p:nvSpPr>
         <p:spPr>
           <a:xfrm>
-            <a:off x="170959" y="3494847"/>
-            <a:ext cx="1060942" cy="461665"/>
+            <a:off x="178108" y="3268442"/>
+            <a:ext cx="1060942" cy="523220"/>
           </a:xfrm>
           <a:prstGeom prst="rect">
             <a:avLst/>
@@ -8240,8 +8284,12 @@
           <a:lstStyle/>
           <a:p>
             <a:r>
-              <a:rPr lang="en-US" sz="1200" dirty="0"/>
-              <a:t>208Fr</a:t>
+              <a:rPr lang="en-US" sz="1600" baseline="30000" dirty="0"/>
+              <a:t>208</a:t>
+            </a:r>
+            <a:r>
+              <a:rPr lang="en-US" sz="1600" dirty="0"/>
+              <a:t>Fr</a:t>
             </a:r>
           </a:p>
           <a:p>
@@ -8319,8 +8367,8 @@
         </p:nvSpPr>
         <p:spPr>
           <a:xfrm>
-            <a:off x="143431" y="4909366"/>
-            <a:ext cx="1260711" cy="461665"/>
+            <a:off x="178108" y="4783661"/>
+            <a:ext cx="1260711" cy="523220"/>
           </a:xfrm>
           <a:prstGeom prst="rect">
             <a:avLst/>
@@ -8339,8 +8387,12 @@
           <a:lstStyle/>
           <a:p>
             <a:r>
-              <a:rPr lang="en-US" sz="1200" dirty="0"/>
-              <a:t>204At</a:t>
+              <a:rPr lang="en-US" sz="1600" baseline="30000" dirty="0"/>
+              <a:t>204</a:t>
+            </a:r>
+            <a:r>
+              <a:rPr lang="en-US" sz="1600" dirty="0"/>
+              <a:t>At</a:t>
             </a:r>
           </a:p>
           <a:p>
@@ -8463,8 +8515,8 @@
         </p:nvSpPr>
         <p:spPr>
           <a:xfrm>
-            <a:off x="233711" y="5673547"/>
-            <a:ext cx="1260711" cy="461665"/>
+            <a:off x="1629784" y="4783661"/>
+            <a:ext cx="1260711" cy="523220"/>
           </a:xfrm>
           <a:prstGeom prst="rect">
             <a:avLst/>
@@ -8483,8 +8535,12 @@
           <a:lstStyle/>
           <a:p>
             <a:r>
-              <a:rPr lang="en-US" sz="1200" dirty="0"/>
-              <a:t>204Po</a:t>
+              <a:rPr lang="en-US" sz="1600" baseline="30000" dirty="0"/>
+              <a:t>204</a:t>
+            </a:r>
+            <a:r>
+              <a:rPr lang="en-US" sz="1600" dirty="0"/>
+              <a:t>Po</a:t>
             </a:r>
           </a:p>
           <a:p>
@@ -29856,7 +29912,7 @@
         <p:spPr>
           <a:xfrm>
             <a:off x="209281" y="1249373"/>
-            <a:ext cx="1165138" cy="461665"/>
+            <a:ext cx="1089680" cy="523220"/>
           </a:xfrm>
           <a:prstGeom prst="rect">
             <a:avLst/>
@@ -29875,8 +29931,12 @@
           <a:lstStyle/>
           <a:p>
             <a:r>
-              <a:rPr lang="en-US" sz="1200" dirty="0"/>
-              <a:t>209Fr</a:t>
+              <a:rPr lang="en-US" sz="1600" baseline="30000" dirty="0"/>
+              <a:t>209</a:t>
+            </a:r>
+            <a:r>
+              <a:rPr lang="en-US" sz="1600" dirty="0"/>
+              <a:t>Fr</a:t>
             </a:r>
           </a:p>
           <a:p>
@@ -29955,7 +30015,7 @@
         <p:spPr>
           <a:xfrm>
             <a:off x="209281" y="1969203"/>
-            <a:ext cx="2102170" cy="1015663"/>
+            <a:ext cx="2102170" cy="1077218"/>
           </a:xfrm>
           <a:prstGeom prst="rect">
             <a:avLst/>
@@ -29974,8 +30034,12 @@
           <a:lstStyle/>
           <a:p>
             <a:r>
-              <a:rPr lang="en-US" sz="1200" dirty="0"/>
-              <a:t>209Rn</a:t>
+              <a:rPr lang="en-US" sz="1600" baseline="30000" dirty="0"/>
+              <a:t>209</a:t>
+            </a:r>
+            <a:r>
+              <a:rPr lang="en-US" sz="1600" dirty="0"/>
+              <a:t>Rn</a:t>
             </a:r>
           </a:p>
           <a:p>
@@ -30018,8 +30082,8 @@
         </p:nvSpPr>
         <p:spPr>
           <a:xfrm>
-            <a:off x="253463" y="3243031"/>
-            <a:ext cx="1165138" cy="461665"/>
+            <a:off x="211918" y="3243030"/>
+            <a:ext cx="1165138" cy="523220"/>
           </a:xfrm>
           <a:prstGeom prst="rect">
             <a:avLst/>
@@ -30038,8 +30102,12 @@
           <a:lstStyle/>
           <a:p>
             <a:r>
-              <a:rPr lang="en-US" sz="1200" dirty="0"/>
-              <a:t>209At</a:t>
+              <a:rPr lang="en-US" sz="1600" baseline="30000" dirty="0"/>
+              <a:t>209</a:t>
+            </a:r>
+            <a:r>
+              <a:rPr lang="en-US" sz="1600" dirty="0"/>
+              <a:t>At</a:t>
             </a:r>
           </a:p>
           <a:p>
@@ -30277,8 +30345,8 @@
         </p:nvSpPr>
         <p:spPr>
           <a:xfrm>
-            <a:off x="253462" y="3962861"/>
-            <a:ext cx="2335913" cy="1200329"/>
+            <a:off x="209281" y="3962859"/>
+            <a:ext cx="2335913" cy="1261884"/>
           </a:xfrm>
           <a:prstGeom prst="rect">
             <a:avLst/>
@@ -30297,8 +30365,12 @@
           <a:lstStyle/>
           <a:p>
             <a:r>
-              <a:rPr lang="en-US" sz="1200" dirty="0"/>
-              <a:t>209Po</a:t>
+              <a:rPr lang="en-US" sz="1600" baseline="30000" dirty="0"/>
+              <a:t>209</a:t>
+            </a:r>
+            <a:r>
+              <a:rPr lang="en-US" sz="1600" dirty="0"/>
+              <a:t>Po</a:t>
             </a:r>
           </a:p>
           <a:p>
@@ -30497,8 +30569,8 @@
         </p:nvSpPr>
         <p:spPr>
           <a:xfrm>
-            <a:off x="305857" y="5421355"/>
-            <a:ext cx="1776331" cy="646331"/>
+            <a:off x="209281" y="5421352"/>
+            <a:ext cx="1776331" cy="707886"/>
           </a:xfrm>
           <a:prstGeom prst="rect">
             <a:avLst/>
@@ -30517,8 +30589,12 @@
           <a:lstStyle/>
           <a:p>
             <a:r>
-              <a:rPr lang="en-US" sz="1200" dirty="0"/>
-              <a:t>209Bi</a:t>
+              <a:rPr lang="en-US" sz="1600" baseline="30000" dirty="0"/>
+              <a:t>209</a:t>
+            </a:r>
+            <a:r>
+              <a:rPr lang="en-US" sz="1600" dirty="0"/>
+              <a:t>Bi</a:t>
             </a:r>
           </a:p>
           <a:p>
@@ -30602,8 +30678,8 @@
         </p:nvSpPr>
         <p:spPr>
           <a:xfrm>
-            <a:off x="1827161" y="3243030"/>
-            <a:ext cx="1165138" cy="461665"/>
+            <a:off x="1606734" y="3243030"/>
+            <a:ext cx="1165138" cy="523220"/>
           </a:xfrm>
           <a:prstGeom prst="rect">
             <a:avLst/>
@@ -30622,8 +30698,12 @@
           <a:lstStyle/>
           <a:p>
             <a:r>
-              <a:rPr lang="en-US" sz="1200" dirty="0"/>
-              <a:t>205At</a:t>
+              <a:rPr lang="en-US" sz="1600" baseline="30000" dirty="0"/>
+              <a:t>205</a:t>
+            </a:r>
+            <a:r>
+              <a:rPr lang="en-US" sz="1600" dirty="0"/>
+              <a:t>At</a:t>
             </a:r>
           </a:p>
           <a:p>
@@ -30648,8 +30728,8 @@
         </p:nvSpPr>
         <p:spPr>
           <a:xfrm>
-            <a:off x="2771872" y="3999960"/>
-            <a:ext cx="1165138" cy="461665"/>
+            <a:off x="2788649" y="3956794"/>
+            <a:ext cx="1165138" cy="523220"/>
           </a:xfrm>
           <a:prstGeom prst="rect">
             <a:avLst/>
@@ -30668,8 +30748,12 @@
           <a:lstStyle/>
           <a:p>
             <a:r>
-              <a:rPr lang="en-US" sz="1200" dirty="0"/>
-              <a:t>205Po</a:t>
+              <a:rPr lang="en-US" sz="1600" baseline="30000" dirty="0"/>
+              <a:t>205</a:t>
+            </a:r>
+            <a:r>
+              <a:rPr lang="en-US" sz="1600" dirty="0"/>
+              <a:t>Po</a:t>
             </a:r>
           </a:p>
           <a:p>
@@ -30840,8 +30924,8 @@
         </p:nvSpPr>
         <p:spPr>
           <a:xfrm>
-            <a:off x="2771872" y="4701525"/>
-            <a:ext cx="1165138" cy="461665"/>
+            <a:off x="2788649" y="4701523"/>
+            <a:ext cx="1165138" cy="523220"/>
           </a:xfrm>
           <a:prstGeom prst="rect">
             <a:avLst/>
@@ -30860,8 +30944,12 @@
           <a:lstStyle/>
           <a:p>
             <a:r>
-              <a:rPr lang="en-US" sz="1200" dirty="0"/>
-              <a:t>201Bi</a:t>
+              <a:rPr lang="en-US" sz="1600" baseline="30000" dirty="0"/>
+              <a:t>201</a:t>
+            </a:r>
+            <a:r>
+              <a:rPr lang="en-US" sz="1600" dirty="0"/>
+              <a:t>Bi</a:t>
             </a:r>
           </a:p>
           <a:p>
@@ -32457,8 +32545,8 @@
         </p:nvSpPr>
         <p:spPr>
           <a:xfrm>
-            <a:off x="243461" y="1758818"/>
-            <a:ext cx="2136182" cy="1938992"/>
+            <a:off x="99854" y="1648415"/>
+            <a:ext cx="2136182" cy="2000548"/>
           </a:xfrm>
           <a:prstGeom prst="rect">
             <a:avLst/>
@@ -32477,9 +32565,14 @@
           <a:lstStyle/>
           <a:p>
             <a:r>
-              <a:rPr lang="en-US" sz="1200" dirty="0"/>
-              <a:t>210Fr</a:t>
-            </a:r>
+              <a:rPr lang="en-US" sz="1600" baseline="30000" dirty="0"/>
+              <a:t>210</a:t>
+            </a:r>
+            <a:r>
+              <a:rPr lang="en-US" sz="1600" dirty="0"/>
+              <a:t>Fr</a:t>
+            </a:r>
+            <a:endParaRPr lang="en-US" sz="1200" dirty="0"/>
           </a:p>
           <a:p>
             <a:r>
@@ -32649,8 +32742,8 @@
         </p:nvSpPr>
         <p:spPr>
           <a:xfrm>
-            <a:off x="287528" y="3789192"/>
-            <a:ext cx="2136182" cy="646331"/>
+            <a:off x="4013152" y="4404745"/>
+            <a:ext cx="2136182" cy="707886"/>
           </a:xfrm>
           <a:prstGeom prst="rect">
             <a:avLst/>
@@ -32669,8 +32762,12 @@
           <a:lstStyle/>
           <a:p>
             <a:r>
-              <a:rPr lang="en-US" sz="1200" dirty="0"/>
-              <a:t>210Rn</a:t>
+              <a:rPr lang="en-US" sz="1600" baseline="30000" dirty="0"/>
+              <a:t>210</a:t>
+            </a:r>
+            <a:r>
+              <a:rPr lang="en-US" sz="1600" dirty="0"/>
+              <a:t>Rn</a:t>
             </a:r>
           </a:p>
           <a:p>
@@ -32754,8 +32851,8 @@
         </p:nvSpPr>
         <p:spPr>
           <a:xfrm>
-            <a:off x="2572329" y="2820318"/>
-            <a:ext cx="2275093" cy="1938992"/>
+            <a:off x="101501" y="3841467"/>
+            <a:ext cx="2275094" cy="2000548"/>
           </a:xfrm>
           <a:prstGeom prst="rect">
             <a:avLst/>
@@ -32774,8 +32871,12 @@
           <a:lstStyle/>
           <a:p>
             <a:r>
-              <a:rPr lang="en-US" sz="1200" dirty="0"/>
-              <a:t>210At</a:t>
+              <a:rPr lang="en-US" sz="1600" baseline="30000" dirty="0"/>
+              <a:t>210</a:t>
+            </a:r>
+            <a:r>
+              <a:rPr lang="en-US" sz="1600" dirty="0"/>
+              <a:t>At</a:t>
             </a:r>
           </a:p>
           <a:p>
@@ -32903,8 +33004,8 @@
         </p:nvSpPr>
         <p:spPr>
           <a:xfrm>
-            <a:off x="270420" y="4577956"/>
-            <a:ext cx="2378632" cy="646331"/>
+            <a:off x="4011541" y="5268771"/>
+            <a:ext cx="2378632" cy="707886"/>
           </a:xfrm>
           <a:prstGeom prst="rect">
             <a:avLst/>
@@ -32923,8 +33024,12 @@
           <a:lstStyle/>
           <a:p>
             <a:r>
-              <a:rPr lang="en-US" sz="1200" dirty="0"/>
-              <a:t>210Po</a:t>
+              <a:rPr lang="en-US" sz="1600" baseline="30000" dirty="0"/>
+              <a:t>210</a:t>
+            </a:r>
+            <a:r>
+              <a:rPr lang="en-US" sz="1600" dirty="0"/>
+              <a:t>Po</a:t>
             </a:r>
           </a:p>
           <a:p>
@@ -33116,8 +33221,8 @@
         </p:nvSpPr>
         <p:spPr>
           <a:xfrm>
-            <a:off x="2852049" y="4866685"/>
-            <a:ext cx="2275093" cy="1015663"/>
+            <a:off x="2478091" y="3156005"/>
+            <a:ext cx="2275093" cy="1077218"/>
           </a:xfrm>
           <a:prstGeom prst="rect">
             <a:avLst/>
@@ -33136,8 +33241,12 @@
           <a:lstStyle/>
           <a:p>
             <a:r>
-              <a:rPr lang="en-US" sz="1200" dirty="0"/>
-              <a:t>206At</a:t>
+              <a:rPr lang="en-US" sz="1600" baseline="30000" dirty="0"/>
+              <a:t>206</a:t>
+            </a:r>
+            <a:r>
+              <a:rPr lang="en-US" sz="1600" dirty="0"/>
+              <a:t>At</a:t>
             </a:r>
           </a:p>
           <a:p>
@@ -33225,8 +33334,8 @@
         </p:nvSpPr>
         <p:spPr>
           <a:xfrm>
-            <a:off x="218073" y="5549627"/>
-            <a:ext cx="1433992" cy="461665"/>
+            <a:off x="2478091" y="5079981"/>
+            <a:ext cx="1433992" cy="523220"/>
           </a:xfrm>
           <a:prstGeom prst="rect">
             <a:avLst/>
@@ -33245,8 +33354,12 @@
           <a:lstStyle/>
           <a:p>
             <a:r>
-              <a:rPr lang="en-US" sz="1200" dirty="0"/>
-              <a:t>206Po</a:t>
+              <a:rPr lang="en-US" sz="1600" baseline="30000" dirty="0"/>
+              <a:t>206</a:t>
+            </a:r>
+            <a:r>
+              <a:rPr lang="en-US" sz="1600" dirty="0"/>
+              <a:t>Po</a:t>
             </a:r>
           </a:p>
           <a:p>
@@ -33465,8 +33578,8 @@
         </p:nvSpPr>
         <p:spPr>
           <a:xfrm>
-            <a:off x="287528" y="6090121"/>
-            <a:ext cx="1433992" cy="461665"/>
+            <a:off x="2478091" y="4394992"/>
+            <a:ext cx="1433992" cy="523220"/>
           </a:xfrm>
           <a:prstGeom prst="rect">
             <a:avLst/>
@@ -33485,8 +33598,12 @@
           <a:lstStyle/>
           <a:p>
             <a:r>
-              <a:rPr lang="en-US" sz="1200" dirty="0"/>
-              <a:t>202Pb</a:t>
+              <a:rPr lang="en-US" sz="1600" baseline="30000" dirty="0"/>
+              <a:t>202</a:t>
+            </a:r>
+            <a:r>
+              <a:rPr lang="en-US" sz="1600" dirty="0"/>
+              <a:t>Pb</a:t>
             </a:r>
           </a:p>
           <a:p>
